--- a/Slide/Memory Layout.pptx
+++ b/Slide/Memory Layout.pptx
@@ -7,22 +7,23 @@
   <p:sldIdLst>
     <p:sldId id="256" r:id="rId2"/>
     <p:sldId id="257" r:id="rId3"/>
-    <p:sldId id="258" r:id="rId4"/>
-    <p:sldId id="259" r:id="rId5"/>
+    <p:sldId id="259" r:id="rId4"/>
+    <p:sldId id="258" r:id="rId5"/>
     <p:sldId id="260" r:id="rId6"/>
     <p:sldId id="261" r:id="rId7"/>
     <p:sldId id="262" r:id="rId8"/>
     <p:sldId id="263" r:id="rId9"/>
-    <p:sldId id="264" r:id="rId10"/>
-    <p:sldId id="265" r:id="rId11"/>
-    <p:sldId id="266" r:id="rId12"/>
-    <p:sldId id="267" r:id="rId13"/>
-    <p:sldId id="268" r:id="rId14"/>
-    <p:sldId id="269" r:id="rId15"/>
-    <p:sldId id="270" r:id="rId16"/>
-    <p:sldId id="271" r:id="rId17"/>
-    <p:sldId id="272" r:id="rId18"/>
-    <p:sldId id="273" r:id="rId19"/>
+    <p:sldId id="274" r:id="rId10"/>
+    <p:sldId id="264" r:id="rId11"/>
+    <p:sldId id="265" r:id="rId12"/>
+    <p:sldId id="266" r:id="rId13"/>
+    <p:sldId id="267" r:id="rId14"/>
+    <p:sldId id="268" r:id="rId15"/>
+    <p:sldId id="269" r:id="rId16"/>
+    <p:sldId id="270" r:id="rId17"/>
+    <p:sldId id="271" r:id="rId18"/>
+    <p:sldId id="272" r:id="rId19"/>
+    <p:sldId id="273" r:id="rId20"/>
   </p:sldIdLst>
   <p:sldSz cx="12192000" cy="6858000"/>
   <p:notesSz cx="6858000" cy="9144000"/>
@@ -144,6 +145,10 @@
 <p1510:revInfo xmlns:a="http://schemas.openxmlformats.org/drawingml/2006/main" xmlns:r="http://schemas.openxmlformats.org/officeDocument/2006/relationships" xmlns:p1510="http://schemas.microsoft.com/office/powerpoint/2015/10/main">
   <p1510:revLst>
     <p1510:client id="{2FEE696A-8F93-4BFC-9DCF-7AE183751C90}" v="840" dt="2023-08-13T15:33:41.761"/>
+    <p1510:client id="{32F5BF5E-DD27-49BF-9CB6-2F78A191179C}" v="12" dt="2023-08-15T02:07:38.204"/>
+    <p1510:client id="{50D61F94-EFCC-4812-9F90-05148092F273}" v="980" dt="2023-08-15T06:24:59.752"/>
+    <p1510:client id="{BCAB031C-1A15-4C20-9E7B-B4E51E837232}" v="1" dt="2023-08-15T06:08:18.403"/>
+    <p1510:client id="{C4A2E0CE-B165-435D-BBF4-A97D36C0CD88}" v="825" dt="2023-08-15T06:17:29.772"/>
     <p1510:client id="{F3D49003-97DD-4D3F-8E4F-E2D418E10748}" v="569" dt="2023-08-14T03:21:07.832"/>
   </p1510:revLst>
 </p1510:revInfo>
@@ -5190,7 +5195,7 @@
               <a:rPr lang="vi"/>
               <a:t>Bấm để chỉnh sửa kiểu tiêu đề Bản cái</a:t>
             </a:r>
-            <a:endParaRPr lang="en-US" dirty="0"/>
+            <a:endParaRPr lang="en-US"/>
           </a:p>
         </p:txBody>
       </p:sp>
@@ -5258,7 +5263,7 @@
               <a:rPr lang="vi"/>
               <a:t>Bấm để chỉnh sửa kiểu phụ đề của Bản cái</a:t>
             </a:r>
-            <a:endParaRPr lang="en-US" dirty="0"/>
+            <a:endParaRPr lang="en-US"/>
           </a:p>
         </p:txBody>
       </p:sp>
@@ -5280,9 +5285,9 @@
             <a:pPr rtl="0"/>
             <a:fld id="{78ABE3C1-DBE1-495D-B57B-2849774B866A}" type="datetimeFigureOut">
               <a:rPr lang="en-US" dirty="0"/>
-              <a:t>8/13/2023</a:t>
+              <a:t>8/14/2023</a:t>
             </a:fld>
-            <a:endParaRPr lang="en-US" dirty="0"/>
+            <a:endParaRPr lang="en-US"/>
           </a:p>
         </p:txBody>
       </p:sp>
@@ -5302,7 +5307,7 @@
           <a:lstStyle/>
           <a:p>
             <a:pPr rtl="0"/>
-            <a:endParaRPr lang="en-US" dirty="0"/>
+            <a:endParaRPr lang="en-US"/>
           </a:p>
         </p:txBody>
       </p:sp>
@@ -5331,7 +5336,7 @@
               <a:rPr lang="en-US" dirty="0"/>
               <a:t>‹#›</a:t>
             </a:fld>
-            <a:endParaRPr lang="en-US" dirty="0"/>
+            <a:endParaRPr lang="en-US"/>
           </a:p>
         </p:txBody>
       </p:sp>
@@ -5530,7 +5535,7 @@
               <a:rPr lang="vi"/>
               <a:t>Bấm để chỉnh sửa kiểu tiêu đề Bản cái</a:t>
             </a:r>
-            <a:endParaRPr lang="en-US" dirty="0"/>
+            <a:endParaRPr lang="en-US"/>
           </a:p>
         </p:txBody>
       </p:sp>
@@ -5607,7 +5612,7 @@
               <a:rPr lang="vi"/>
               <a:t>Bấm vào biểu tượng để thêm ảnh</a:t>
             </a:r>
-            <a:endParaRPr lang="en-US" dirty="0"/>
+            <a:endParaRPr lang="en-US"/>
           </a:p>
         </p:txBody>
       </p:sp>
@@ -5694,9 +5699,9 @@
             <a:pPr rtl="0"/>
             <a:fld id="{446C117F-5CCF-4837-BE5F-2B92066CAFAF}" type="datetimeFigureOut">
               <a:rPr lang="en-US" dirty="0"/>
-              <a:t>8/13/2023</a:t>
+              <a:t>8/14/2023</a:t>
             </a:fld>
-            <a:endParaRPr lang="en-US" dirty="0"/>
+            <a:endParaRPr lang="en-US"/>
           </a:p>
         </p:txBody>
       </p:sp>
@@ -5716,7 +5721,7 @@
           <a:lstStyle/>
           <a:p>
             <a:pPr rtl="0"/>
-            <a:endParaRPr lang="en-US" dirty="0"/>
+            <a:endParaRPr lang="en-US"/>
           </a:p>
         </p:txBody>
       </p:sp>
@@ -5745,7 +5750,7 @@
               <a:rPr lang="en-US" dirty="0"/>
               <a:t>‹#›</a:t>
             </a:fld>
-            <a:endParaRPr lang="en-US" dirty="0"/>
+            <a:endParaRPr lang="en-US"/>
           </a:p>
         </p:txBody>
       </p:sp>
@@ -5942,7 +5947,7 @@
               <a:rPr lang="vi"/>
               <a:t>Bấm để chỉnh sửa kiểu tiêu đề Bản cái</a:t>
             </a:r>
-            <a:endParaRPr lang="en-US" dirty="0"/>
+            <a:endParaRPr lang="en-US"/>
           </a:p>
         </p:txBody>
       </p:sp>
@@ -6029,9 +6034,9 @@
             <a:pPr rtl="0"/>
             <a:fld id="{84EB90BD-B6CE-46B7-997F-7313B992CCDC}" type="datetimeFigureOut">
               <a:rPr lang="en-US" dirty="0"/>
-              <a:t>8/13/2023</a:t>
+              <a:t>8/14/2023</a:t>
             </a:fld>
-            <a:endParaRPr lang="en-US" dirty="0"/>
+            <a:endParaRPr lang="en-US"/>
           </a:p>
         </p:txBody>
       </p:sp>
@@ -6051,7 +6056,7 @@
           <a:lstStyle/>
           <a:p>
             <a:pPr rtl="0"/>
-            <a:endParaRPr lang="en-US" dirty="0"/>
+            <a:endParaRPr lang="en-US"/>
           </a:p>
         </p:txBody>
       </p:sp>
@@ -6080,7 +6085,7 @@
               <a:rPr lang="en-US" dirty="0"/>
               <a:t>‹#›</a:t>
             </a:fld>
-            <a:endParaRPr lang="en-US" dirty="0"/>
+            <a:endParaRPr lang="en-US"/>
           </a:p>
         </p:txBody>
       </p:sp>
@@ -6277,7 +6282,7 @@
               <a:rPr lang="vi"/>
               <a:t>Bấm để chỉnh sửa kiểu tiêu đề Bản cái</a:t>
             </a:r>
-            <a:endParaRPr lang="en-US" dirty="0"/>
+            <a:endParaRPr lang="en-US"/>
           </a:p>
         </p:txBody>
       </p:sp>
@@ -6433,9 +6438,9 @@
             <a:pPr rtl="0"/>
             <a:fld id="{CDB9D11F-B188-461D-B23F-39381795C052}" type="datetimeFigureOut">
               <a:rPr lang="en-US" dirty="0"/>
-              <a:t>8/13/2023</a:t>
+              <a:t>8/14/2023</a:t>
             </a:fld>
-            <a:endParaRPr lang="en-US" dirty="0"/>
+            <a:endParaRPr lang="en-US"/>
           </a:p>
         </p:txBody>
       </p:sp>
@@ -6455,7 +6460,7 @@
           <a:lstStyle/>
           <a:p>
             <a:pPr rtl="0"/>
-            <a:endParaRPr lang="en-US" dirty="0"/>
+            <a:endParaRPr lang="en-US"/>
           </a:p>
         </p:txBody>
       </p:sp>
@@ -6484,7 +6489,7 @@
               <a:rPr lang="en-US" dirty="0"/>
               <a:t>‹#›</a:t>
             </a:fld>
-            <a:endParaRPr lang="en-US" dirty="0"/>
+            <a:endParaRPr lang="en-US"/>
           </a:p>
         </p:txBody>
       </p:sp>
@@ -6913,7 +6918,7 @@
               <a:rPr lang="vi"/>
               <a:t>Bấm để chỉnh sửa kiểu tiêu đề Bản cái</a:t>
             </a:r>
-            <a:endParaRPr lang="en-US" dirty="0"/>
+            <a:endParaRPr lang="en-US"/>
           </a:p>
         </p:txBody>
       </p:sp>
@@ -7000,9 +7005,9 @@
             <a:pPr rtl="0"/>
             <a:fld id="{52E6D8D9-55A2-4063-B0F3-121F44549695}" type="datetimeFigureOut">
               <a:rPr lang="en-US" dirty="0"/>
-              <a:t>8/13/2023</a:t>
+              <a:t>8/14/2023</a:t>
             </a:fld>
-            <a:endParaRPr lang="en-US" dirty="0"/>
+            <a:endParaRPr lang="en-US"/>
           </a:p>
         </p:txBody>
       </p:sp>
@@ -7022,7 +7027,7 @@
           <a:lstStyle/>
           <a:p>
             <a:pPr rtl="0"/>
-            <a:endParaRPr lang="en-US" dirty="0"/>
+            <a:endParaRPr lang="en-US"/>
           </a:p>
         </p:txBody>
       </p:sp>
@@ -7051,7 +7056,7 @@
               <a:rPr lang="en-US" dirty="0"/>
               <a:t>‹#›</a:t>
             </a:fld>
-            <a:endParaRPr lang="en-US" dirty="0"/>
+            <a:endParaRPr lang="en-US"/>
           </a:p>
         </p:txBody>
       </p:sp>
@@ -7244,7 +7249,7 @@
               <a:rPr lang="vi"/>
               <a:t>Bấm để chỉnh sửa kiểu tiêu đề Bản cái</a:t>
             </a:r>
-            <a:endParaRPr lang="en-US" dirty="0"/>
+            <a:endParaRPr lang="en-US"/>
           </a:p>
         </p:txBody>
       </p:sp>
@@ -7680,9 +7685,9 @@
             <a:pPr rtl="0"/>
             <a:fld id="{D4B24536-994D-4021-A283-9F449C0DB509}" type="datetimeFigureOut">
               <a:rPr lang="en-US" dirty="0"/>
-              <a:t>8/13/2023</a:t>
+              <a:t>8/14/2023</a:t>
             </a:fld>
-            <a:endParaRPr lang="en-US" dirty="0"/>
+            <a:endParaRPr lang="en-US"/>
           </a:p>
         </p:txBody>
       </p:sp>
@@ -7702,7 +7707,7 @@
           <a:lstStyle/>
           <a:p>
             <a:pPr rtl="0"/>
-            <a:endParaRPr lang="en-US" dirty="0"/>
+            <a:endParaRPr lang="en-US"/>
           </a:p>
         </p:txBody>
       </p:sp>
@@ -7726,7 +7731,7 @@
               <a:rPr lang="en-US" dirty="0"/>
               <a:t>‹#›</a:t>
             </a:fld>
-            <a:endParaRPr lang="en-US" dirty="0"/>
+            <a:endParaRPr lang="en-US"/>
           </a:p>
         </p:txBody>
       </p:sp>
@@ -7919,7 +7924,7 @@
               <a:rPr lang="vi"/>
               <a:t>Bấm để chỉnh sửa kiểu tiêu đề Bản cái</a:t>
             </a:r>
-            <a:endParaRPr lang="en-US" dirty="0"/>
+            <a:endParaRPr lang="en-US"/>
           </a:p>
         </p:txBody>
       </p:sp>
@@ -8070,7 +8075,7 @@
               <a:rPr lang="vi"/>
               <a:t>Bấm vào biểu tượng để thêm ảnh</a:t>
             </a:r>
-            <a:endParaRPr lang="en-US" dirty="0"/>
+            <a:endParaRPr lang="en-US"/>
           </a:p>
         </p:txBody>
       </p:sp>
@@ -8288,7 +8293,7 @@
               <a:rPr lang="vi"/>
               <a:t>Bấm vào biểu tượng để thêm ảnh</a:t>
             </a:r>
-            <a:endParaRPr lang="en-US" dirty="0"/>
+            <a:endParaRPr lang="en-US"/>
           </a:p>
         </p:txBody>
       </p:sp>
@@ -8506,7 +8511,7 @@
               <a:rPr lang="vi"/>
               <a:t>Bấm vào biểu tượng để thêm ảnh</a:t>
             </a:r>
-            <a:endParaRPr lang="en-US" dirty="0"/>
+            <a:endParaRPr lang="en-US"/>
           </a:p>
         </p:txBody>
       </p:sp>
@@ -8595,9 +8600,9 @@
             <a:pPr rtl="0"/>
             <a:fld id="{3CBBBB78-C96F-47B7-AB17-D852CA960AC9}" type="datetimeFigureOut">
               <a:rPr lang="en-US" dirty="0"/>
-              <a:t>8/13/2023</a:t>
+              <a:t>8/14/2023</a:t>
             </a:fld>
-            <a:endParaRPr lang="en-US" dirty="0"/>
+            <a:endParaRPr lang="en-US"/>
           </a:p>
         </p:txBody>
       </p:sp>
@@ -8617,7 +8622,7 @@
           <a:lstStyle/>
           <a:p>
             <a:pPr rtl="0"/>
-            <a:endParaRPr lang="en-US" dirty="0"/>
+            <a:endParaRPr lang="en-US"/>
           </a:p>
         </p:txBody>
       </p:sp>
@@ -8641,7 +8646,7 @@
               <a:rPr lang="en-US" dirty="0"/>
               <a:t>‹#›</a:t>
             </a:fld>
-            <a:endParaRPr lang="en-US" dirty="0"/>
+            <a:endParaRPr lang="en-US"/>
           </a:p>
         </p:txBody>
       </p:sp>
@@ -8833,7 +8838,7 @@
               <a:rPr lang="vi"/>
               <a:t>Bấm để chỉnh sửa kiểu tiêu đề Bản cái</a:t>
             </a:r>
-            <a:endParaRPr lang="en-US" dirty="0"/>
+            <a:endParaRPr lang="en-US"/>
           </a:p>
         </p:txBody>
       </p:sp>
@@ -8885,7 +8890,7 @@
               <a:rPr lang="vi"/>
               <a:t>Mức năm</a:t>
             </a:r>
-            <a:endParaRPr lang="en-US" dirty="0"/>
+            <a:endParaRPr lang="en-US"/>
           </a:p>
         </p:txBody>
       </p:sp>
@@ -8907,9 +8912,9 @@
             <a:pPr rtl="0"/>
             <a:fld id="{1FA3F48C-C7C6-4055-9F49-3777875E72AE}" type="datetimeFigureOut">
               <a:rPr lang="en-US" dirty="0"/>
-              <a:t>8/13/2023</a:t>
+              <a:t>8/14/2023</a:t>
             </a:fld>
-            <a:endParaRPr lang="en-US" dirty="0"/>
+            <a:endParaRPr lang="en-US"/>
           </a:p>
         </p:txBody>
       </p:sp>
@@ -8929,7 +8934,7 @@
           <a:lstStyle/>
           <a:p>
             <a:pPr rtl="0"/>
-            <a:endParaRPr lang="en-US" dirty="0"/>
+            <a:endParaRPr lang="en-US"/>
           </a:p>
         </p:txBody>
       </p:sp>
@@ -8953,7 +8958,7 @@
               <a:rPr lang="en-US" dirty="0"/>
               <a:t>‹#›</a:t>
             </a:fld>
-            <a:endParaRPr lang="en-US" dirty="0"/>
+            <a:endParaRPr lang="en-US"/>
           </a:p>
         </p:txBody>
       </p:sp>
@@ -9086,7 +9091,7 @@
               <a:rPr lang="vi"/>
               <a:t>Bấm để chỉnh sửa kiểu tiêu đề Bản cái</a:t>
             </a:r>
-            <a:endParaRPr lang="en-US" dirty="0"/>
+            <a:endParaRPr lang="en-US"/>
           </a:p>
         </p:txBody>
       </p:sp>
@@ -9143,7 +9148,7 @@
               <a:rPr lang="vi"/>
               <a:t>Mức năm</a:t>
             </a:r>
-            <a:endParaRPr lang="en-US" dirty="0"/>
+            <a:endParaRPr lang="en-US"/>
           </a:p>
         </p:txBody>
       </p:sp>
@@ -9170,9 +9175,9 @@
             <a:pPr rtl="0"/>
             <a:fld id="{6178E61D-D431-422C-9764-11DAFE33AB63}" type="datetimeFigureOut">
               <a:rPr lang="en-US" dirty="0"/>
-              <a:t>8/13/2023</a:t>
+              <a:t>8/14/2023</a:t>
             </a:fld>
-            <a:endParaRPr lang="en-US" dirty="0"/>
+            <a:endParaRPr lang="en-US"/>
           </a:p>
         </p:txBody>
       </p:sp>
@@ -9197,7 +9202,7 @@
           <a:lstStyle/>
           <a:p>
             <a:pPr rtl="0"/>
-            <a:endParaRPr lang="en-US" dirty="0"/>
+            <a:endParaRPr lang="en-US"/>
           </a:p>
         </p:txBody>
       </p:sp>
@@ -9228,10 +9233,10 @@
             <a:pPr rtl="0"/>
             <a:fld id="{6D22F896-40B5-4ADD-8801-0D06FADFA095}" type="slidenum">
               <a:rPr lang="en-US" dirty="0"/>
-              <a:pPr/>
+              <a:pPr rtl="0"/>
               <a:t>‹#›</a:t>
             </a:fld>
-            <a:endParaRPr lang="en-US" dirty="0"/>
+            <a:endParaRPr lang="en-US"/>
           </a:p>
         </p:txBody>
       </p:sp>
@@ -9419,7 +9424,7 @@
               <a:rPr lang="vi"/>
               <a:t>Bấm để chỉnh sửa kiểu tiêu đề Bản cái</a:t>
             </a:r>
-            <a:endParaRPr lang="en-US" dirty="0"/>
+            <a:endParaRPr lang="en-US"/>
           </a:p>
         </p:txBody>
       </p:sp>
@@ -9471,7 +9476,7 @@
               <a:rPr lang="vi"/>
               <a:t>Mức năm</a:t>
             </a:r>
-            <a:endParaRPr lang="en-US" dirty="0"/>
+            <a:endParaRPr lang="en-US"/>
           </a:p>
         </p:txBody>
       </p:sp>
@@ -9493,9 +9498,9 @@
             <a:pPr rtl="0"/>
             <a:fld id="{12DE42F4-6EEF-4EF7-8ED4-2208F0F89A08}" type="datetimeFigureOut">
               <a:rPr lang="en-US" dirty="0"/>
-              <a:t>8/13/2023</a:t>
+              <a:t>8/14/2023</a:t>
             </a:fld>
-            <a:endParaRPr lang="en-US" dirty="0"/>
+            <a:endParaRPr lang="en-US"/>
           </a:p>
         </p:txBody>
       </p:sp>
@@ -9515,7 +9520,7 @@
           <a:lstStyle/>
           <a:p>
             <a:pPr rtl="0"/>
-            <a:endParaRPr lang="en-US" dirty="0"/>
+            <a:endParaRPr lang="en-US"/>
           </a:p>
         </p:txBody>
       </p:sp>
@@ -9539,7 +9544,7 @@
               <a:rPr lang="en-US" dirty="0"/>
               <a:t>‹#›</a:t>
             </a:fld>
-            <a:endParaRPr lang="en-US" dirty="0"/>
+            <a:endParaRPr lang="en-US"/>
           </a:p>
         </p:txBody>
       </p:sp>
@@ -9738,7 +9743,7 @@
               <a:rPr lang="vi"/>
               <a:t>Bấm để chỉnh sửa kiểu tiêu đề Bản cái</a:t>
             </a:r>
-            <a:endParaRPr lang="en-US" dirty="0"/>
+            <a:endParaRPr lang="en-US"/>
           </a:p>
         </p:txBody>
       </p:sp>
@@ -9881,9 +9886,9 @@
             <a:pPr rtl="0"/>
             <a:fld id="{30578ACC-22D6-47C1-A373-4FD133E34F3C}" type="datetimeFigureOut">
               <a:rPr lang="en-US" dirty="0"/>
-              <a:t>8/13/2023</a:t>
+              <a:t>8/14/2023</a:t>
             </a:fld>
-            <a:endParaRPr lang="en-US" dirty="0"/>
+            <a:endParaRPr lang="en-US"/>
           </a:p>
         </p:txBody>
       </p:sp>
@@ -9903,7 +9908,7 @@
           <a:lstStyle/>
           <a:p>
             <a:pPr rtl="0"/>
-            <a:endParaRPr lang="en-US" dirty="0"/>
+            <a:endParaRPr lang="en-US"/>
           </a:p>
         </p:txBody>
       </p:sp>
@@ -9932,7 +9937,7 @@
               <a:rPr lang="en-US" dirty="0"/>
               <a:t>‹#›</a:t>
             </a:fld>
-            <a:endParaRPr lang="en-US" dirty="0"/>
+            <a:endParaRPr lang="en-US"/>
           </a:p>
         </p:txBody>
       </p:sp>
@@ -10120,7 +10125,7 @@
               <a:rPr lang="vi"/>
               <a:t>Bấm để chỉnh sửa kiểu tiêu đề Bản cái</a:t>
             </a:r>
-            <a:endParaRPr lang="en-US" dirty="0"/>
+            <a:endParaRPr lang="en-US"/>
           </a:p>
         </p:txBody>
       </p:sp>
@@ -10177,7 +10182,7 @@
               <a:rPr lang="vi"/>
               <a:t>Mức năm</a:t>
             </a:r>
-            <a:endParaRPr lang="en-US" dirty="0"/>
+            <a:endParaRPr lang="en-US"/>
           </a:p>
         </p:txBody>
       </p:sp>
@@ -10234,7 +10239,7 @@
               <a:rPr lang="vi"/>
               <a:t>Mức năm</a:t>
             </a:r>
-            <a:endParaRPr lang="en-US" dirty="0"/>
+            <a:endParaRPr lang="en-US"/>
           </a:p>
         </p:txBody>
       </p:sp>
@@ -10256,9 +10261,9 @@
             <a:pPr rtl="0"/>
             <a:fld id="{4E5A6C69-6797-4E8A-BF37-F2C3751466E9}" type="datetimeFigureOut">
               <a:rPr lang="en-US" dirty="0"/>
-              <a:t>8/13/2023</a:t>
+              <a:t>8/14/2023</a:t>
             </a:fld>
-            <a:endParaRPr lang="en-US" dirty="0"/>
+            <a:endParaRPr lang="en-US"/>
           </a:p>
         </p:txBody>
       </p:sp>
@@ -10278,7 +10283,7 @@
           <a:lstStyle/>
           <a:p>
             <a:pPr rtl="0"/>
-            <a:endParaRPr lang="en-US" dirty="0"/>
+            <a:endParaRPr lang="en-US"/>
           </a:p>
         </p:txBody>
       </p:sp>
@@ -10302,7 +10307,7 @@
               <a:rPr lang="en-US" dirty="0"/>
               <a:t>‹#›</a:t>
             </a:fld>
-            <a:endParaRPr lang="en-US" dirty="0"/>
+            <a:endParaRPr lang="en-US"/>
           </a:p>
         </p:txBody>
       </p:sp>
@@ -10495,7 +10500,7 @@
               <a:rPr lang="vi"/>
               <a:t>Bấm để chỉnh sửa kiểu tiêu đề Bản cái</a:t>
             </a:r>
-            <a:endParaRPr lang="en-US" dirty="0"/>
+            <a:endParaRPr lang="en-US"/>
           </a:p>
         </p:txBody>
       </p:sp>
@@ -10617,7 +10622,7 @@
               <a:rPr lang="vi"/>
               <a:t>Mức năm</a:t>
             </a:r>
-            <a:endParaRPr lang="en-US" dirty="0"/>
+            <a:endParaRPr lang="en-US"/>
           </a:p>
         </p:txBody>
       </p:sp>
@@ -10739,7 +10744,7 @@
               <a:rPr lang="vi"/>
               <a:t>Mức năm</a:t>
             </a:r>
-            <a:endParaRPr lang="en-US" dirty="0"/>
+            <a:endParaRPr lang="en-US"/>
           </a:p>
         </p:txBody>
       </p:sp>
@@ -10761,9 +10766,9 @@
             <a:pPr rtl="0"/>
             <a:fld id="{D82014A1-A632-4878-A0D3-F52BA7563730}" type="datetimeFigureOut">
               <a:rPr lang="en-US" dirty="0"/>
-              <a:t>8/13/2023</a:t>
+              <a:t>8/14/2023</a:t>
             </a:fld>
-            <a:endParaRPr lang="en-US" dirty="0"/>
+            <a:endParaRPr lang="en-US"/>
           </a:p>
         </p:txBody>
       </p:sp>
@@ -10783,7 +10788,7 @@
           <a:lstStyle/>
           <a:p>
             <a:pPr rtl="0"/>
-            <a:endParaRPr lang="en-US" dirty="0"/>
+            <a:endParaRPr lang="en-US"/>
           </a:p>
         </p:txBody>
       </p:sp>
@@ -10807,7 +10812,7 @@
               <a:rPr lang="en-US" dirty="0"/>
               <a:t>‹#›</a:t>
             </a:fld>
-            <a:endParaRPr lang="en-US" dirty="0"/>
+            <a:endParaRPr lang="en-US"/>
           </a:p>
         </p:txBody>
       </p:sp>
@@ -10995,7 +11000,7 @@
               <a:rPr lang="vi"/>
               <a:t>Bấm để chỉnh sửa kiểu tiêu đề Bản cái</a:t>
             </a:r>
-            <a:endParaRPr lang="en-US" dirty="0"/>
+            <a:endParaRPr lang="en-US"/>
           </a:p>
         </p:txBody>
       </p:sp>
@@ -11017,9 +11022,9 @@
             <a:pPr rtl="0"/>
             <a:fld id="{CE99F462-093F-4566-844B-4C71F2739DA5}" type="datetimeFigureOut">
               <a:rPr lang="en-US" dirty="0"/>
-              <a:t>8/13/2023</a:t>
+              <a:t>8/14/2023</a:t>
             </a:fld>
-            <a:endParaRPr lang="en-US" dirty="0"/>
+            <a:endParaRPr lang="en-US"/>
           </a:p>
         </p:txBody>
       </p:sp>
@@ -11039,7 +11044,7 @@
           <a:lstStyle/>
           <a:p>
             <a:pPr rtl="0"/>
-            <a:endParaRPr lang="en-US" dirty="0"/>
+            <a:endParaRPr lang="en-US"/>
           </a:p>
         </p:txBody>
       </p:sp>
@@ -11063,7 +11068,7 @@
               <a:rPr lang="en-US" dirty="0"/>
               <a:t>‹#›</a:t>
             </a:fld>
-            <a:endParaRPr lang="en-US" dirty="0"/>
+            <a:endParaRPr lang="en-US"/>
           </a:p>
         </p:txBody>
       </p:sp>
@@ -11178,9 +11183,9 @@
             <a:pPr rtl="0"/>
             <a:fld id="{3D24A7AC-904D-4781-85BA-7D10C17ED021}" type="datetimeFigureOut">
               <a:rPr lang="en-US" dirty="0"/>
-              <a:t>8/13/2023</a:t>
+              <a:t>8/14/2023</a:t>
             </a:fld>
-            <a:endParaRPr lang="en-US" dirty="0"/>
+            <a:endParaRPr lang="en-US"/>
           </a:p>
         </p:txBody>
       </p:sp>
@@ -11200,7 +11205,7 @@
           <a:lstStyle/>
           <a:p>
             <a:pPr rtl="0"/>
-            <a:endParaRPr lang="en-US" dirty="0"/>
+            <a:endParaRPr lang="en-US"/>
           </a:p>
         </p:txBody>
       </p:sp>
@@ -11224,7 +11229,7 @@
               <a:rPr lang="en-US" dirty="0"/>
               <a:t>‹#›</a:t>
             </a:fld>
-            <a:endParaRPr lang="en-US" dirty="0"/>
+            <a:endParaRPr lang="en-US"/>
           </a:p>
         </p:txBody>
       </p:sp>
@@ -11423,7 +11428,7 @@
               <a:rPr lang="vi"/>
               <a:t>Bấm để chỉnh sửa kiểu tiêu đề Bản cái</a:t>
             </a:r>
-            <a:endParaRPr lang="en-US" dirty="0"/>
+            <a:endParaRPr lang="en-US"/>
           </a:p>
         </p:txBody>
       </p:sp>
@@ -11480,7 +11485,7 @@
               <a:rPr lang="vi"/>
               <a:t>Mức năm</a:t>
             </a:r>
-            <a:endParaRPr lang="en-US" dirty="0"/>
+            <a:endParaRPr lang="en-US"/>
           </a:p>
         </p:txBody>
       </p:sp>
@@ -11567,9 +11572,9 @@
             <a:pPr rtl="0"/>
             <a:fld id="{E331444B-B92B-4E27-8C94-BB93EAF5CB18}" type="datetimeFigureOut">
               <a:rPr lang="en-US" dirty="0"/>
-              <a:t>8/13/2023</a:t>
+              <a:t>8/14/2023</a:t>
             </a:fld>
-            <a:endParaRPr lang="en-US" dirty="0"/>
+            <a:endParaRPr lang="en-US"/>
           </a:p>
         </p:txBody>
       </p:sp>
@@ -11589,7 +11594,7 @@
           <a:lstStyle/>
           <a:p>
             <a:pPr rtl="0"/>
-            <a:endParaRPr lang="en-US" dirty="0"/>
+            <a:endParaRPr lang="en-US"/>
           </a:p>
         </p:txBody>
       </p:sp>
@@ -11613,7 +11618,7 @@
               <a:rPr lang="en-US" dirty="0"/>
               <a:t>‹#›</a:t>
             </a:fld>
-            <a:endParaRPr lang="en-US" dirty="0"/>
+            <a:endParaRPr lang="en-US"/>
           </a:p>
         </p:txBody>
       </p:sp>
@@ -11812,7 +11817,7 @@
               <a:rPr lang="vi"/>
               <a:t>Bấm để chỉnh sửa kiểu tiêu đề Bản cái</a:t>
             </a:r>
-            <a:endParaRPr lang="en-US" dirty="0"/>
+            <a:endParaRPr lang="en-US"/>
           </a:p>
         </p:txBody>
       </p:sp>
@@ -11889,7 +11894,7 @@
               <a:rPr lang="vi"/>
               <a:t>Bấm vào biểu tượng để thêm ảnh</a:t>
             </a:r>
-            <a:endParaRPr lang="en-US" dirty="0"/>
+            <a:endParaRPr lang="en-US"/>
           </a:p>
         </p:txBody>
       </p:sp>
@@ -11976,9 +11981,9 @@
             <a:pPr rtl="0"/>
             <a:fld id="{363EFA5E-FA76-400D-B3DC-F0BA90E6D107}" type="datetimeFigureOut">
               <a:rPr lang="en-US" dirty="0"/>
-              <a:t>8/13/2023</a:t>
+              <a:t>8/14/2023</a:t>
             </a:fld>
-            <a:endParaRPr lang="en-US" dirty="0"/>
+            <a:endParaRPr lang="en-US"/>
           </a:p>
         </p:txBody>
       </p:sp>
@@ -11998,7 +12003,7 @@
           <a:lstStyle/>
           <a:p>
             <a:pPr rtl="0"/>
-            <a:endParaRPr lang="en-US" dirty="0"/>
+            <a:endParaRPr lang="en-US"/>
           </a:p>
         </p:txBody>
       </p:sp>
@@ -12022,7 +12027,7 @@
               <a:rPr lang="en-US" dirty="0"/>
               <a:t>‹#›</a:t>
             </a:fld>
-            <a:endParaRPr lang="en-US" dirty="0"/>
+            <a:endParaRPr lang="en-US"/>
           </a:p>
         </p:txBody>
       </p:sp>
@@ -12117,7 +12122,7 @@
               <a:rPr lang="vi"/>
               <a:t>Bấm để chỉnh sửa kiểu tiêu đề Bản cái</a:t>
             </a:r>
-            <a:endParaRPr lang="en-US" dirty="0"/>
+            <a:endParaRPr lang="en-US"/>
           </a:p>
         </p:txBody>
       </p:sp>
@@ -12179,7 +12184,7 @@
               <a:rPr lang="vi"/>
               <a:t>Mức năm</a:t>
             </a:r>
-            <a:endParaRPr lang="en-US" dirty="0"/>
+            <a:endParaRPr lang="en-US"/>
           </a:p>
         </p:txBody>
       </p:sp>
@@ -12219,9 +12224,9 @@
             <a:pPr rtl="0"/>
             <a:fld id="{9D6E9DEC-419B-4CC5-A080-3B06BD5A8291}" type="datetimeFigureOut">
               <a:rPr lang="en-US" dirty="0"/>
-              <a:t>8/13/2023</a:t>
+              <a:t>8/14/2023</a:t>
             </a:fld>
-            <a:endParaRPr lang="en-US" dirty="0"/>
+            <a:endParaRPr lang="en-US"/>
           </a:p>
         </p:txBody>
       </p:sp>
@@ -12259,7 +12264,7 @@
           </a:lstStyle>
           <a:p>
             <a:pPr rtl="0"/>
-            <a:endParaRPr lang="en-US" dirty="0"/>
+            <a:endParaRPr lang="en-US"/>
           </a:p>
         </p:txBody>
       </p:sp>
@@ -12299,10 +12304,10 @@
             <a:pPr rtl="0"/>
             <a:fld id="{6D22F896-40B5-4ADD-8801-0D06FADFA095}" type="slidenum">
               <a:rPr lang="en-US" dirty="0"/>
-              <a:pPr/>
+              <a:pPr rtl="0"/>
               <a:t>‹#›</a:t>
             </a:fld>
-            <a:endParaRPr lang="en-US" dirty="0"/>
+            <a:endParaRPr lang="en-US"/>
           </a:p>
         </p:txBody>
       </p:sp>
@@ -12645,7 +12650,7 @@
           <a:lstStyle/>
           <a:p>
             <a:r>
-              <a:rPr lang="en-US" dirty="0"/>
+              <a:rPr lang="en-US"/>
               <a:t>Memory layout</a:t>
             </a:r>
           </a:p>
@@ -12706,7 +12711,7 @@
           <p:cNvPr id="2" name="Tiêu đề 1">
             <a:extLst>
               <a:ext uri="{FF2B5EF4-FFF2-40B4-BE49-F238E27FC236}">
-                <a16:creationId xmlns:a16="http://schemas.microsoft.com/office/drawing/2014/main" id="{29A430B3-7D6C-3324-D25B-AB2A2055CA81}"/>
+                <a16:creationId xmlns:a16="http://schemas.microsoft.com/office/drawing/2014/main" id="{52CA225D-4781-E2B2-FE71-9328F08C8FEF}"/>
               </a:ext>
             </a:extLst>
           </p:cNvPr>
@@ -12723,381 +12728,116 @@
           <a:lstStyle/>
           <a:p>
             <a:r>
-              <a:rPr lang="vi-VN" dirty="0" err="1">
+              <a:rPr lang="vi-VN">
                 <a:latin typeface="Times New Roman"/>
                 <a:cs typeface="Times New Roman"/>
               </a:rPr>
-              <a:t>II.Callstack</a:t>
-            </a:r>
-            <a:endParaRPr lang="vi-VN" dirty="0" err="1"/>
+              <a:t>II.Call stack</a:t>
+            </a:r>
+            <a:endParaRPr lang="vi-VN"/>
           </a:p>
         </p:txBody>
       </p:sp>
-      <p:pic>
-        <p:nvPicPr>
-          <p:cNvPr id="7" name="Chỗ dành sẵn cho Nội dung 6" descr="Ảnh có chứa văn bản, ảnh chụp màn hình, Phông chữ, thiết kế&#10;&#10;Mô tả được tự động tạo">
+      <p:sp>
+        <p:nvSpPr>
+          <p:cNvPr id="3" name="Chỗ dành sẵn cho Nội dung 2">
             <a:extLst>
               <a:ext uri="{FF2B5EF4-FFF2-40B4-BE49-F238E27FC236}">
-                <a16:creationId xmlns:a16="http://schemas.microsoft.com/office/drawing/2014/main" id="{25D4BA90-CCC0-0DC9-0FF9-96F69C936596}"/>
+                <a16:creationId xmlns:a16="http://schemas.microsoft.com/office/drawing/2014/main" id="{F941C4B0-A949-7411-4FD6-CE5EAE254BED}"/>
               </a:ext>
             </a:extLst>
           </p:cNvPr>
-          <p:cNvPicPr>
-            <a:picLocks noGrp="1" noChangeAspect="1"/>
-          </p:cNvPicPr>
+          <p:cNvSpPr>
+            <a:spLocks noGrp="1"/>
+          </p:cNvSpPr>
           <p:nvPr>
             <p:ph idx="1"/>
           </p:nvPr>
-        </p:nvPicPr>
-        <p:blipFill>
-          <a:blip r:embed="rId2"/>
-          <a:stretch>
-            <a:fillRect/>
-          </a:stretch>
-        </p:blipFill>
-        <p:spPr>
-          <a:xfrm>
-            <a:off x="8445340" y="1991816"/>
-            <a:ext cx="1976988" cy="4864523"/>
-          </a:xfrm>
-        </p:spPr>
-      </p:pic>
-      <p:sp>
-        <p:nvSpPr>
-          <p:cNvPr id="8" name="Hình chữ nhật 7">
-            <a:extLst>
-              <a:ext uri="{FF2B5EF4-FFF2-40B4-BE49-F238E27FC236}">
-                <a16:creationId xmlns:a16="http://schemas.microsoft.com/office/drawing/2014/main" id="{25855550-68AE-5834-135D-2C39D55AA9BA}"/>
-              </a:ext>
-            </a:extLst>
-          </p:cNvPr>
-          <p:cNvSpPr/>
-          <p:nvPr/>
-        </p:nvSpPr>
-        <p:spPr>
-          <a:xfrm>
-            <a:off x="2553544" y="5285555"/>
-            <a:ext cx="2587924" cy="402566"/>
-          </a:xfrm>
-          <a:prstGeom prst="rect">
-            <a:avLst/>
-          </a:prstGeom>
-        </p:spPr>
-        <p:style>
-          <a:lnRef idx="2">
-            <a:schemeClr val="accent1">
-              <a:shade val="15000"/>
-            </a:schemeClr>
-          </a:lnRef>
-          <a:fillRef idx="1">
-            <a:schemeClr val="accent1"/>
-          </a:fillRef>
-          <a:effectRef idx="0">
-            <a:schemeClr val="accent1"/>
-          </a:effectRef>
-          <a:fontRef idx="minor">
-            <a:schemeClr val="lt1"/>
-          </a:fontRef>
-        </p:style>
+        </p:nvSpPr>
+        <p:spPr/>
         <p:txBody>
-          <a:bodyPr rtlCol="0" anchor="ctr"/>
-          <a:lstStyle/>
-          <a:p>
-            <a:pPr algn="ctr"/>
-            <a:r>
-              <a:rPr lang="vi-VN" dirty="0" err="1">
-                <a:latin typeface="Arial"/>
-                <a:cs typeface="Arial"/>
-              </a:rPr>
-              <a:t>Main</a:t>
-            </a:r>
-            <a:r>
-              <a:rPr lang="vi-VN" dirty="0">
-                <a:latin typeface="Arial"/>
-                <a:cs typeface="Arial"/>
-              </a:rPr>
-              <a:t>()</a:t>
-            </a:r>
-            <a:endParaRPr lang="vi-VN" dirty="0"/>
-          </a:p>
-        </p:txBody>
-      </p:sp>
-      <p:sp>
-        <p:nvSpPr>
-          <p:cNvPr id="9" name="Hình chữ nhật 8">
-            <a:extLst>
-              <a:ext uri="{FF2B5EF4-FFF2-40B4-BE49-F238E27FC236}">
-                <a16:creationId xmlns:a16="http://schemas.microsoft.com/office/drawing/2014/main" id="{73E1804B-C1BD-5FC0-C0CD-FE32DE72BD7B}"/>
-              </a:ext>
-            </a:extLst>
-          </p:cNvPr>
-          <p:cNvSpPr/>
-          <p:nvPr/>
-        </p:nvSpPr>
-        <p:spPr>
-          <a:xfrm>
-            <a:off x="2553544" y="4882988"/>
-            <a:ext cx="2587924" cy="402566"/>
-          </a:xfrm>
-          <a:prstGeom prst="rect">
-            <a:avLst/>
-          </a:prstGeom>
-        </p:spPr>
-        <p:style>
-          <a:lnRef idx="2">
-            <a:schemeClr val="accent1">
-              <a:shade val="15000"/>
-            </a:schemeClr>
-          </a:lnRef>
-          <a:fillRef idx="1">
-            <a:schemeClr val="accent1"/>
-          </a:fillRef>
-          <a:effectRef idx="0">
-            <a:schemeClr val="accent1"/>
-          </a:effectRef>
-          <a:fontRef idx="minor">
-            <a:schemeClr val="lt1"/>
-          </a:fontRef>
-        </p:style>
-        <p:txBody>
-          <a:bodyPr lIns="91440" tIns="45720" rIns="91440" bIns="45720" rtlCol="0" anchor="ctr"/>
-          <a:lstStyle/>
-          <a:p>
-            <a:pPr algn="ctr"/>
-            <a:r>
-              <a:rPr lang="vi-VN" dirty="0" err="1">
-                <a:latin typeface="Arial"/>
-                <a:cs typeface="Arial"/>
-              </a:rPr>
-              <a:t>Return</a:t>
-            </a:r>
-            <a:r>
-              <a:rPr lang="vi-VN" dirty="0">
-                <a:latin typeface="Arial"/>
-                <a:cs typeface="Arial"/>
-              </a:rPr>
-              <a:t> </a:t>
-            </a:r>
-            <a:r>
-              <a:rPr lang="vi-VN" dirty="0" err="1">
-                <a:latin typeface="Arial"/>
-                <a:cs typeface="Arial"/>
-              </a:rPr>
-              <a:t>location</a:t>
-            </a:r>
-          </a:p>
-        </p:txBody>
-      </p:sp>
-      <p:sp>
-        <p:nvSpPr>
-          <p:cNvPr id="10" name="Hình chữ nhật 9">
-            <a:extLst>
-              <a:ext uri="{FF2B5EF4-FFF2-40B4-BE49-F238E27FC236}">
-                <a16:creationId xmlns:a16="http://schemas.microsoft.com/office/drawing/2014/main" id="{404E4273-5F59-F6FA-7F61-A9CC8E0D4F7F}"/>
-              </a:ext>
-            </a:extLst>
-          </p:cNvPr>
-          <p:cNvSpPr/>
-          <p:nvPr/>
-        </p:nvSpPr>
-        <p:spPr>
-          <a:xfrm>
-            <a:off x="2553544" y="5688121"/>
-            <a:ext cx="2587924" cy="402566"/>
-          </a:xfrm>
-          <a:prstGeom prst="rect">
-            <a:avLst/>
-          </a:prstGeom>
-        </p:spPr>
-        <p:style>
-          <a:lnRef idx="2">
-            <a:schemeClr val="accent1">
-              <a:shade val="15000"/>
-            </a:schemeClr>
-          </a:lnRef>
-          <a:fillRef idx="1">
-            <a:schemeClr val="accent1"/>
-          </a:fillRef>
-          <a:effectRef idx="0">
-            <a:schemeClr val="accent1"/>
-          </a:effectRef>
-          <a:fontRef idx="minor">
-            <a:schemeClr val="lt1"/>
-          </a:fontRef>
-        </p:style>
-        <p:txBody>
-          <a:bodyPr lIns="91440" tIns="45720" rIns="91440" bIns="45720" rtlCol="0" anchor="ctr"/>
-          <a:lstStyle/>
-          <a:p>
-            <a:pPr algn="ctr"/>
-            <a:r>
-              <a:rPr lang="vi-VN" dirty="0" err="1">
-                <a:latin typeface="Arial"/>
-                <a:cs typeface="Arial"/>
-              </a:rPr>
-              <a:t>Int</a:t>
-            </a:r>
-            <a:r>
-              <a:rPr lang="vi-VN" dirty="0">
-                <a:latin typeface="Arial"/>
-                <a:cs typeface="Arial"/>
-              </a:rPr>
-              <a:t> a = 2</a:t>
-            </a:r>
-          </a:p>
-        </p:txBody>
-      </p:sp>
-      <p:sp>
-        <p:nvSpPr>
-          <p:cNvPr id="11" name="Hộp Văn bản 10">
-            <a:extLst>
-              <a:ext uri="{FF2B5EF4-FFF2-40B4-BE49-F238E27FC236}">
-                <a16:creationId xmlns:a16="http://schemas.microsoft.com/office/drawing/2014/main" id="{FFF55099-04A7-B5EE-F2E5-C3316246A923}"/>
-              </a:ext>
-            </a:extLst>
-          </p:cNvPr>
-          <p:cNvSpPr txBox="1"/>
-          <p:nvPr/>
-        </p:nvSpPr>
-        <p:spPr>
-          <a:xfrm>
-            <a:off x="2389454" y="6270090"/>
-            <a:ext cx="2743200" cy="369332"/>
-          </a:xfrm>
-          <a:prstGeom prst="rect">
-            <a:avLst/>
-          </a:prstGeom>
-          <a:noFill/>
-        </p:spPr>
-        <p:txBody>
-          <a:bodyPr rot="0" spcFirstLastPara="0" vertOverflow="overflow" horzOverflow="overflow" vert="horz" wrap="square" lIns="91440" tIns="45720" rIns="91440" bIns="45720" numCol="1" spcCol="0" rtlCol="0" fromWordArt="0" anchor="t" anchorCtr="0" forceAA="0" compatLnSpc="1">
-            <a:prstTxWarp prst="textNoShape">
-              <a:avLst/>
-            </a:prstTxWarp>
-            <a:spAutoFit/>
+          <a:bodyPr vert="horz" lIns="91440" tIns="45720" rIns="91440" bIns="45720" rtlCol="0" anchor="t">
+            <a:normAutofit/>
           </a:bodyPr>
           <a:lstStyle/>
           <a:p>
-            <a:pPr algn="ctr"/>
-            <a:r>
-              <a:rPr lang="vi-VN" dirty="0" err="1">
-                <a:latin typeface="Arial"/>
+            <a:r>
+              <a:rPr lang="vi-VN" err="1">
+                <a:latin typeface="Arial"/>
+                <a:cs typeface="Arial"/>
+              </a:rPr>
+              <a:t>Callstack</a:t>
+            </a:r>
+            <a:r>
+              <a:rPr lang="vi-VN">
+                <a:latin typeface="Arial"/>
+                <a:cs typeface="Arial"/>
+              </a:rPr>
+              <a:t> là một cấu trúc </a:t>
+            </a:r>
+            <a:r>
+              <a:rPr lang="vi-VN" err="1">
+                <a:solidFill>
+                  <a:srgbClr val="FFFFFF"/>
+                </a:solidFill>
+                <a:latin typeface="Arial"/>
+                <a:ea typeface="+mn-lt"/>
                 <a:cs typeface="Arial"/>
               </a:rPr>
               <a:t>stack</a:t>
             </a:r>
-            <a:endParaRPr lang="vi-VN" dirty="0" err="1">
-              <a:cs typeface="Arial" panose="020B0604020202020204" pitchFamily="34" charset="0"/>
-            </a:endParaRPr>
-          </a:p>
-        </p:txBody>
-      </p:sp>
-      <p:sp>
-        <p:nvSpPr>
-          <p:cNvPr id="12" name="Hình chữ nhật 11">
-            <a:extLst>
-              <a:ext uri="{FF2B5EF4-FFF2-40B4-BE49-F238E27FC236}">
-                <a16:creationId xmlns:a16="http://schemas.microsoft.com/office/drawing/2014/main" id="{52415415-BF93-E7C6-96E9-34D1D64AF157}"/>
-              </a:ext>
-            </a:extLst>
-          </p:cNvPr>
-          <p:cNvSpPr/>
-          <p:nvPr/>
-        </p:nvSpPr>
-        <p:spPr>
-          <a:xfrm>
-            <a:off x="339430" y="4854233"/>
-            <a:ext cx="1380227" cy="833886"/>
-          </a:xfrm>
-          <a:prstGeom prst="rect">
-            <a:avLst/>
-          </a:prstGeom>
-        </p:spPr>
-        <p:style>
-          <a:lnRef idx="2">
-            <a:schemeClr val="accent1">
-              <a:shade val="15000"/>
-            </a:schemeClr>
-          </a:lnRef>
-          <a:fillRef idx="1">
-            <a:schemeClr val="accent1"/>
-          </a:fillRef>
-          <a:effectRef idx="0">
-            <a:schemeClr val="accent1"/>
-          </a:effectRef>
-          <a:fontRef idx="minor">
-            <a:schemeClr val="lt1"/>
-          </a:fontRef>
-        </p:style>
-        <p:txBody>
-          <a:bodyPr rtlCol="0" anchor="ctr"/>
-          <a:lstStyle/>
-          <a:p>
-            <a:pPr algn="ctr"/>
-            <a:r>
-              <a:rPr lang="vi-VN" dirty="0" err="1">
-                <a:latin typeface="Arial"/>
-                <a:cs typeface="Arial"/>
-              </a:rPr>
-              <a:t>Main</a:t>
-            </a:r>
-            <a:r>
-              <a:rPr lang="vi-VN" dirty="0">
-                <a:latin typeface="Arial"/>
-                <a:cs typeface="Arial"/>
-              </a:rPr>
-              <a:t>()</a:t>
-            </a:r>
-            <a:endParaRPr lang="vi-VN" dirty="0"/>
-          </a:p>
-        </p:txBody>
-      </p:sp>
-      <p:sp>
-        <p:nvSpPr>
-          <p:cNvPr id="13" name="Mũi tên: Chữ U 12">
-            <a:extLst>
-              <a:ext uri="{FF2B5EF4-FFF2-40B4-BE49-F238E27FC236}">
-                <a16:creationId xmlns:a16="http://schemas.microsoft.com/office/drawing/2014/main" id="{1AC74393-9C8F-50BF-07D8-6E0D4E44157E}"/>
-              </a:ext>
-            </a:extLst>
-          </p:cNvPr>
-          <p:cNvSpPr/>
-          <p:nvPr/>
-        </p:nvSpPr>
-        <p:spPr>
-          <a:xfrm>
-            <a:off x="1352096" y="3947835"/>
-            <a:ext cx="2285999" cy="733245"/>
-          </a:xfrm>
-          <a:prstGeom prst="uturnArrow">
-            <a:avLst/>
-          </a:prstGeom>
-        </p:spPr>
-        <p:style>
-          <a:lnRef idx="2">
-            <a:schemeClr val="accent1">
-              <a:shade val="15000"/>
-            </a:schemeClr>
-          </a:lnRef>
-          <a:fillRef idx="1">
-            <a:schemeClr val="accent1"/>
-          </a:fillRef>
-          <a:effectRef idx="0">
-            <a:schemeClr val="accent1"/>
-          </a:effectRef>
-          <a:fontRef idx="minor">
-            <a:schemeClr val="lt1"/>
-          </a:fontRef>
-        </p:style>
-        <p:txBody>
-          <a:bodyPr rtlCol="0" anchor="ctr"/>
-          <a:lstStyle/>
-          <a:p>
-            <a:pPr algn="ctr"/>
+            <a:r>
+              <a:rPr lang="vi-VN">
+                <a:solidFill>
+                  <a:srgbClr val="FFFFFF"/>
+                </a:solidFill>
+                <a:latin typeface="Arial"/>
+                <a:ea typeface="+mn-lt"/>
+                <a:cs typeface="Arial"/>
+              </a:rPr>
+              <a:t> chứa tất cả các cuộc gọi hàm, với các phần tử dưới cùng là hàm chính. Nó chứa thông tin về các chức năng hoạt động của chương trình. Nó cũng được gọi là </a:t>
+            </a:r>
+            <a:r>
+              <a:rPr lang="vi-VN" err="1">
+                <a:solidFill>
+                  <a:srgbClr val="FFFFFF"/>
+                </a:solidFill>
+                <a:latin typeface="Arial"/>
+                <a:ea typeface="+mn-lt"/>
+                <a:cs typeface="Arial"/>
+              </a:rPr>
+              <a:t>stack</a:t>
+            </a:r>
+            <a:r>
+              <a:rPr lang="vi-VN">
+                <a:solidFill>
+                  <a:srgbClr val="FFFFFF"/>
+                </a:solidFill>
+                <a:latin typeface="Arial"/>
+                <a:ea typeface="+mn-lt"/>
+                <a:cs typeface="Arial"/>
+              </a:rPr>
+              <a:t> chương trình.</a:t>
+            </a:r>
+          </a:p>
+          <a:p>
+            <a:r>
+              <a:rPr lang="vi-VN">
+                <a:solidFill>
+                  <a:srgbClr val="FFFFFF"/>
+                </a:solidFill>
+                <a:latin typeface="Arial"/>
+                <a:ea typeface="+mn-lt"/>
+                <a:cs typeface="Arial"/>
+              </a:rPr>
+              <a:t>Bất cứ khi nào một hàm mới được gọi, hàm đó sẽ được thêm vào đầu ngăn xếp cuộc gọi. Khi hàm hiện tại trở về với người gọi, nó sẽ bị xóa khỏi đầu ngăn xếp cuộc gọi và điều khiển trở về hàm ngay bên dưới nó.</a:t>
+            </a:r>
             <a:endParaRPr lang="vi-VN">
               <a:solidFill>
-                <a:schemeClr val="tx1"/>
+                <a:srgbClr val="FFFFFF"/>
               </a:solidFill>
+              <a:latin typeface="Arial" panose="020B0604020202020204" pitchFamily="34" charset="0"/>
+              <a:cs typeface="Arial" panose="020B0604020202020204" pitchFamily="34" charset="0"/>
             </a:endParaRPr>
           </a:p>
         </p:txBody>
@@ -13105,7 +12845,7 @@
     </p:spTree>
     <p:extLst>
       <p:ext uri="{BB962C8B-B14F-4D97-AF65-F5344CB8AC3E}">
-        <p14:creationId xmlns:p14="http://schemas.microsoft.com/office/powerpoint/2010/main" val="1748049877"/>
+        <p14:creationId xmlns:p14="http://schemas.microsoft.com/office/powerpoint/2010/main" val="1676060448"/>
       </p:ext>
     </p:extLst>
   </p:cSld>
@@ -13154,13 +12894,13 @@
           <a:lstStyle/>
           <a:p>
             <a:r>
-              <a:rPr lang="vi-VN" dirty="0" err="1">
+              <a:rPr lang="vi-VN" err="1">
                 <a:latin typeface="Times New Roman"/>
                 <a:cs typeface="Times New Roman"/>
               </a:rPr>
               <a:t>II.Callstack</a:t>
             </a:r>
-            <a:endParaRPr lang="vi-VN" dirty="0" err="1"/>
+            <a:endParaRPr lang="vi-VN" err="1"/>
           </a:p>
         </p:txBody>
       </p:sp>
@@ -13236,20 +12976,20 @@
           <a:p>
             <a:pPr algn="ctr"/>
             <a:r>
-              <a:rPr lang="vi-VN" dirty="0" err="1">
+              <a:rPr lang="vi-VN" err="1">
                 <a:latin typeface="Arial"/>
                 <a:cs typeface="Arial"/>
               </a:rPr>
               <a:t>Main</a:t>
             </a:r>
             <a:r>
-              <a:rPr lang="vi-VN" dirty="0">
+              <a:rPr lang="vi-VN">
                 <a:latin typeface="Arial"/>
                 <a:cs typeface="Arial"/>
               </a:rPr>
               <a:t>()</a:t>
             </a:r>
-            <a:endParaRPr lang="vi-VN" dirty="0"/>
+            <a:endParaRPr lang="vi-VN"/>
           </a:p>
         </p:txBody>
       </p:sp>
@@ -13296,21 +13036,21 @@
           <a:p>
             <a:pPr algn="ctr"/>
             <a:r>
-              <a:rPr lang="vi-VN" dirty="0" err="1">
+              <a:rPr lang="vi-VN" err="1">
                 <a:latin typeface="Arial"/>
                 <a:cs typeface="Arial"/>
               </a:rPr>
               <a:t>Return</a:t>
             </a:r>
             <a:r>
-              <a:rPr lang="vi-VN" dirty="0">
+              <a:rPr lang="vi-VN">
                 <a:latin typeface="Arial"/>
                 <a:cs typeface="Arial"/>
               </a:rPr>
               <a:t> </a:t>
             </a:r>
             <a:r>
-              <a:rPr lang="vi-VN" dirty="0" err="1">
+              <a:rPr lang="vi-VN" err="1">
                 <a:latin typeface="Arial"/>
                 <a:cs typeface="Arial"/>
               </a:rPr>
@@ -13362,14 +13102,14 @@
           <a:p>
             <a:pPr algn="ctr"/>
             <a:r>
-              <a:rPr lang="vi-VN" dirty="0" err="1">
+              <a:rPr lang="vi-VN" err="1">
                 <a:latin typeface="Arial"/>
                 <a:cs typeface="Arial"/>
               </a:rPr>
               <a:t>Int</a:t>
             </a:r>
             <a:r>
-              <a:rPr lang="vi-VN" dirty="0">
+              <a:rPr lang="vi-VN">
                 <a:latin typeface="Arial"/>
                 <a:cs typeface="Arial"/>
               </a:rPr>
@@ -13411,13 +13151,13 @@
           <a:p>
             <a:pPr algn="ctr"/>
             <a:r>
-              <a:rPr lang="vi-VN" dirty="0" err="1">
+              <a:rPr lang="vi-VN" err="1">
                 <a:latin typeface="Arial"/>
                 <a:cs typeface="Arial"/>
               </a:rPr>
               <a:t>stack</a:t>
             </a:r>
-            <a:endParaRPr lang="vi-VN" dirty="0" err="1">
+            <a:endParaRPr lang="vi-VN" err="1">
               <a:cs typeface="Arial" panose="020B0604020202020204" pitchFamily="34" charset="0"/>
             </a:endParaRPr>
           </a:p>
@@ -13437,15 +13177,12 @@
         </p:nvSpPr>
         <p:spPr>
           <a:xfrm>
-            <a:off x="411317" y="3589025"/>
+            <a:off x="339430" y="4854233"/>
             <a:ext cx="1380227" cy="833886"/>
           </a:xfrm>
           <a:prstGeom prst="rect">
             <a:avLst/>
           </a:prstGeom>
-          <a:solidFill>
-            <a:schemeClr val="accent3"/>
-          </a:solidFill>
         </p:spPr>
         <p:style>
           <a:lnRef idx="2">
@@ -13464,17 +13201,25 @@
           </a:fontRef>
         </p:style>
         <p:txBody>
-          <a:bodyPr lIns="91440" tIns="45720" rIns="91440" bIns="45720" rtlCol="0" anchor="ctr"/>
+          <a:bodyPr rtlCol="0" anchor="ctr"/>
           <a:lstStyle/>
           <a:p>
             <a:pPr algn="ctr"/>
             <a:r>
-              <a:rPr lang="vi-VN" dirty="0">
-                <a:latin typeface="Arial"/>
-                <a:cs typeface="Arial"/>
-              </a:rPr>
-              <a:t>Test_1()</a:t>
-            </a:r>
+              <a:rPr lang="vi-VN" err="1">
+                <a:latin typeface="Arial"/>
+                <a:cs typeface="Arial"/>
+              </a:rPr>
+              <a:t>Main</a:t>
+            </a:r>
+            <a:r>
+              <a:rPr lang="vi-VN">
+                <a:latin typeface="Arial"/>
+                <a:cs typeface="Arial"/>
+              </a:rPr>
+              <a:t>()</a:t>
+            </a:r>
+            <a:endParaRPr lang="vi-VN"/>
           </a:p>
         </p:txBody>
       </p:sp>
@@ -13492,15 +13237,12 @@
         </p:nvSpPr>
         <p:spPr>
           <a:xfrm>
-            <a:off x="1035794" y="2639495"/>
+            <a:off x="1352096" y="3947835"/>
             <a:ext cx="2285999" cy="733245"/>
           </a:xfrm>
           <a:prstGeom prst="uturnArrow">
             <a:avLst/>
           </a:prstGeom>
-          <a:solidFill>
-            <a:schemeClr val="accent3"/>
-          </a:solidFill>
         </p:spPr>
         <p:style>
           <a:lnRef idx="2">
@@ -13531,196 +13273,10 @@
           </a:p>
         </p:txBody>
       </p:sp>
-      <p:sp>
-        <p:nvSpPr>
-          <p:cNvPr id="3" name="Hình chữ nhật 2">
-            <a:extLst>
-              <a:ext uri="{FF2B5EF4-FFF2-40B4-BE49-F238E27FC236}">
-                <a16:creationId xmlns:a16="http://schemas.microsoft.com/office/drawing/2014/main" id="{1CDAEEC2-D0B8-FBEA-5793-07B81E3568B9}"/>
-              </a:ext>
-            </a:extLst>
-          </p:cNvPr>
-          <p:cNvSpPr/>
-          <p:nvPr/>
-        </p:nvSpPr>
-        <p:spPr>
-          <a:xfrm>
-            <a:off x="2524789" y="4034724"/>
-            <a:ext cx="2587924" cy="402566"/>
-          </a:xfrm>
-          <a:prstGeom prst="rect">
-            <a:avLst/>
-          </a:prstGeom>
-          <a:solidFill>
-            <a:schemeClr val="accent3"/>
-          </a:solidFill>
-        </p:spPr>
-        <p:style>
-          <a:lnRef idx="2">
-            <a:schemeClr val="accent1">
-              <a:shade val="15000"/>
-            </a:schemeClr>
-          </a:lnRef>
-          <a:fillRef idx="1">
-            <a:schemeClr val="accent1"/>
-          </a:fillRef>
-          <a:effectRef idx="0">
-            <a:schemeClr val="accent1"/>
-          </a:effectRef>
-          <a:fontRef idx="minor">
-            <a:schemeClr val="lt1"/>
-          </a:fontRef>
-        </p:style>
-        <p:txBody>
-          <a:bodyPr lIns="91440" tIns="45720" rIns="91440" bIns="45720" rtlCol="0" anchor="ctr"/>
-          <a:lstStyle/>
-          <a:p>
-            <a:pPr algn="ctr"/>
-            <a:r>
-              <a:rPr lang="vi-VN" dirty="0">
-                <a:latin typeface="Arial"/>
-                <a:cs typeface="Arial"/>
-              </a:rPr>
-              <a:t>Test_1()</a:t>
-            </a:r>
-          </a:p>
-        </p:txBody>
-      </p:sp>
-      <p:sp>
-        <p:nvSpPr>
-          <p:cNvPr id="4" name="Hình chữ nhật 3">
-            <a:extLst>
-              <a:ext uri="{FF2B5EF4-FFF2-40B4-BE49-F238E27FC236}">
-                <a16:creationId xmlns:a16="http://schemas.microsoft.com/office/drawing/2014/main" id="{8C00CF0C-A02A-C76D-0499-A8240BD51FA8}"/>
-              </a:ext>
-            </a:extLst>
-          </p:cNvPr>
-          <p:cNvSpPr/>
-          <p:nvPr/>
-        </p:nvSpPr>
-        <p:spPr>
-          <a:xfrm>
-            <a:off x="2524789" y="3632157"/>
-            <a:ext cx="2587924" cy="402566"/>
-          </a:xfrm>
-          <a:prstGeom prst="rect">
-            <a:avLst/>
-          </a:prstGeom>
-          <a:solidFill>
-            <a:schemeClr val="accent3"/>
-          </a:solidFill>
-        </p:spPr>
-        <p:style>
-          <a:lnRef idx="2">
-            <a:schemeClr val="accent1">
-              <a:shade val="15000"/>
-            </a:schemeClr>
-          </a:lnRef>
-          <a:fillRef idx="1">
-            <a:schemeClr val="accent1"/>
-          </a:fillRef>
-          <a:effectRef idx="0">
-            <a:schemeClr val="accent1"/>
-          </a:effectRef>
-          <a:fontRef idx="minor">
-            <a:schemeClr val="lt1"/>
-          </a:fontRef>
-        </p:style>
-        <p:txBody>
-          <a:bodyPr lIns="91440" tIns="45720" rIns="91440" bIns="45720" rtlCol="0" anchor="ctr"/>
-          <a:lstStyle/>
-          <a:p>
-            <a:pPr algn="ctr"/>
-            <a:r>
-              <a:rPr lang="vi-VN" dirty="0" err="1">
-                <a:latin typeface="Arial"/>
-                <a:cs typeface="Arial"/>
-              </a:rPr>
-              <a:t>Return</a:t>
-            </a:r>
-            <a:r>
-              <a:rPr lang="vi-VN" dirty="0">
-                <a:latin typeface="Arial"/>
-                <a:cs typeface="Arial"/>
-              </a:rPr>
-              <a:t> </a:t>
-            </a:r>
-            <a:r>
-              <a:rPr lang="vi-VN" dirty="0" err="1">
-                <a:latin typeface="Arial"/>
-                <a:cs typeface="Arial"/>
-              </a:rPr>
-              <a:t>location</a:t>
-            </a:r>
-          </a:p>
-        </p:txBody>
-      </p:sp>
-      <p:sp>
-        <p:nvSpPr>
-          <p:cNvPr id="5" name="Hình chữ nhật 4">
-            <a:extLst>
-              <a:ext uri="{FF2B5EF4-FFF2-40B4-BE49-F238E27FC236}">
-                <a16:creationId xmlns:a16="http://schemas.microsoft.com/office/drawing/2014/main" id="{BE207C8A-DF47-DED8-786C-32AD4DA20E2F}"/>
-              </a:ext>
-            </a:extLst>
-          </p:cNvPr>
-          <p:cNvSpPr/>
-          <p:nvPr/>
-        </p:nvSpPr>
-        <p:spPr>
-          <a:xfrm>
-            <a:off x="2524789" y="4437290"/>
-            <a:ext cx="2587924" cy="402566"/>
-          </a:xfrm>
-          <a:prstGeom prst="rect">
-            <a:avLst/>
-          </a:prstGeom>
-          <a:solidFill>
-            <a:schemeClr val="accent3"/>
-          </a:solidFill>
-        </p:spPr>
-        <p:style>
-          <a:lnRef idx="2">
-            <a:schemeClr val="accent1">
-              <a:shade val="15000"/>
-            </a:schemeClr>
-          </a:lnRef>
-          <a:fillRef idx="1">
-            <a:schemeClr val="accent1"/>
-          </a:fillRef>
-          <a:effectRef idx="0">
-            <a:schemeClr val="accent1"/>
-          </a:effectRef>
-          <a:fontRef idx="minor">
-            <a:schemeClr val="lt1"/>
-          </a:fontRef>
-        </p:style>
-        <p:txBody>
-          <a:bodyPr lIns="91440" tIns="45720" rIns="91440" bIns="45720" rtlCol="0" anchor="ctr"/>
-          <a:lstStyle/>
-          <a:p>
-            <a:pPr algn="ctr"/>
-            <a:r>
-              <a:rPr lang="vi-VN" dirty="0" err="1">
-                <a:latin typeface="Arial"/>
-                <a:cs typeface="Arial"/>
-              </a:rPr>
-              <a:t>Int</a:t>
-            </a:r>
-            <a:r>
-              <a:rPr lang="vi-VN" dirty="0">
-                <a:latin typeface="Arial"/>
-                <a:cs typeface="Arial"/>
-              </a:rPr>
-              <a:t> a = 2</a:t>
-            </a:r>
-          </a:p>
-        </p:txBody>
-      </p:sp>
     </p:spTree>
     <p:extLst>
       <p:ext uri="{BB962C8B-B14F-4D97-AF65-F5344CB8AC3E}">
-        <p14:creationId xmlns:p14="http://schemas.microsoft.com/office/powerpoint/2010/main" val="1087689519"/>
+        <p14:creationId xmlns:p14="http://schemas.microsoft.com/office/powerpoint/2010/main" val="1748049877"/>
       </p:ext>
     </p:extLst>
   </p:cSld>
@@ -13769,13 +13325,13 @@
           <a:lstStyle/>
           <a:p>
             <a:r>
-              <a:rPr lang="vi-VN" dirty="0" err="1">
+              <a:rPr lang="vi-VN" err="1">
                 <a:latin typeface="Times New Roman"/>
                 <a:cs typeface="Times New Roman"/>
               </a:rPr>
               <a:t>II.Callstack</a:t>
             </a:r>
-            <a:endParaRPr lang="vi-VN" dirty="0" err="1"/>
+            <a:endParaRPr lang="vi-VN" err="1"/>
           </a:p>
         </p:txBody>
       </p:sp>
@@ -13822,7 +13378,7 @@
         </p:nvSpPr>
         <p:spPr>
           <a:xfrm>
-            <a:off x="2452903" y="5644989"/>
+            <a:off x="2553544" y="5285555"/>
             <a:ext cx="2587924" cy="402566"/>
           </a:xfrm>
           <a:prstGeom prst="rect">
@@ -13851,20 +13407,20 @@
           <a:p>
             <a:pPr algn="ctr"/>
             <a:r>
-              <a:rPr lang="vi-VN" dirty="0" err="1">
+              <a:rPr lang="vi-VN" err="1">
                 <a:latin typeface="Arial"/>
                 <a:cs typeface="Arial"/>
               </a:rPr>
               <a:t>Main</a:t>
             </a:r>
             <a:r>
-              <a:rPr lang="vi-VN" dirty="0">
+              <a:rPr lang="vi-VN">
                 <a:latin typeface="Arial"/>
                 <a:cs typeface="Arial"/>
               </a:rPr>
               <a:t>()</a:t>
             </a:r>
-            <a:endParaRPr lang="vi-VN" dirty="0"/>
+            <a:endParaRPr lang="vi-VN"/>
           </a:p>
         </p:txBody>
       </p:sp>
@@ -13882,7 +13438,7 @@
         </p:nvSpPr>
         <p:spPr>
           <a:xfrm>
-            <a:off x="2452903" y="5242422"/>
+            <a:off x="2553544" y="4882988"/>
             <a:ext cx="2587924" cy="402566"/>
           </a:xfrm>
           <a:prstGeom prst="rect">
@@ -13911,21 +13467,21 @@
           <a:p>
             <a:pPr algn="ctr"/>
             <a:r>
-              <a:rPr lang="vi-VN" dirty="0" err="1">
+              <a:rPr lang="vi-VN" err="1">
                 <a:latin typeface="Arial"/>
                 <a:cs typeface="Arial"/>
               </a:rPr>
               <a:t>Return</a:t>
             </a:r>
             <a:r>
-              <a:rPr lang="vi-VN" dirty="0">
+              <a:rPr lang="vi-VN">
                 <a:latin typeface="Arial"/>
                 <a:cs typeface="Arial"/>
               </a:rPr>
               <a:t> </a:t>
             </a:r>
             <a:r>
-              <a:rPr lang="vi-VN" dirty="0" err="1">
+              <a:rPr lang="vi-VN" err="1">
                 <a:latin typeface="Arial"/>
                 <a:cs typeface="Arial"/>
               </a:rPr>
@@ -13948,7 +13504,7 @@
         </p:nvSpPr>
         <p:spPr>
           <a:xfrm>
-            <a:off x="2452903" y="6047555"/>
+            <a:off x="2553544" y="5688121"/>
             <a:ext cx="2587924" cy="402566"/>
           </a:xfrm>
           <a:prstGeom prst="rect">
@@ -13977,14 +13533,14 @@
           <a:p>
             <a:pPr algn="ctr"/>
             <a:r>
-              <a:rPr lang="vi-VN" dirty="0" err="1">
+              <a:rPr lang="vi-VN" err="1">
                 <a:latin typeface="Arial"/>
                 <a:cs typeface="Arial"/>
               </a:rPr>
               <a:t>Int</a:t>
             </a:r>
             <a:r>
-              <a:rPr lang="vi-VN" dirty="0">
+              <a:rPr lang="vi-VN">
                 <a:latin typeface="Arial"/>
                 <a:cs typeface="Arial"/>
               </a:rPr>
@@ -14007,7 +13563,7 @@
         </p:nvSpPr>
         <p:spPr>
           <a:xfrm>
-            <a:off x="2375077" y="6471373"/>
+            <a:off x="2389454" y="6270090"/>
             <a:ext cx="2743200" cy="369332"/>
           </a:xfrm>
           <a:prstGeom prst="rect">
@@ -14026,13 +13582,13 @@
           <a:p>
             <a:pPr algn="ctr"/>
             <a:r>
-              <a:rPr lang="vi-VN" dirty="0" err="1">
+              <a:rPr lang="vi-VN" err="1">
                 <a:latin typeface="Arial"/>
                 <a:cs typeface="Arial"/>
               </a:rPr>
               <a:t>stack</a:t>
             </a:r>
-            <a:endParaRPr lang="vi-VN" dirty="0" err="1">
+            <a:endParaRPr lang="vi-VN" err="1">
               <a:cs typeface="Arial" panose="020B0604020202020204" pitchFamily="34" charset="0"/>
             </a:endParaRPr>
           </a:p>
@@ -14052,14 +13608,14 @@
         </p:nvSpPr>
         <p:spPr>
           <a:xfrm>
-            <a:off x="411317" y="3200836"/>
+            <a:off x="411317" y="3589025"/>
             <a:ext cx="1380227" cy="833886"/>
           </a:xfrm>
           <a:prstGeom prst="rect">
             <a:avLst/>
           </a:prstGeom>
           <a:solidFill>
-            <a:schemeClr val="accent4"/>
+            <a:schemeClr val="accent3"/>
           </a:solidFill>
         </p:spPr>
         <p:style>
@@ -14084,11 +13640,11 @@
           <a:p>
             <a:pPr algn="ctr"/>
             <a:r>
-              <a:rPr lang="vi-VN" dirty="0">
-                <a:latin typeface="Arial"/>
-                <a:cs typeface="Arial"/>
-              </a:rPr>
-              <a:t>Test_2()</a:t>
+              <a:rPr lang="vi-VN">
+                <a:latin typeface="Arial"/>
+                <a:cs typeface="Arial"/>
+              </a:rPr>
+              <a:t>Test_1()</a:t>
             </a:r>
           </a:p>
         </p:txBody>
@@ -14107,14 +13663,14 @@
         </p:nvSpPr>
         <p:spPr>
           <a:xfrm>
-            <a:off x="963907" y="2179419"/>
+            <a:off x="1035794" y="2639495"/>
             <a:ext cx="2285999" cy="733245"/>
           </a:xfrm>
           <a:prstGeom prst="uturnArrow">
             <a:avLst/>
           </a:prstGeom>
           <a:solidFill>
-            <a:schemeClr val="accent4"/>
+            <a:schemeClr val="accent3"/>
           </a:solidFill>
         </p:spPr>
         <p:style>
@@ -14160,7 +13716,7 @@
         </p:nvSpPr>
         <p:spPr>
           <a:xfrm>
-            <a:off x="2452903" y="4422913"/>
+            <a:off x="2524789" y="4034724"/>
             <a:ext cx="2587924" cy="402566"/>
           </a:xfrm>
           <a:prstGeom prst="rect">
@@ -14192,7 +13748,7 @@
           <a:p>
             <a:pPr algn="ctr"/>
             <a:r>
-              <a:rPr lang="vi-VN" dirty="0">
+              <a:rPr lang="vi-VN">
                 <a:latin typeface="Arial"/>
                 <a:cs typeface="Arial"/>
               </a:rPr>
@@ -14215,7 +13771,7 @@
         </p:nvSpPr>
         <p:spPr>
           <a:xfrm>
-            <a:off x="2452903" y="4020346"/>
+            <a:off x="2524789" y="3632157"/>
             <a:ext cx="2587924" cy="402566"/>
           </a:xfrm>
           <a:prstGeom prst="rect">
@@ -14247,21 +13803,21 @@
           <a:p>
             <a:pPr algn="ctr"/>
             <a:r>
-              <a:rPr lang="vi-VN" dirty="0" err="1">
+              <a:rPr lang="vi-VN" err="1">
                 <a:latin typeface="Arial"/>
                 <a:cs typeface="Arial"/>
               </a:rPr>
               <a:t>Return</a:t>
             </a:r>
             <a:r>
-              <a:rPr lang="vi-VN" dirty="0">
+              <a:rPr lang="vi-VN">
                 <a:latin typeface="Arial"/>
                 <a:cs typeface="Arial"/>
               </a:rPr>
               <a:t> </a:t>
             </a:r>
             <a:r>
-              <a:rPr lang="vi-VN" dirty="0" err="1">
+              <a:rPr lang="vi-VN" err="1">
                 <a:latin typeface="Arial"/>
                 <a:cs typeface="Arial"/>
               </a:rPr>
@@ -14284,7 +13840,7 @@
         </p:nvSpPr>
         <p:spPr>
           <a:xfrm>
-            <a:off x="2452903" y="4825479"/>
+            <a:off x="2524789" y="4437290"/>
             <a:ext cx="2587924" cy="402566"/>
           </a:xfrm>
           <a:prstGeom prst="rect">
@@ -14316,204 +13872,18 @@
           <a:p>
             <a:pPr algn="ctr"/>
             <a:r>
-              <a:rPr lang="vi-VN" dirty="0" err="1">
+              <a:rPr lang="vi-VN" err="1">
                 <a:latin typeface="Arial"/>
                 <a:cs typeface="Arial"/>
               </a:rPr>
               <a:t>Int</a:t>
             </a:r>
             <a:r>
-              <a:rPr lang="vi-VN" dirty="0">
-                <a:latin typeface="Arial"/>
-                <a:cs typeface="Arial"/>
-              </a:rPr>
-              <a:t> a = 1</a:t>
-            </a:r>
-          </a:p>
-        </p:txBody>
-      </p:sp>
-      <p:sp>
-        <p:nvSpPr>
-          <p:cNvPr id="6" name="Hình chữ nhật 5">
-            <a:extLst>
-              <a:ext uri="{FF2B5EF4-FFF2-40B4-BE49-F238E27FC236}">
-                <a16:creationId xmlns:a16="http://schemas.microsoft.com/office/drawing/2014/main" id="{1E1C8EE2-1331-1074-DA90-D5DBC199491B}"/>
-              </a:ext>
-            </a:extLst>
-          </p:cNvPr>
-          <p:cNvSpPr/>
-          <p:nvPr/>
-        </p:nvSpPr>
-        <p:spPr>
-          <a:xfrm>
-            <a:off x="2452902" y="3200837"/>
-            <a:ext cx="2587924" cy="402566"/>
-          </a:xfrm>
-          <a:prstGeom prst="rect">
-            <a:avLst/>
-          </a:prstGeom>
-          <a:solidFill>
-            <a:schemeClr val="accent4"/>
-          </a:solidFill>
-        </p:spPr>
-        <p:style>
-          <a:lnRef idx="2">
-            <a:schemeClr val="accent1">
-              <a:shade val="15000"/>
-            </a:schemeClr>
-          </a:lnRef>
-          <a:fillRef idx="1">
-            <a:schemeClr val="accent1"/>
-          </a:fillRef>
-          <a:effectRef idx="0">
-            <a:schemeClr val="accent1"/>
-          </a:effectRef>
-          <a:fontRef idx="minor">
-            <a:schemeClr val="lt1"/>
-          </a:fontRef>
-        </p:style>
-        <p:txBody>
-          <a:bodyPr lIns="91440" tIns="45720" rIns="91440" bIns="45720" rtlCol="0" anchor="ctr"/>
-          <a:lstStyle/>
-          <a:p>
-            <a:pPr algn="ctr"/>
-            <a:r>
-              <a:rPr lang="vi-VN" dirty="0">
-                <a:latin typeface="Arial"/>
-                <a:cs typeface="Arial"/>
-              </a:rPr>
-              <a:t>Test_2()</a:t>
-            </a:r>
-          </a:p>
-        </p:txBody>
-      </p:sp>
-      <p:sp>
-        <p:nvSpPr>
-          <p:cNvPr id="14" name="Hình chữ nhật 13">
-            <a:extLst>
-              <a:ext uri="{FF2B5EF4-FFF2-40B4-BE49-F238E27FC236}">
-                <a16:creationId xmlns:a16="http://schemas.microsoft.com/office/drawing/2014/main" id="{D48BDF39-7A27-972C-10DF-0213E997FA49}"/>
-              </a:ext>
-            </a:extLst>
-          </p:cNvPr>
-          <p:cNvSpPr/>
-          <p:nvPr/>
-        </p:nvSpPr>
-        <p:spPr>
-          <a:xfrm>
-            <a:off x="2452902" y="2798270"/>
-            <a:ext cx="2587924" cy="402566"/>
-          </a:xfrm>
-          <a:prstGeom prst="rect">
-            <a:avLst/>
-          </a:prstGeom>
-          <a:solidFill>
-            <a:schemeClr val="accent4"/>
-          </a:solidFill>
-        </p:spPr>
-        <p:style>
-          <a:lnRef idx="2">
-            <a:schemeClr val="accent1">
-              <a:shade val="15000"/>
-            </a:schemeClr>
-          </a:lnRef>
-          <a:fillRef idx="1">
-            <a:schemeClr val="accent1"/>
-          </a:fillRef>
-          <a:effectRef idx="0">
-            <a:schemeClr val="accent1"/>
-          </a:effectRef>
-          <a:fontRef idx="minor">
-            <a:schemeClr val="lt1"/>
-          </a:fontRef>
-        </p:style>
-        <p:txBody>
-          <a:bodyPr lIns="91440" tIns="45720" rIns="91440" bIns="45720" rtlCol="0" anchor="ctr"/>
-          <a:lstStyle/>
-          <a:p>
-            <a:pPr algn="ctr"/>
-            <a:r>
-              <a:rPr lang="vi-VN" dirty="0" err="1">
-                <a:latin typeface="Arial"/>
-                <a:cs typeface="Arial"/>
-              </a:rPr>
-              <a:t>Return</a:t>
-            </a:r>
-            <a:r>
-              <a:rPr lang="vi-VN" dirty="0">
-                <a:latin typeface="Arial"/>
-                <a:cs typeface="Arial"/>
-              </a:rPr>
-              <a:t> </a:t>
-            </a:r>
-            <a:r>
-              <a:rPr lang="vi-VN" dirty="0" err="1">
-                <a:latin typeface="Arial"/>
-                <a:cs typeface="Arial"/>
-              </a:rPr>
-              <a:t>location</a:t>
-            </a:r>
-          </a:p>
-        </p:txBody>
-      </p:sp>
-      <p:sp>
-        <p:nvSpPr>
-          <p:cNvPr id="15" name="Hình chữ nhật 14">
-            <a:extLst>
-              <a:ext uri="{FF2B5EF4-FFF2-40B4-BE49-F238E27FC236}">
-                <a16:creationId xmlns:a16="http://schemas.microsoft.com/office/drawing/2014/main" id="{3A17B524-0484-2141-CB97-DC644E1A14D0}"/>
-              </a:ext>
-            </a:extLst>
-          </p:cNvPr>
-          <p:cNvSpPr/>
-          <p:nvPr/>
-        </p:nvSpPr>
-        <p:spPr>
-          <a:xfrm>
-            <a:off x="2452902" y="3603403"/>
-            <a:ext cx="2587924" cy="402566"/>
-          </a:xfrm>
-          <a:prstGeom prst="rect">
-            <a:avLst/>
-          </a:prstGeom>
-          <a:solidFill>
-            <a:schemeClr val="accent4"/>
-          </a:solidFill>
-        </p:spPr>
-        <p:style>
-          <a:lnRef idx="2">
-            <a:schemeClr val="accent1">
-              <a:shade val="15000"/>
-            </a:schemeClr>
-          </a:lnRef>
-          <a:fillRef idx="1">
-            <a:schemeClr val="accent1"/>
-          </a:fillRef>
-          <a:effectRef idx="0">
-            <a:schemeClr val="accent1"/>
-          </a:effectRef>
-          <a:fontRef idx="minor">
-            <a:schemeClr val="lt1"/>
-          </a:fontRef>
-        </p:style>
-        <p:txBody>
-          <a:bodyPr lIns="91440" tIns="45720" rIns="91440" bIns="45720" rtlCol="0" anchor="ctr"/>
-          <a:lstStyle/>
-          <a:p>
-            <a:pPr algn="ctr"/>
-            <a:r>
-              <a:rPr lang="vi-VN" dirty="0" err="1">
-                <a:latin typeface="Arial"/>
-                <a:cs typeface="Arial"/>
-              </a:rPr>
-              <a:t>Int</a:t>
-            </a:r>
-            <a:r>
-              <a:rPr lang="vi-VN" dirty="0">
-                <a:latin typeface="Arial"/>
-                <a:cs typeface="Arial"/>
-              </a:rPr>
-              <a:t> b = 2</a:t>
+              <a:rPr lang="vi-VN">
+                <a:latin typeface="Arial"/>
+                <a:cs typeface="Arial"/>
+              </a:rPr>
+              <a:t> a = 2</a:t>
             </a:r>
           </a:p>
         </p:txBody>
@@ -14521,7 +13891,7 @@
     </p:spTree>
     <p:extLst>
       <p:ext uri="{BB962C8B-B14F-4D97-AF65-F5344CB8AC3E}">
-        <p14:creationId xmlns:p14="http://schemas.microsoft.com/office/powerpoint/2010/main" val="4112782849"/>
+        <p14:creationId xmlns:p14="http://schemas.microsoft.com/office/powerpoint/2010/main" val="1087689519"/>
       </p:ext>
     </p:extLst>
   </p:cSld>
@@ -14570,13 +13940,13 @@
           <a:lstStyle/>
           <a:p>
             <a:r>
-              <a:rPr lang="vi-VN" dirty="0" err="1">
+              <a:rPr lang="vi-VN" err="1">
                 <a:latin typeface="Times New Roman"/>
                 <a:cs typeface="Times New Roman"/>
               </a:rPr>
               <a:t>II.Callstack</a:t>
             </a:r>
-            <a:endParaRPr lang="vi-VN" dirty="0" err="1"/>
+            <a:endParaRPr lang="vi-VN" err="1"/>
           </a:p>
         </p:txBody>
       </p:sp>
@@ -14652,20 +14022,20 @@
           <a:p>
             <a:pPr algn="ctr"/>
             <a:r>
-              <a:rPr lang="vi-VN" dirty="0" err="1">
+              <a:rPr lang="vi-VN" err="1">
                 <a:latin typeface="Arial"/>
                 <a:cs typeface="Arial"/>
               </a:rPr>
               <a:t>Main</a:t>
             </a:r>
             <a:r>
-              <a:rPr lang="vi-VN" dirty="0">
+              <a:rPr lang="vi-VN">
                 <a:latin typeface="Arial"/>
                 <a:cs typeface="Arial"/>
               </a:rPr>
               <a:t>()</a:t>
             </a:r>
-            <a:endParaRPr lang="vi-VN" dirty="0"/>
+            <a:endParaRPr lang="vi-VN"/>
           </a:p>
         </p:txBody>
       </p:sp>
@@ -14712,21 +14082,21 @@
           <a:p>
             <a:pPr algn="ctr"/>
             <a:r>
-              <a:rPr lang="vi-VN" dirty="0" err="1">
+              <a:rPr lang="vi-VN" err="1">
                 <a:latin typeface="Arial"/>
                 <a:cs typeface="Arial"/>
               </a:rPr>
               <a:t>Return</a:t>
             </a:r>
             <a:r>
-              <a:rPr lang="vi-VN" dirty="0">
+              <a:rPr lang="vi-VN">
                 <a:latin typeface="Arial"/>
                 <a:cs typeface="Arial"/>
               </a:rPr>
               <a:t> </a:t>
             </a:r>
             <a:r>
-              <a:rPr lang="vi-VN" dirty="0" err="1">
+              <a:rPr lang="vi-VN" err="1">
                 <a:latin typeface="Arial"/>
                 <a:cs typeface="Arial"/>
               </a:rPr>
@@ -14778,14 +14148,14 @@
           <a:p>
             <a:pPr algn="ctr"/>
             <a:r>
-              <a:rPr lang="vi-VN" dirty="0" err="1">
+              <a:rPr lang="vi-VN" err="1">
                 <a:latin typeface="Arial"/>
                 <a:cs typeface="Arial"/>
               </a:rPr>
               <a:t>Int</a:t>
             </a:r>
             <a:r>
-              <a:rPr lang="vi-VN" dirty="0">
+              <a:rPr lang="vi-VN">
                 <a:latin typeface="Arial"/>
                 <a:cs typeface="Arial"/>
               </a:rPr>
@@ -14827,13 +14197,13 @@
           <a:p>
             <a:pPr algn="ctr"/>
             <a:r>
-              <a:rPr lang="vi-VN" dirty="0" err="1">
+              <a:rPr lang="vi-VN" err="1">
                 <a:latin typeface="Arial"/>
                 <a:cs typeface="Arial"/>
               </a:rPr>
               <a:t>stack</a:t>
             </a:r>
-            <a:endParaRPr lang="vi-VN" dirty="0" err="1">
+            <a:endParaRPr lang="vi-VN" err="1">
               <a:cs typeface="Arial" panose="020B0604020202020204" pitchFamily="34" charset="0"/>
             </a:endParaRPr>
           </a:p>
@@ -14853,7 +14223,7 @@
         </p:nvSpPr>
         <p:spPr>
           <a:xfrm>
-            <a:off x="5572789" y="3704044"/>
+            <a:off x="411317" y="3200836"/>
             <a:ext cx="1380227" cy="833886"/>
           </a:xfrm>
           <a:prstGeom prst="rect">
@@ -14885,7 +14255,7 @@
           <a:p>
             <a:pPr algn="ctr"/>
             <a:r>
-              <a:rPr lang="vi-VN" dirty="0">
+              <a:rPr lang="vi-VN">
                 <a:latin typeface="Arial"/>
                 <a:cs typeface="Arial"/>
               </a:rPr>
@@ -14908,7 +14278,7 @@
         </p:nvSpPr>
         <p:spPr>
           <a:xfrm>
-            <a:off x="4141303" y="2970174"/>
+            <a:off x="963907" y="2179419"/>
             <a:ext cx="2285999" cy="733245"/>
           </a:xfrm>
           <a:prstGeom prst="uturnArrow">
@@ -14961,7 +14331,7 @@
         </p:nvSpPr>
         <p:spPr>
           <a:xfrm>
-            <a:off x="2452903" y="4422914"/>
+            <a:off x="2452903" y="4422913"/>
             <a:ext cx="2587924" cy="402566"/>
           </a:xfrm>
           <a:prstGeom prst="rect">
@@ -14993,7 +14363,7 @@
           <a:p>
             <a:pPr algn="ctr"/>
             <a:r>
-              <a:rPr lang="vi-VN" dirty="0">
+              <a:rPr lang="vi-VN">
                 <a:latin typeface="Arial"/>
                 <a:cs typeface="Arial"/>
               </a:rPr>
@@ -15016,7 +14386,7 @@
         </p:nvSpPr>
         <p:spPr>
           <a:xfrm>
-            <a:off x="2452903" y="4020347"/>
+            <a:off x="2452903" y="4020346"/>
             <a:ext cx="2587924" cy="402566"/>
           </a:xfrm>
           <a:prstGeom prst="rect">
@@ -15048,21 +14418,21 @@
           <a:p>
             <a:pPr algn="ctr"/>
             <a:r>
-              <a:rPr lang="vi-VN" dirty="0" err="1">
+              <a:rPr lang="vi-VN" err="1">
                 <a:latin typeface="Arial"/>
                 <a:cs typeface="Arial"/>
               </a:rPr>
               <a:t>Return</a:t>
             </a:r>
             <a:r>
-              <a:rPr lang="vi-VN" dirty="0">
+              <a:rPr lang="vi-VN">
                 <a:latin typeface="Arial"/>
                 <a:cs typeface="Arial"/>
               </a:rPr>
               <a:t> </a:t>
             </a:r>
             <a:r>
-              <a:rPr lang="vi-VN" dirty="0" err="1">
+              <a:rPr lang="vi-VN" err="1">
                 <a:latin typeface="Arial"/>
                 <a:cs typeface="Arial"/>
               </a:rPr>
@@ -15085,7 +14455,7 @@
         </p:nvSpPr>
         <p:spPr>
           <a:xfrm>
-            <a:off x="2452903" y="4825480"/>
+            <a:off x="2452903" y="4825479"/>
             <a:ext cx="2587924" cy="402566"/>
           </a:xfrm>
           <a:prstGeom prst="rect">
@@ -15117,18 +14487,204 @@
           <a:p>
             <a:pPr algn="ctr"/>
             <a:r>
-              <a:rPr lang="vi-VN" dirty="0" err="1">
+              <a:rPr lang="vi-VN" err="1">
                 <a:latin typeface="Arial"/>
                 <a:cs typeface="Arial"/>
               </a:rPr>
               <a:t>Int</a:t>
             </a:r>
             <a:r>
-              <a:rPr lang="vi-VN" dirty="0">
-                <a:latin typeface="Arial"/>
-                <a:cs typeface="Arial"/>
-              </a:rPr>
-              <a:t> a = 1, b = 2,c=3</a:t>
+              <a:rPr lang="vi-VN">
+                <a:latin typeface="Arial"/>
+                <a:cs typeface="Arial"/>
+              </a:rPr>
+              <a:t> a = 1</a:t>
+            </a:r>
+          </a:p>
+        </p:txBody>
+      </p:sp>
+      <p:sp>
+        <p:nvSpPr>
+          <p:cNvPr id="6" name="Hình chữ nhật 5">
+            <a:extLst>
+              <a:ext uri="{FF2B5EF4-FFF2-40B4-BE49-F238E27FC236}">
+                <a16:creationId xmlns:a16="http://schemas.microsoft.com/office/drawing/2014/main" id="{1E1C8EE2-1331-1074-DA90-D5DBC199491B}"/>
+              </a:ext>
+            </a:extLst>
+          </p:cNvPr>
+          <p:cNvSpPr/>
+          <p:nvPr/>
+        </p:nvSpPr>
+        <p:spPr>
+          <a:xfrm>
+            <a:off x="2452902" y="3200837"/>
+            <a:ext cx="2587924" cy="402566"/>
+          </a:xfrm>
+          <a:prstGeom prst="rect">
+            <a:avLst/>
+          </a:prstGeom>
+          <a:solidFill>
+            <a:schemeClr val="accent4"/>
+          </a:solidFill>
+        </p:spPr>
+        <p:style>
+          <a:lnRef idx="2">
+            <a:schemeClr val="accent1">
+              <a:shade val="15000"/>
+            </a:schemeClr>
+          </a:lnRef>
+          <a:fillRef idx="1">
+            <a:schemeClr val="accent1"/>
+          </a:fillRef>
+          <a:effectRef idx="0">
+            <a:schemeClr val="accent1"/>
+          </a:effectRef>
+          <a:fontRef idx="minor">
+            <a:schemeClr val="lt1"/>
+          </a:fontRef>
+        </p:style>
+        <p:txBody>
+          <a:bodyPr lIns="91440" tIns="45720" rIns="91440" bIns="45720" rtlCol="0" anchor="ctr"/>
+          <a:lstStyle/>
+          <a:p>
+            <a:pPr algn="ctr"/>
+            <a:r>
+              <a:rPr lang="vi-VN">
+                <a:latin typeface="Arial"/>
+                <a:cs typeface="Arial"/>
+              </a:rPr>
+              <a:t>Test_2()</a:t>
+            </a:r>
+          </a:p>
+        </p:txBody>
+      </p:sp>
+      <p:sp>
+        <p:nvSpPr>
+          <p:cNvPr id="14" name="Hình chữ nhật 13">
+            <a:extLst>
+              <a:ext uri="{FF2B5EF4-FFF2-40B4-BE49-F238E27FC236}">
+                <a16:creationId xmlns:a16="http://schemas.microsoft.com/office/drawing/2014/main" id="{D48BDF39-7A27-972C-10DF-0213E997FA49}"/>
+              </a:ext>
+            </a:extLst>
+          </p:cNvPr>
+          <p:cNvSpPr/>
+          <p:nvPr/>
+        </p:nvSpPr>
+        <p:spPr>
+          <a:xfrm>
+            <a:off x="2452902" y="2798270"/>
+            <a:ext cx="2587924" cy="402566"/>
+          </a:xfrm>
+          <a:prstGeom prst="rect">
+            <a:avLst/>
+          </a:prstGeom>
+          <a:solidFill>
+            <a:schemeClr val="accent4"/>
+          </a:solidFill>
+        </p:spPr>
+        <p:style>
+          <a:lnRef idx="2">
+            <a:schemeClr val="accent1">
+              <a:shade val="15000"/>
+            </a:schemeClr>
+          </a:lnRef>
+          <a:fillRef idx="1">
+            <a:schemeClr val="accent1"/>
+          </a:fillRef>
+          <a:effectRef idx="0">
+            <a:schemeClr val="accent1"/>
+          </a:effectRef>
+          <a:fontRef idx="minor">
+            <a:schemeClr val="lt1"/>
+          </a:fontRef>
+        </p:style>
+        <p:txBody>
+          <a:bodyPr lIns="91440" tIns="45720" rIns="91440" bIns="45720" rtlCol="0" anchor="ctr"/>
+          <a:lstStyle/>
+          <a:p>
+            <a:pPr algn="ctr"/>
+            <a:r>
+              <a:rPr lang="vi-VN" err="1">
+                <a:latin typeface="Arial"/>
+                <a:cs typeface="Arial"/>
+              </a:rPr>
+              <a:t>Return</a:t>
+            </a:r>
+            <a:r>
+              <a:rPr lang="vi-VN">
+                <a:latin typeface="Arial"/>
+                <a:cs typeface="Arial"/>
+              </a:rPr>
+              <a:t> </a:t>
+            </a:r>
+            <a:r>
+              <a:rPr lang="vi-VN" err="1">
+                <a:latin typeface="Arial"/>
+                <a:cs typeface="Arial"/>
+              </a:rPr>
+              <a:t>location</a:t>
+            </a:r>
+          </a:p>
+        </p:txBody>
+      </p:sp>
+      <p:sp>
+        <p:nvSpPr>
+          <p:cNvPr id="15" name="Hình chữ nhật 14">
+            <a:extLst>
+              <a:ext uri="{FF2B5EF4-FFF2-40B4-BE49-F238E27FC236}">
+                <a16:creationId xmlns:a16="http://schemas.microsoft.com/office/drawing/2014/main" id="{3A17B524-0484-2141-CB97-DC644E1A14D0}"/>
+              </a:ext>
+            </a:extLst>
+          </p:cNvPr>
+          <p:cNvSpPr/>
+          <p:nvPr/>
+        </p:nvSpPr>
+        <p:spPr>
+          <a:xfrm>
+            <a:off x="2452902" y="3603403"/>
+            <a:ext cx="2587924" cy="402566"/>
+          </a:xfrm>
+          <a:prstGeom prst="rect">
+            <a:avLst/>
+          </a:prstGeom>
+          <a:solidFill>
+            <a:schemeClr val="accent4"/>
+          </a:solidFill>
+        </p:spPr>
+        <p:style>
+          <a:lnRef idx="2">
+            <a:schemeClr val="accent1">
+              <a:shade val="15000"/>
+            </a:schemeClr>
+          </a:lnRef>
+          <a:fillRef idx="1">
+            <a:schemeClr val="accent1"/>
+          </a:fillRef>
+          <a:effectRef idx="0">
+            <a:schemeClr val="accent1"/>
+          </a:effectRef>
+          <a:fontRef idx="minor">
+            <a:schemeClr val="lt1"/>
+          </a:fontRef>
+        </p:style>
+        <p:txBody>
+          <a:bodyPr lIns="91440" tIns="45720" rIns="91440" bIns="45720" rtlCol="0" anchor="ctr"/>
+          <a:lstStyle/>
+          <a:p>
+            <a:pPr algn="ctr"/>
+            <a:r>
+              <a:rPr lang="vi-VN" err="1">
+                <a:latin typeface="Arial"/>
+                <a:cs typeface="Arial"/>
+              </a:rPr>
+              <a:t>Int</a:t>
+            </a:r>
+            <a:r>
+              <a:rPr lang="vi-VN">
+                <a:latin typeface="Arial"/>
+                <a:cs typeface="Arial"/>
+              </a:rPr>
+              <a:t> b = 2</a:t>
             </a:r>
           </a:p>
         </p:txBody>
@@ -15136,7 +14692,7 @@
     </p:spTree>
     <p:extLst>
       <p:ext uri="{BB962C8B-B14F-4D97-AF65-F5344CB8AC3E}">
-        <p14:creationId xmlns:p14="http://schemas.microsoft.com/office/powerpoint/2010/main" val="558232009"/>
+        <p14:creationId xmlns:p14="http://schemas.microsoft.com/office/powerpoint/2010/main" val="4112782849"/>
       </p:ext>
     </p:extLst>
   </p:cSld>
@@ -15185,13 +14741,13 @@
           <a:lstStyle/>
           <a:p>
             <a:r>
-              <a:rPr lang="vi-VN" dirty="0" err="1">
+              <a:rPr lang="vi-VN" err="1">
                 <a:latin typeface="Times New Roman"/>
                 <a:cs typeface="Times New Roman"/>
               </a:rPr>
               <a:t>II.Callstack</a:t>
             </a:r>
-            <a:endParaRPr lang="vi-VN" dirty="0" err="1"/>
+            <a:endParaRPr lang="vi-VN" err="1"/>
           </a:p>
         </p:txBody>
       </p:sp>
@@ -15267,20 +14823,20 @@
           <a:p>
             <a:pPr algn="ctr"/>
             <a:r>
-              <a:rPr lang="vi-VN" dirty="0" err="1">
+              <a:rPr lang="vi-VN" err="1">
                 <a:latin typeface="Arial"/>
                 <a:cs typeface="Arial"/>
               </a:rPr>
               <a:t>Main</a:t>
             </a:r>
             <a:r>
-              <a:rPr lang="vi-VN" dirty="0">
+              <a:rPr lang="vi-VN">
                 <a:latin typeface="Arial"/>
                 <a:cs typeface="Arial"/>
               </a:rPr>
               <a:t>()</a:t>
             </a:r>
-            <a:endParaRPr lang="vi-VN" dirty="0"/>
+            <a:endParaRPr lang="vi-VN"/>
           </a:p>
         </p:txBody>
       </p:sp>
@@ -15327,21 +14883,21 @@
           <a:p>
             <a:pPr algn="ctr"/>
             <a:r>
-              <a:rPr lang="vi-VN" dirty="0" err="1">
+              <a:rPr lang="vi-VN" err="1">
                 <a:latin typeface="Arial"/>
                 <a:cs typeface="Arial"/>
               </a:rPr>
               <a:t>Return</a:t>
             </a:r>
             <a:r>
-              <a:rPr lang="vi-VN" dirty="0">
+              <a:rPr lang="vi-VN">
                 <a:latin typeface="Arial"/>
                 <a:cs typeface="Arial"/>
               </a:rPr>
               <a:t> </a:t>
             </a:r>
             <a:r>
-              <a:rPr lang="vi-VN" dirty="0" err="1">
+              <a:rPr lang="vi-VN" err="1">
                 <a:latin typeface="Arial"/>
                 <a:cs typeface="Arial"/>
               </a:rPr>
@@ -15393,14 +14949,14 @@
           <a:p>
             <a:pPr algn="ctr"/>
             <a:r>
-              <a:rPr lang="vi-VN" dirty="0" err="1">
+              <a:rPr lang="vi-VN" err="1">
                 <a:latin typeface="Arial"/>
                 <a:cs typeface="Arial"/>
               </a:rPr>
               <a:t>Int</a:t>
             </a:r>
             <a:r>
-              <a:rPr lang="vi-VN" dirty="0">
+              <a:rPr lang="vi-VN">
                 <a:latin typeface="Arial"/>
                 <a:cs typeface="Arial"/>
               </a:rPr>
@@ -15442,13 +14998,13 @@
           <a:p>
             <a:pPr algn="ctr"/>
             <a:r>
-              <a:rPr lang="vi-VN" dirty="0" err="1">
+              <a:rPr lang="vi-VN" err="1">
                 <a:latin typeface="Arial"/>
                 <a:cs typeface="Arial"/>
               </a:rPr>
               <a:t>stack</a:t>
             </a:r>
-            <a:endParaRPr lang="vi-VN" dirty="0" err="1">
+            <a:endParaRPr lang="vi-VN" err="1">
               <a:cs typeface="Arial" panose="020B0604020202020204" pitchFamily="34" charset="0"/>
             </a:endParaRPr>
           </a:p>
@@ -15468,14 +15024,14 @@
         </p:nvSpPr>
         <p:spPr>
           <a:xfrm>
-            <a:off x="5572789" y="5170535"/>
+            <a:off x="5572789" y="3704044"/>
             <a:ext cx="1380227" cy="833886"/>
           </a:xfrm>
           <a:prstGeom prst="rect">
             <a:avLst/>
           </a:prstGeom>
           <a:solidFill>
-            <a:schemeClr val="accent3"/>
+            <a:schemeClr val="accent4"/>
           </a:solidFill>
         </p:spPr>
         <p:style>
@@ -15500,11 +15056,11 @@
           <a:p>
             <a:pPr algn="ctr"/>
             <a:r>
-              <a:rPr lang="vi-VN" dirty="0">
-                <a:latin typeface="Arial"/>
-                <a:cs typeface="Arial"/>
-              </a:rPr>
-              <a:t>Test_1()</a:t>
+              <a:rPr lang="vi-VN">
+                <a:latin typeface="Arial"/>
+                <a:cs typeface="Arial"/>
+              </a:rPr>
+              <a:t>Test_2()</a:t>
             </a:r>
           </a:p>
         </p:txBody>
@@ -15523,14 +15079,14 @@
         </p:nvSpPr>
         <p:spPr>
           <a:xfrm>
-            <a:off x="4141303" y="4436665"/>
+            <a:off x="4141303" y="2970174"/>
             <a:ext cx="2285999" cy="733245"/>
           </a:xfrm>
           <a:prstGeom prst="uturnArrow">
             <a:avLst/>
           </a:prstGeom>
           <a:solidFill>
-            <a:schemeClr val="accent3"/>
+            <a:schemeClr val="accent4"/>
           </a:solidFill>
         </p:spPr>
         <p:style>
@@ -15562,10 +15118,196 @@
           </a:p>
         </p:txBody>
       </p:sp>
+      <p:sp>
+        <p:nvSpPr>
+          <p:cNvPr id="3" name="Hình chữ nhật 2">
+            <a:extLst>
+              <a:ext uri="{FF2B5EF4-FFF2-40B4-BE49-F238E27FC236}">
+                <a16:creationId xmlns:a16="http://schemas.microsoft.com/office/drawing/2014/main" id="{1CDAEEC2-D0B8-FBEA-5793-07B81E3568B9}"/>
+              </a:ext>
+            </a:extLst>
+          </p:cNvPr>
+          <p:cNvSpPr/>
+          <p:nvPr/>
+        </p:nvSpPr>
+        <p:spPr>
+          <a:xfrm>
+            <a:off x="2452903" y="4422914"/>
+            <a:ext cx="2587924" cy="402566"/>
+          </a:xfrm>
+          <a:prstGeom prst="rect">
+            <a:avLst/>
+          </a:prstGeom>
+          <a:solidFill>
+            <a:schemeClr val="accent3"/>
+          </a:solidFill>
+        </p:spPr>
+        <p:style>
+          <a:lnRef idx="2">
+            <a:schemeClr val="accent1">
+              <a:shade val="15000"/>
+            </a:schemeClr>
+          </a:lnRef>
+          <a:fillRef idx="1">
+            <a:schemeClr val="accent1"/>
+          </a:fillRef>
+          <a:effectRef idx="0">
+            <a:schemeClr val="accent1"/>
+          </a:effectRef>
+          <a:fontRef idx="minor">
+            <a:schemeClr val="lt1"/>
+          </a:fontRef>
+        </p:style>
+        <p:txBody>
+          <a:bodyPr lIns="91440" tIns="45720" rIns="91440" bIns="45720" rtlCol="0" anchor="ctr"/>
+          <a:lstStyle/>
+          <a:p>
+            <a:pPr algn="ctr"/>
+            <a:r>
+              <a:rPr lang="vi-VN">
+                <a:latin typeface="Arial"/>
+                <a:cs typeface="Arial"/>
+              </a:rPr>
+              <a:t>Test_1()</a:t>
+            </a:r>
+          </a:p>
+        </p:txBody>
+      </p:sp>
+      <p:sp>
+        <p:nvSpPr>
+          <p:cNvPr id="4" name="Hình chữ nhật 3">
+            <a:extLst>
+              <a:ext uri="{FF2B5EF4-FFF2-40B4-BE49-F238E27FC236}">
+                <a16:creationId xmlns:a16="http://schemas.microsoft.com/office/drawing/2014/main" id="{8C00CF0C-A02A-C76D-0499-A8240BD51FA8}"/>
+              </a:ext>
+            </a:extLst>
+          </p:cNvPr>
+          <p:cNvSpPr/>
+          <p:nvPr/>
+        </p:nvSpPr>
+        <p:spPr>
+          <a:xfrm>
+            <a:off x="2452903" y="4020347"/>
+            <a:ext cx="2587924" cy="402566"/>
+          </a:xfrm>
+          <a:prstGeom prst="rect">
+            <a:avLst/>
+          </a:prstGeom>
+          <a:solidFill>
+            <a:schemeClr val="accent3"/>
+          </a:solidFill>
+        </p:spPr>
+        <p:style>
+          <a:lnRef idx="2">
+            <a:schemeClr val="accent1">
+              <a:shade val="15000"/>
+            </a:schemeClr>
+          </a:lnRef>
+          <a:fillRef idx="1">
+            <a:schemeClr val="accent1"/>
+          </a:fillRef>
+          <a:effectRef idx="0">
+            <a:schemeClr val="accent1"/>
+          </a:effectRef>
+          <a:fontRef idx="minor">
+            <a:schemeClr val="lt1"/>
+          </a:fontRef>
+        </p:style>
+        <p:txBody>
+          <a:bodyPr lIns="91440" tIns="45720" rIns="91440" bIns="45720" rtlCol="0" anchor="ctr"/>
+          <a:lstStyle/>
+          <a:p>
+            <a:pPr algn="ctr"/>
+            <a:r>
+              <a:rPr lang="vi-VN" err="1">
+                <a:latin typeface="Arial"/>
+                <a:cs typeface="Arial"/>
+              </a:rPr>
+              <a:t>Return</a:t>
+            </a:r>
+            <a:r>
+              <a:rPr lang="vi-VN">
+                <a:latin typeface="Arial"/>
+                <a:cs typeface="Arial"/>
+              </a:rPr>
+              <a:t> </a:t>
+            </a:r>
+            <a:r>
+              <a:rPr lang="vi-VN" err="1">
+                <a:latin typeface="Arial"/>
+                <a:cs typeface="Arial"/>
+              </a:rPr>
+              <a:t>location</a:t>
+            </a:r>
+          </a:p>
+        </p:txBody>
+      </p:sp>
+      <p:sp>
+        <p:nvSpPr>
+          <p:cNvPr id="5" name="Hình chữ nhật 4">
+            <a:extLst>
+              <a:ext uri="{FF2B5EF4-FFF2-40B4-BE49-F238E27FC236}">
+                <a16:creationId xmlns:a16="http://schemas.microsoft.com/office/drawing/2014/main" id="{BE207C8A-DF47-DED8-786C-32AD4DA20E2F}"/>
+              </a:ext>
+            </a:extLst>
+          </p:cNvPr>
+          <p:cNvSpPr/>
+          <p:nvPr/>
+        </p:nvSpPr>
+        <p:spPr>
+          <a:xfrm>
+            <a:off x="2452903" y="4825480"/>
+            <a:ext cx="2587924" cy="402566"/>
+          </a:xfrm>
+          <a:prstGeom prst="rect">
+            <a:avLst/>
+          </a:prstGeom>
+          <a:solidFill>
+            <a:schemeClr val="accent3"/>
+          </a:solidFill>
+        </p:spPr>
+        <p:style>
+          <a:lnRef idx="2">
+            <a:schemeClr val="accent1">
+              <a:shade val="15000"/>
+            </a:schemeClr>
+          </a:lnRef>
+          <a:fillRef idx="1">
+            <a:schemeClr val="accent1"/>
+          </a:fillRef>
+          <a:effectRef idx="0">
+            <a:schemeClr val="accent1"/>
+          </a:effectRef>
+          <a:fontRef idx="minor">
+            <a:schemeClr val="lt1"/>
+          </a:fontRef>
+        </p:style>
+        <p:txBody>
+          <a:bodyPr lIns="91440" tIns="45720" rIns="91440" bIns="45720" rtlCol="0" anchor="ctr"/>
+          <a:lstStyle/>
+          <a:p>
+            <a:pPr algn="ctr"/>
+            <a:r>
+              <a:rPr lang="vi-VN" err="1">
+                <a:latin typeface="Arial"/>
+                <a:cs typeface="Arial"/>
+              </a:rPr>
+              <a:t>Int</a:t>
+            </a:r>
+            <a:r>
+              <a:rPr lang="vi-VN">
+                <a:latin typeface="Arial"/>
+                <a:cs typeface="Arial"/>
+              </a:rPr>
+              <a:t> a = 1, b = 2,c=3</a:t>
+            </a:r>
+          </a:p>
+        </p:txBody>
+      </p:sp>
     </p:spTree>
     <p:extLst>
       <p:ext uri="{BB962C8B-B14F-4D97-AF65-F5344CB8AC3E}">
-        <p14:creationId xmlns:p14="http://schemas.microsoft.com/office/powerpoint/2010/main" val="853821048"/>
+        <p14:creationId xmlns:p14="http://schemas.microsoft.com/office/powerpoint/2010/main" val="558232009"/>
       </p:ext>
     </p:extLst>
   </p:cSld>
@@ -15614,13 +15356,13 @@
           <a:lstStyle/>
           <a:p>
             <a:r>
-              <a:rPr lang="vi-VN" dirty="0" err="1">
+              <a:rPr lang="vi-VN" err="1">
                 <a:latin typeface="Times New Roman"/>
                 <a:cs typeface="Times New Roman"/>
               </a:rPr>
               <a:t>II.Callstack</a:t>
             </a:r>
-            <a:endParaRPr lang="vi-VN" dirty="0" err="1"/>
+            <a:endParaRPr lang="vi-VN" err="1"/>
           </a:p>
         </p:txBody>
       </p:sp>
@@ -15667,7 +15409,7 @@
         </p:nvSpPr>
         <p:spPr>
           <a:xfrm>
-            <a:off x="2553544" y="5285555"/>
+            <a:off x="2452903" y="5644989"/>
             <a:ext cx="2587924" cy="402566"/>
           </a:xfrm>
           <a:prstGeom prst="rect">
@@ -15696,20 +15438,20 @@
           <a:p>
             <a:pPr algn="ctr"/>
             <a:r>
-              <a:rPr lang="vi-VN" dirty="0" err="1">
+              <a:rPr lang="vi-VN" err="1">
                 <a:latin typeface="Arial"/>
                 <a:cs typeface="Arial"/>
               </a:rPr>
               <a:t>Main</a:t>
             </a:r>
             <a:r>
-              <a:rPr lang="vi-VN" dirty="0">
+              <a:rPr lang="vi-VN">
                 <a:latin typeface="Arial"/>
                 <a:cs typeface="Arial"/>
               </a:rPr>
               <a:t>()</a:t>
             </a:r>
-            <a:endParaRPr lang="vi-VN" dirty="0"/>
+            <a:endParaRPr lang="vi-VN"/>
           </a:p>
         </p:txBody>
       </p:sp>
@@ -15727,7 +15469,7 @@
         </p:nvSpPr>
         <p:spPr>
           <a:xfrm>
-            <a:off x="2553544" y="4882988"/>
+            <a:off x="2452903" y="5242422"/>
             <a:ext cx="2587924" cy="402566"/>
           </a:xfrm>
           <a:prstGeom prst="rect">
@@ -15756,21 +15498,21 @@
           <a:p>
             <a:pPr algn="ctr"/>
             <a:r>
-              <a:rPr lang="vi-VN" dirty="0" err="1">
+              <a:rPr lang="vi-VN" err="1">
                 <a:latin typeface="Arial"/>
                 <a:cs typeface="Arial"/>
               </a:rPr>
               <a:t>Return</a:t>
             </a:r>
             <a:r>
-              <a:rPr lang="vi-VN" dirty="0">
+              <a:rPr lang="vi-VN">
                 <a:latin typeface="Arial"/>
                 <a:cs typeface="Arial"/>
               </a:rPr>
               <a:t> </a:t>
             </a:r>
             <a:r>
-              <a:rPr lang="vi-VN" dirty="0" err="1">
+              <a:rPr lang="vi-VN" err="1">
                 <a:latin typeface="Arial"/>
                 <a:cs typeface="Arial"/>
               </a:rPr>
@@ -15793,7 +15535,7 @@
         </p:nvSpPr>
         <p:spPr>
           <a:xfrm>
-            <a:off x="2553544" y="5688121"/>
+            <a:off x="2452903" y="6047555"/>
             <a:ext cx="2587924" cy="402566"/>
           </a:xfrm>
           <a:prstGeom prst="rect">
@@ -15822,14 +15564,14 @@
           <a:p>
             <a:pPr algn="ctr"/>
             <a:r>
-              <a:rPr lang="vi-VN" dirty="0" err="1">
+              <a:rPr lang="vi-VN" err="1">
                 <a:latin typeface="Arial"/>
                 <a:cs typeface="Arial"/>
               </a:rPr>
               <a:t>Int</a:t>
             </a:r>
             <a:r>
-              <a:rPr lang="vi-VN" dirty="0">
+              <a:rPr lang="vi-VN">
                 <a:latin typeface="Arial"/>
                 <a:cs typeface="Arial"/>
               </a:rPr>
@@ -15852,7 +15594,7 @@
         </p:nvSpPr>
         <p:spPr>
           <a:xfrm>
-            <a:off x="2389454" y="6270090"/>
+            <a:off x="2375077" y="6471373"/>
             <a:ext cx="2743200" cy="369332"/>
           </a:xfrm>
           <a:prstGeom prst="rect">
@@ -15871,13 +15613,13 @@
           <a:p>
             <a:pPr algn="ctr"/>
             <a:r>
-              <a:rPr lang="vi-VN" dirty="0" err="1">
+              <a:rPr lang="vi-VN" err="1">
                 <a:latin typeface="Arial"/>
                 <a:cs typeface="Arial"/>
               </a:rPr>
               <a:t>stack</a:t>
             </a:r>
-            <a:endParaRPr lang="vi-VN" dirty="0" err="1">
+            <a:endParaRPr lang="vi-VN" err="1">
               <a:cs typeface="Arial" panose="020B0604020202020204" pitchFamily="34" charset="0"/>
             </a:endParaRPr>
           </a:p>
@@ -15897,14 +15639,14 @@
         </p:nvSpPr>
         <p:spPr>
           <a:xfrm>
-            <a:off x="411317" y="3589025"/>
+            <a:off x="5572789" y="5170535"/>
             <a:ext cx="1380227" cy="833886"/>
           </a:xfrm>
           <a:prstGeom prst="rect">
             <a:avLst/>
           </a:prstGeom>
           <a:solidFill>
-            <a:schemeClr val="accent5"/>
+            <a:schemeClr val="accent3"/>
           </a:solidFill>
         </p:spPr>
         <p:style>
@@ -15929,11 +15671,11 @@
           <a:p>
             <a:pPr algn="ctr"/>
             <a:r>
-              <a:rPr lang="vi-VN" dirty="0">
-                <a:latin typeface="Arial"/>
-                <a:cs typeface="Arial"/>
-              </a:rPr>
-              <a:t>Test_3()</a:t>
+              <a:rPr lang="vi-VN">
+                <a:latin typeface="Arial"/>
+                <a:cs typeface="Arial"/>
+              </a:rPr>
+              <a:t>Test_1()</a:t>
             </a:r>
           </a:p>
         </p:txBody>
@@ -15952,14 +15694,14 @@
         </p:nvSpPr>
         <p:spPr>
           <a:xfrm>
-            <a:off x="1035794" y="2639495"/>
+            <a:off x="4141303" y="4436665"/>
             <a:ext cx="2285999" cy="733245"/>
           </a:xfrm>
           <a:prstGeom prst="uturnArrow">
             <a:avLst/>
           </a:prstGeom>
           <a:solidFill>
-            <a:schemeClr val="accent5"/>
+            <a:schemeClr val="accent3"/>
           </a:solidFill>
         </p:spPr>
         <p:style>
@@ -15991,196 +15733,10 @@
           </a:p>
         </p:txBody>
       </p:sp>
-      <p:sp>
-        <p:nvSpPr>
-          <p:cNvPr id="3" name="Hình chữ nhật 2">
-            <a:extLst>
-              <a:ext uri="{FF2B5EF4-FFF2-40B4-BE49-F238E27FC236}">
-                <a16:creationId xmlns:a16="http://schemas.microsoft.com/office/drawing/2014/main" id="{1CDAEEC2-D0B8-FBEA-5793-07B81E3568B9}"/>
-              </a:ext>
-            </a:extLst>
-          </p:cNvPr>
-          <p:cNvSpPr/>
-          <p:nvPr/>
-        </p:nvSpPr>
-        <p:spPr>
-          <a:xfrm>
-            <a:off x="2524789" y="4034724"/>
-            <a:ext cx="2587924" cy="402566"/>
-          </a:xfrm>
-          <a:prstGeom prst="rect">
-            <a:avLst/>
-          </a:prstGeom>
-          <a:solidFill>
-            <a:schemeClr val="accent5"/>
-          </a:solidFill>
-        </p:spPr>
-        <p:style>
-          <a:lnRef idx="2">
-            <a:schemeClr val="accent1">
-              <a:shade val="15000"/>
-            </a:schemeClr>
-          </a:lnRef>
-          <a:fillRef idx="1">
-            <a:schemeClr val="accent1"/>
-          </a:fillRef>
-          <a:effectRef idx="0">
-            <a:schemeClr val="accent1"/>
-          </a:effectRef>
-          <a:fontRef idx="minor">
-            <a:schemeClr val="lt1"/>
-          </a:fontRef>
-        </p:style>
-        <p:txBody>
-          <a:bodyPr lIns="91440" tIns="45720" rIns="91440" bIns="45720" rtlCol="0" anchor="ctr"/>
-          <a:lstStyle/>
-          <a:p>
-            <a:pPr algn="ctr"/>
-            <a:r>
-              <a:rPr lang="vi-VN" dirty="0">
-                <a:latin typeface="Arial"/>
-                <a:cs typeface="Arial"/>
-              </a:rPr>
-              <a:t>Test_3()</a:t>
-            </a:r>
-          </a:p>
-        </p:txBody>
-      </p:sp>
-      <p:sp>
-        <p:nvSpPr>
-          <p:cNvPr id="4" name="Hình chữ nhật 3">
-            <a:extLst>
-              <a:ext uri="{FF2B5EF4-FFF2-40B4-BE49-F238E27FC236}">
-                <a16:creationId xmlns:a16="http://schemas.microsoft.com/office/drawing/2014/main" id="{8C00CF0C-A02A-C76D-0499-A8240BD51FA8}"/>
-              </a:ext>
-            </a:extLst>
-          </p:cNvPr>
-          <p:cNvSpPr/>
-          <p:nvPr/>
-        </p:nvSpPr>
-        <p:spPr>
-          <a:xfrm>
-            <a:off x="2524789" y="3632157"/>
-            <a:ext cx="2587924" cy="402566"/>
-          </a:xfrm>
-          <a:prstGeom prst="rect">
-            <a:avLst/>
-          </a:prstGeom>
-          <a:solidFill>
-            <a:schemeClr val="accent5"/>
-          </a:solidFill>
-        </p:spPr>
-        <p:style>
-          <a:lnRef idx="2">
-            <a:schemeClr val="accent1">
-              <a:shade val="15000"/>
-            </a:schemeClr>
-          </a:lnRef>
-          <a:fillRef idx="1">
-            <a:schemeClr val="accent1"/>
-          </a:fillRef>
-          <a:effectRef idx="0">
-            <a:schemeClr val="accent1"/>
-          </a:effectRef>
-          <a:fontRef idx="minor">
-            <a:schemeClr val="lt1"/>
-          </a:fontRef>
-        </p:style>
-        <p:txBody>
-          <a:bodyPr lIns="91440" tIns="45720" rIns="91440" bIns="45720" rtlCol="0" anchor="ctr"/>
-          <a:lstStyle/>
-          <a:p>
-            <a:pPr algn="ctr"/>
-            <a:r>
-              <a:rPr lang="vi-VN" dirty="0" err="1">
-                <a:latin typeface="Arial"/>
-                <a:cs typeface="Arial"/>
-              </a:rPr>
-              <a:t>Return</a:t>
-            </a:r>
-            <a:r>
-              <a:rPr lang="vi-VN" dirty="0">
-                <a:latin typeface="Arial"/>
-                <a:cs typeface="Arial"/>
-              </a:rPr>
-              <a:t> </a:t>
-            </a:r>
-            <a:r>
-              <a:rPr lang="vi-VN" dirty="0" err="1">
-                <a:latin typeface="Arial"/>
-                <a:cs typeface="Arial"/>
-              </a:rPr>
-              <a:t>location</a:t>
-            </a:r>
-          </a:p>
-        </p:txBody>
-      </p:sp>
-      <p:sp>
-        <p:nvSpPr>
-          <p:cNvPr id="5" name="Hình chữ nhật 4">
-            <a:extLst>
-              <a:ext uri="{FF2B5EF4-FFF2-40B4-BE49-F238E27FC236}">
-                <a16:creationId xmlns:a16="http://schemas.microsoft.com/office/drawing/2014/main" id="{BE207C8A-DF47-DED8-786C-32AD4DA20E2F}"/>
-              </a:ext>
-            </a:extLst>
-          </p:cNvPr>
-          <p:cNvSpPr/>
-          <p:nvPr/>
-        </p:nvSpPr>
-        <p:spPr>
-          <a:xfrm>
-            <a:off x="2524789" y="4437290"/>
-            <a:ext cx="2587924" cy="402566"/>
-          </a:xfrm>
-          <a:prstGeom prst="rect">
-            <a:avLst/>
-          </a:prstGeom>
-          <a:solidFill>
-            <a:schemeClr val="accent5"/>
-          </a:solidFill>
-        </p:spPr>
-        <p:style>
-          <a:lnRef idx="2">
-            <a:schemeClr val="accent1">
-              <a:shade val="15000"/>
-            </a:schemeClr>
-          </a:lnRef>
-          <a:fillRef idx="1">
-            <a:schemeClr val="accent1"/>
-          </a:fillRef>
-          <a:effectRef idx="0">
-            <a:schemeClr val="accent1"/>
-          </a:effectRef>
-          <a:fontRef idx="minor">
-            <a:schemeClr val="lt1"/>
-          </a:fontRef>
-        </p:style>
-        <p:txBody>
-          <a:bodyPr lIns="91440" tIns="45720" rIns="91440" bIns="45720" rtlCol="0" anchor="ctr"/>
-          <a:lstStyle/>
-          <a:p>
-            <a:pPr algn="ctr"/>
-            <a:r>
-              <a:rPr lang="vi-VN" dirty="0" err="1">
-                <a:latin typeface="Arial"/>
-                <a:cs typeface="Arial"/>
-              </a:rPr>
-              <a:t>Int</a:t>
-            </a:r>
-            <a:r>
-              <a:rPr lang="vi-VN" dirty="0">
-                <a:latin typeface="Arial"/>
-                <a:cs typeface="Arial"/>
-              </a:rPr>
-              <a:t> c = 3</a:t>
-            </a:r>
-          </a:p>
-        </p:txBody>
-      </p:sp>
     </p:spTree>
     <p:extLst>
       <p:ext uri="{BB962C8B-B14F-4D97-AF65-F5344CB8AC3E}">
-        <p14:creationId xmlns:p14="http://schemas.microsoft.com/office/powerpoint/2010/main" val="3764069539"/>
+        <p14:creationId xmlns:p14="http://schemas.microsoft.com/office/powerpoint/2010/main" val="853821048"/>
       </p:ext>
     </p:extLst>
   </p:cSld>
@@ -16229,13 +15785,13 @@
           <a:lstStyle/>
           <a:p>
             <a:r>
-              <a:rPr lang="vi-VN" dirty="0" err="1">
+              <a:rPr lang="vi-VN" err="1">
                 <a:latin typeface="Times New Roman"/>
                 <a:cs typeface="Times New Roman"/>
               </a:rPr>
               <a:t>II.Callstack</a:t>
             </a:r>
-            <a:endParaRPr lang="vi-VN" dirty="0" err="1"/>
+            <a:endParaRPr lang="vi-VN" err="1"/>
           </a:p>
         </p:txBody>
       </p:sp>
@@ -16311,20 +15867,20 @@
           <a:p>
             <a:pPr algn="ctr"/>
             <a:r>
-              <a:rPr lang="vi-VN" dirty="0" err="1">
+              <a:rPr lang="vi-VN" err="1">
                 <a:latin typeface="Arial"/>
                 <a:cs typeface="Arial"/>
               </a:rPr>
               <a:t>Main</a:t>
             </a:r>
             <a:r>
-              <a:rPr lang="vi-VN" dirty="0">
+              <a:rPr lang="vi-VN">
                 <a:latin typeface="Arial"/>
                 <a:cs typeface="Arial"/>
               </a:rPr>
               <a:t>()</a:t>
             </a:r>
-            <a:endParaRPr lang="vi-VN" dirty="0"/>
+            <a:endParaRPr lang="vi-VN"/>
           </a:p>
         </p:txBody>
       </p:sp>
@@ -16371,21 +15927,21 @@
           <a:p>
             <a:pPr algn="ctr"/>
             <a:r>
-              <a:rPr lang="vi-VN" dirty="0" err="1">
+              <a:rPr lang="vi-VN" err="1">
                 <a:latin typeface="Arial"/>
                 <a:cs typeface="Arial"/>
               </a:rPr>
               <a:t>Return</a:t>
             </a:r>
             <a:r>
-              <a:rPr lang="vi-VN" dirty="0">
+              <a:rPr lang="vi-VN">
                 <a:latin typeface="Arial"/>
                 <a:cs typeface="Arial"/>
               </a:rPr>
               <a:t> </a:t>
             </a:r>
             <a:r>
-              <a:rPr lang="vi-VN" dirty="0" err="1">
+              <a:rPr lang="vi-VN" err="1">
                 <a:latin typeface="Arial"/>
                 <a:cs typeface="Arial"/>
               </a:rPr>
@@ -16437,18 +15993,18 @@
           <a:p>
             <a:pPr algn="ctr"/>
             <a:r>
-              <a:rPr lang="vi-VN" dirty="0" err="1">
+              <a:rPr lang="vi-VN" err="1">
                 <a:latin typeface="Arial"/>
                 <a:cs typeface="Arial"/>
               </a:rPr>
               <a:t>Int</a:t>
             </a:r>
             <a:r>
-              <a:rPr lang="vi-VN" dirty="0">
-                <a:latin typeface="Arial"/>
-                <a:cs typeface="Arial"/>
-              </a:rPr>
-              <a:t> a = 2, c = 3</a:t>
+              <a:rPr lang="vi-VN">
+                <a:latin typeface="Arial"/>
+                <a:cs typeface="Arial"/>
+              </a:rPr>
+              <a:t> a = 2</a:t>
             </a:r>
           </a:p>
         </p:txBody>
@@ -16486,13 +16042,13 @@
           <a:p>
             <a:pPr algn="ctr"/>
             <a:r>
-              <a:rPr lang="vi-VN" dirty="0" err="1">
+              <a:rPr lang="vi-VN" err="1">
                 <a:latin typeface="Arial"/>
                 <a:cs typeface="Arial"/>
               </a:rPr>
               <a:t>stack</a:t>
             </a:r>
-            <a:endParaRPr lang="vi-VN" dirty="0" err="1">
+            <a:endParaRPr lang="vi-VN" err="1">
               <a:cs typeface="Arial" panose="020B0604020202020204" pitchFamily="34" charset="0"/>
             </a:endParaRPr>
           </a:p>
@@ -16512,7 +16068,7 @@
         </p:nvSpPr>
         <p:spPr>
           <a:xfrm>
-            <a:off x="5687807" y="4638572"/>
+            <a:off x="411317" y="3589025"/>
             <a:ext cx="1380227" cy="833886"/>
           </a:xfrm>
           <a:prstGeom prst="rect">
@@ -16544,7 +16100,7 @@
           <a:p>
             <a:pPr algn="ctr"/>
             <a:r>
-              <a:rPr lang="vi-VN" dirty="0">
+              <a:rPr lang="vi-VN">
                 <a:latin typeface="Arial"/>
                 <a:cs typeface="Arial"/>
               </a:rPr>
@@ -16567,7 +16123,7 @@
         </p:nvSpPr>
         <p:spPr>
           <a:xfrm>
-            <a:off x="4299454" y="3890325"/>
+            <a:off x="1035794" y="2639495"/>
             <a:ext cx="2285999" cy="733245"/>
           </a:xfrm>
           <a:prstGeom prst="uturnArrow">
@@ -16606,10 +16162,196 @@
           </a:p>
         </p:txBody>
       </p:sp>
+      <p:sp>
+        <p:nvSpPr>
+          <p:cNvPr id="3" name="Hình chữ nhật 2">
+            <a:extLst>
+              <a:ext uri="{FF2B5EF4-FFF2-40B4-BE49-F238E27FC236}">
+                <a16:creationId xmlns:a16="http://schemas.microsoft.com/office/drawing/2014/main" id="{1CDAEEC2-D0B8-FBEA-5793-07B81E3568B9}"/>
+              </a:ext>
+            </a:extLst>
+          </p:cNvPr>
+          <p:cNvSpPr/>
+          <p:nvPr/>
+        </p:nvSpPr>
+        <p:spPr>
+          <a:xfrm>
+            <a:off x="2524789" y="4034724"/>
+            <a:ext cx="2587924" cy="402566"/>
+          </a:xfrm>
+          <a:prstGeom prst="rect">
+            <a:avLst/>
+          </a:prstGeom>
+          <a:solidFill>
+            <a:schemeClr val="accent5"/>
+          </a:solidFill>
+        </p:spPr>
+        <p:style>
+          <a:lnRef idx="2">
+            <a:schemeClr val="accent1">
+              <a:shade val="15000"/>
+            </a:schemeClr>
+          </a:lnRef>
+          <a:fillRef idx="1">
+            <a:schemeClr val="accent1"/>
+          </a:fillRef>
+          <a:effectRef idx="0">
+            <a:schemeClr val="accent1"/>
+          </a:effectRef>
+          <a:fontRef idx="minor">
+            <a:schemeClr val="lt1"/>
+          </a:fontRef>
+        </p:style>
+        <p:txBody>
+          <a:bodyPr lIns="91440" tIns="45720" rIns="91440" bIns="45720" rtlCol="0" anchor="ctr"/>
+          <a:lstStyle/>
+          <a:p>
+            <a:pPr algn="ctr"/>
+            <a:r>
+              <a:rPr lang="vi-VN">
+                <a:latin typeface="Arial"/>
+                <a:cs typeface="Arial"/>
+              </a:rPr>
+              <a:t>Test_3()</a:t>
+            </a:r>
+          </a:p>
+        </p:txBody>
+      </p:sp>
+      <p:sp>
+        <p:nvSpPr>
+          <p:cNvPr id="4" name="Hình chữ nhật 3">
+            <a:extLst>
+              <a:ext uri="{FF2B5EF4-FFF2-40B4-BE49-F238E27FC236}">
+                <a16:creationId xmlns:a16="http://schemas.microsoft.com/office/drawing/2014/main" id="{8C00CF0C-A02A-C76D-0499-A8240BD51FA8}"/>
+              </a:ext>
+            </a:extLst>
+          </p:cNvPr>
+          <p:cNvSpPr/>
+          <p:nvPr/>
+        </p:nvSpPr>
+        <p:spPr>
+          <a:xfrm>
+            <a:off x="2524789" y="3632157"/>
+            <a:ext cx="2587924" cy="402566"/>
+          </a:xfrm>
+          <a:prstGeom prst="rect">
+            <a:avLst/>
+          </a:prstGeom>
+          <a:solidFill>
+            <a:schemeClr val="accent5"/>
+          </a:solidFill>
+        </p:spPr>
+        <p:style>
+          <a:lnRef idx="2">
+            <a:schemeClr val="accent1">
+              <a:shade val="15000"/>
+            </a:schemeClr>
+          </a:lnRef>
+          <a:fillRef idx="1">
+            <a:schemeClr val="accent1"/>
+          </a:fillRef>
+          <a:effectRef idx="0">
+            <a:schemeClr val="accent1"/>
+          </a:effectRef>
+          <a:fontRef idx="minor">
+            <a:schemeClr val="lt1"/>
+          </a:fontRef>
+        </p:style>
+        <p:txBody>
+          <a:bodyPr lIns="91440" tIns="45720" rIns="91440" bIns="45720" rtlCol="0" anchor="ctr"/>
+          <a:lstStyle/>
+          <a:p>
+            <a:pPr algn="ctr"/>
+            <a:r>
+              <a:rPr lang="vi-VN" err="1">
+                <a:latin typeface="Arial"/>
+                <a:cs typeface="Arial"/>
+              </a:rPr>
+              <a:t>Return</a:t>
+            </a:r>
+            <a:r>
+              <a:rPr lang="vi-VN">
+                <a:latin typeface="Arial"/>
+                <a:cs typeface="Arial"/>
+              </a:rPr>
+              <a:t> </a:t>
+            </a:r>
+            <a:r>
+              <a:rPr lang="vi-VN" err="1">
+                <a:latin typeface="Arial"/>
+                <a:cs typeface="Arial"/>
+              </a:rPr>
+              <a:t>location</a:t>
+            </a:r>
+          </a:p>
+        </p:txBody>
+      </p:sp>
+      <p:sp>
+        <p:nvSpPr>
+          <p:cNvPr id="5" name="Hình chữ nhật 4">
+            <a:extLst>
+              <a:ext uri="{FF2B5EF4-FFF2-40B4-BE49-F238E27FC236}">
+                <a16:creationId xmlns:a16="http://schemas.microsoft.com/office/drawing/2014/main" id="{BE207C8A-DF47-DED8-786C-32AD4DA20E2F}"/>
+              </a:ext>
+            </a:extLst>
+          </p:cNvPr>
+          <p:cNvSpPr/>
+          <p:nvPr/>
+        </p:nvSpPr>
+        <p:spPr>
+          <a:xfrm>
+            <a:off x="2524789" y="4437290"/>
+            <a:ext cx="2587924" cy="402566"/>
+          </a:xfrm>
+          <a:prstGeom prst="rect">
+            <a:avLst/>
+          </a:prstGeom>
+          <a:solidFill>
+            <a:schemeClr val="accent5"/>
+          </a:solidFill>
+        </p:spPr>
+        <p:style>
+          <a:lnRef idx="2">
+            <a:schemeClr val="accent1">
+              <a:shade val="15000"/>
+            </a:schemeClr>
+          </a:lnRef>
+          <a:fillRef idx="1">
+            <a:schemeClr val="accent1"/>
+          </a:fillRef>
+          <a:effectRef idx="0">
+            <a:schemeClr val="accent1"/>
+          </a:effectRef>
+          <a:fontRef idx="minor">
+            <a:schemeClr val="lt1"/>
+          </a:fontRef>
+        </p:style>
+        <p:txBody>
+          <a:bodyPr lIns="91440" tIns="45720" rIns="91440" bIns="45720" rtlCol="0" anchor="ctr"/>
+          <a:lstStyle/>
+          <a:p>
+            <a:pPr algn="ctr"/>
+            <a:r>
+              <a:rPr lang="vi-VN" err="1">
+                <a:latin typeface="Arial"/>
+                <a:cs typeface="Arial"/>
+              </a:rPr>
+              <a:t>Int</a:t>
+            </a:r>
+            <a:r>
+              <a:rPr lang="vi-VN">
+                <a:latin typeface="Arial"/>
+                <a:cs typeface="Arial"/>
+              </a:rPr>
+              <a:t> c = 3</a:t>
+            </a:r>
+          </a:p>
+        </p:txBody>
+      </p:sp>
     </p:spTree>
     <p:extLst>
       <p:ext uri="{BB962C8B-B14F-4D97-AF65-F5344CB8AC3E}">
-        <p14:creationId xmlns:p14="http://schemas.microsoft.com/office/powerpoint/2010/main" val="2094818787"/>
+        <p14:creationId xmlns:p14="http://schemas.microsoft.com/office/powerpoint/2010/main" val="3764069539"/>
       </p:ext>
     </p:extLst>
   </p:cSld>
@@ -16641,6 +16383,435 @@
           <p:cNvPr id="2" name="Tiêu đề 1">
             <a:extLst>
               <a:ext uri="{FF2B5EF4-FFF2-40B4-BE49-F238E27FC236}">
+                <a16:creationId xmlns:a16="http://schemas.microsoft.com/office/drawing/2014/main" id="{29A430B3-7D6C-3324-D25B-AB2A2055CA81}"/>
+              </a:ext>
+            </a:extLst>
+          </p:cNvPr>
+          <p:cNvSpPr>
+            <a:spLocks noGrp="1"/>
+          </p:cNvSpPr>
+          <p:nvPr>
+            <p:ph type="title"/>
+          </p:nvPr>
+        </p:nvSpPr>
+        <p:spPr/>
+        <p:txBody>
+          <a:bodyPr/>
+          <a:lstStyle/>
+          <a:p>
+            <a:r>
+              <a:rPr lang="vi-VN" err="1">
+                <a:latin typeface="Times New Roman"/>
+                <a:cs typeface="Times New Roman"/>
+              </a:rPr>
+              <a:t>II.Callstack</a:t>
+            </a:r>
+            <a:endParaRPr lang="vi-VN" err="1"/>
+          </a:p>
+        </p:txBody>
+      </p:sp>
+      <p:pic>
+        <p:nvPicPr>
+          <p:cNvPr id="7" name="Chỗ dành sẵn cho Nội dung 6" descr="Ảnh có chứa văn bản, ảnh chụp màn hình, Phông chữ, thiết kế&#10;&#10;Mô tả được tự động tạo">
+            <a:extLst>
+              <a:ext uri="{FF2B5EF4-FFF2-40B4-BE49-F238E27FC236}">
+                <a16:creationId xmlns:a16="http://schemas.microsoft.com/office/drawing/2014/main" id="{25D4BA90-CCC0-0DC9-0FF9-96F69C936596}"/>
+              </a:ext>
+            </a:extLst>
+          </p:cNvPr>
+          <p:cNvPicPr>
+            <a:picLocks noGrp="1" noChangeAspect="1"/>
+          </p:cNvPicPr>
+          <p:nvPr>
+            <p:ph idx="1"/>
+          </p:nvPr>
+        </p:nvPicPr>
+        <p:blipFill>
+          <a:blip r:embed="rId2"/>
+          <a:stretch>
+            <a:fillRect/>
+          </a:stretch>
+        </p:blipFill>
+        <p:spPr>
+          <a:xfrm>
+            <a:off x="8445340" y="1991816"/>
+            <a:ext cx="1976988" cy="4864523"/>
+          </a:xfrm>
+        </p:spPr>
+      </p:pic>
+      <p:sp>
+        <p:nvSpPr>
+          <p:cNvPr id="8" name="Hình chữ nhật 7">
+            <a:extLst>
+              <a:ext uri="{FF2B5EF4-FFF2-40B4-BE49-F238E27FC236}">
+                <a16:creationId xmlns:a16="http://schemas.microsoft.com/office/drawing/2014/main" id="{25855550-68AE-5834-135D-2C39D55AA9BA}"/>
+              </a:ext>
+            </a:extLst>
+          </p:cNvPr>
+          <p:cNvSpPr/>
+          <p:nvPr/>
+        </p:nvSpPr>
+        <p:spPr>
+          <a:xfrm>
+            <a:off x="2553544" y="5285555"/>
+            <a:ext cx="2587924" cy="402566"/>
+          </a:xfrm>
+          <a:prstGeom prst="rect">
+            <a:avLst/>
+          </a:prstGeom>
+        </p:spPr>
+        <p:style>
+          <a:lnRef idx="2">
+            <a:schemeClr val="accent1">
+              <a:shade val="15000"/>
+            </a:schemeClr>
+          </a:lnRef>
+          <a:fillRef idx="1">
+            <a:schemeClr val="accent1"/>
+          </a:fillRef>
+          <a:effectRef idx="0">
+            <a:schemeClr val="accent1"/>
+          </a:effectRef>
+          <a:fontRef idx="minor">
+            <a:schemeClr val="lt1"/>
+          </a:fontRef>
+        </p:style>
+        <p:txBody>
+          <a:bodyPr rtlCol="0" anchor="ctr"/>
+          <a:lstStyle/>
+          <a:p>
+            <a:pPr algn="ctr"/>
+            <a:r>
+              <a:rPr lang="vi-VN" err="1">
+                <a:latin typeface="Arial"/>
+                <a:cs typeface="Arial"/>
+              </a:rPr>
+              <a:t>Main</a:t>
+            </a:r>
+            <a:r>
+              <a:rPr lang="vi-VN">
+                <a:latin typeface="Arial"/>
+                <a:cs typeface="Arial"/>
+              </a:rPr>
+              <a:t>()</a:t>
+            </a:r>
+            <a:endParaRPr lang="vi-VN"/>
+          </a:p>
+        </p:txBody>
+      </p:sp>
+      <p:sp>
+        <p:nvSpPr>
+          <p:cNvPr id="9" name="Hình chữ nhật 8">
+            <a:extLst>
+              <a:ext uri="{FF2B5EF4-FFF2-40B4-BE49-F238E27FC236}">
+                <a16:creationId xmlns:a16="http://schemas.microsoft.com/office/drawing/2014/main" id="{73E1804B-C1BD-5FC0-C0CD-FE32DE72BD7B}"/>
+              </a:ext>
+            </a:extLst>
+          </p:cNvPr>
+          <p:cNvSpPr/>
+          <p:nvPr/>
+        </p:nvSpPr>
+        <p:spPr>
+          <a:xfrm>
+            <a:off x="2553544" y="4882988"/>
+            <a:ext cx="2587924" cy="402566"/>
+          </a:xfrm>
+          <a:prstGeom prst="rect">
+            <a:avLst/>
+          </a:prstGeom>
+        </p:spPr>
+        <p:style>
+          <a:lnRef idx="2">
+            <a:schemeClr val="accent1">
+              <a:shade val="15000"/>
+            </a:schemeClr>
+          </a:lnRef>
+          <a:fillRef idx="1">
+            <a:schemeClr val="accent1"/>
+          </a:fillRef>
+          <a:effectRef idx="0">
+            <a:schemeClr val="accent1"/>
+          </a:effectRef>
+          <a:fontRef idx="minor">
+            <a:schemeClr val="lt1"/>
+          </a:fontRef>
+        </p:style>
+        <p:txBody>
+          <a:bodyPr lIns="91440" tIns="45720" rIns="91440" bIns="45720" rtlCol="0" anchor="ctr"/>
+          <a:lstStyle/>
+          <a:p>
+            <a:pPr algn="ctr"/>
+            <a:r>
+              <a:rPr lang="vi-VN" err="1">
+                <a:latin typeface="Arial"/>
+                <a:cs typeface="Arial"/>
+              </a:rPr>
+              <a:t>Return</a:t>
+            </a:r>
+            <a:r>
+              <a:rPr lang="vi-VN">
+                <a:latin typeface="Arial"/>
+                <a:cs typeface="Arial"/>
+              </a:rPr>
+              <a:t> </a:t>
+            </a:r>
+            <a:r>
+              <a:rPr lang="vi-VN" err="1">
+                <a:latin typeface="Arial"/>
+                <a:cs typeface="Arial"/>
+              </a:rPr>
+              <a:t>location</a:t>
+            </a:r>
+          </a:p>
+        </p:txBody>
+      </p:sp>
+      <p:sp>
+        <p:nvSpPr>
+          <p:cNvPr id="10" name="Hình chữ nhật 9">
+            <a:extLst>
+              <a:ext uri="{FF2B5EF4-FFF2-40B4-BE49-F238E27FC236}">
+                <a16:creationId xmlns:a16="http://schemas.microsoft.com/office/drawing/2014/main" id="{404E4273-5F59-F6FA-7F61-A9CC8E0D4F7F}"/>
+              </a:ext>
+            </a:extLst>
+          </p:cNvPr>
+          <p:cNvSpPr/>
+          <p:nvPr/>
+        </p:nvSpPr>
+        <p:spPr>
+          <a:xfrm>
+            <a:off x="2553544" y="5688121"/>
+            <a:ext cx="2587924" cy="402566"/>
+          </a:xfrm>
+          <a:prstGeom prst="rect">
+            <a:avLst/>
+          </a:prstGeom>
+        </p:spPr>
+        <p:style>
+          <a:lnRef idx="2">
+            <a:schemeClr val="accent1">
+              <a:shade val="15000"/>
+            </a:schemeClr>
+          </a:lnRef>
+          <a:fillRef idx="1">
+            <a:schemeClr val="accent1"/>
+          </a:fillRef>
+          <a:effectRef idx="0">
+            <a:schemeClr val="accent1"/>
+          </a:effectRef>
+          <a:fontRef idx="minor">
+            <a:schemeClr val="lt1"/>
+          </a:fontRef>
+        </p:style>
+        <p:txBody>
+          <a:bodyPr lIns="91440" tIns="45720" rIns="91440" bIns="45720" rtlCol="0" anchor="ctr"/>
+          <a:lstStyle/>
+          <a:p>
+            <a:pPr algn="ctr"/>
+            <a:r>
+              <a:rPr lang="vi-VN" err="1">
+                <a:latin typeface="Arial"/>
+                <a:cs typeface="Arial"/>
+              </a:rPr>
+              <a:t>Int</a:t>
+            </a:r>
+            <a:r>
+              <a:rPr lang="vi-VN">
+                <a:latin typeface="Arial"/>
+                <a:cs typeface="Arial"/>
+              </a:rPr>
+              <a:t> a = 2, c = 3</a:t>
+            </a:r>
+          </a:p>
+        </p:txBody>
+      </p:sp>
+      <p:sp>
+        <p:nvSpPr>
+          <p:cNvPr id="11" name="Hộp Văn bản 10">
+            <a:extLst>
+              <a:ext uri="{FF2B5EF4-FFF2-40B4-BE49-F238E27FC236}">
+                <a16:creationId xmlns:a16="http://schemas.microsoft.com/office/drawing/2014/main" id="{FFF55099-04A7-B5EE-F2E5-C3316246A923}"/>
+              </a:ext>
+            </a:extLst>
+          </p:cNvPr>
+          <p:cNvSpPr txBox="1"/>
+          <p:nvPr/>
+        </p:nvSpPr>
+        <p:spPr>
+          <a:xfrm>
+            <a:off x="2389454" y="6270090"/>
+            <a:ext cx="2743200" cy="369332"/>
+          </a:xfrm>
+          <a:prstGeom prst="rect">
+            <a:avLst/>
+          </a:prstGeom>
+          <a:noFill/>
+        </p:spPr>
+        <p:txBody>
+          <a:bodyPr rot="0" spcFirstLastPara="0" vertOverflow="overflow" horzOverflow="overflow" vert="horz" wrap="square" lIns="91440" tIns="45720" rIns="91440" bIns="45720" numCol="1" spcCol="0" rtlCol="0" fromWordArt="0" anchor="t" anchorCtr="0" forceAA="0" compatLnSpc="1">
+            <a:prstTxWarp prst="textNoShape">
+              <a:avLst/>
+            </a:prstTxWarp>
+            <a:spAutoFit/>
+          </a:bodyPr>
+          <a:lstStyle/>
+          <a:p>
+            <a:pPr algn="ctr"/>
+            <a:r>
+              <a:rPr lang="vi-VN" err="1">
+                <a:latin typeface="Arial"/>
+                <a:cs typeface="Arial"/>
+              </a:rPr>
+              <a:t>stack</a:t>
+            </a:r>
+            <a:endParaRPr lang="vi-VN" err="1">
+              <a:cs typeface="Arial" panose="020B0604020202020204" pitchFamily="34" charset="0"/>
+            </a:endParaRPr>
+          </a:p>
+        </p:txBody>
+      </p:sp>
+      <p:sp>
+        <p:nvSpPr>
+          <p:cNvPr id="12" name="Hình chữ nhật 11">
+            <a:extLst>
+              <a:ext uri="{FF2B5EF4-FFF2-40B4-BE49-F238E27FC236}">
+                <a16:creationId xmlns:a16="http://schemas.microsoft.com/office/drawing/2014/main" id="{52415415-BF93-E7C6-96E9-34D1D64AF157}"/>
+              </a:ext>
+            </a:extLst>
+          </p:cNvPr>
+          <p:cNvSpPr/>
+          <p:nvPr/>
+        </p:nvSpPr>
+        <p:spPr>
+          <a:xfrm>
+            <a:off x="5687807" y="4638572"/>
+            <a:ext cx="1380227" cy="833886"/>
+          </a:xfrm>
+          <a:prstGeom prst="rect">
+            <a:avLst/>
+          </a:prstGeom>
+          <a:solidFill>
+            <a:schemeClr val="accent5"/>
+          </a:solidFill>
+        </p:spPr>
+        <p:style>
+          <a:lnRef idx="2">
+            <a:schemeClr val="accent1">
+              <a:shade val="15000"/>
+            </a:schemeClr>
+          </a:lnRef>
+          <a:fillRef idx="1">
+            <a:schemeClr val="accent1"/>
+          </a:fillRef>
+          <a:effectRef idx="0">
+            <a:schemeClr val="accent1"/>
+          </a:effectRef>
+          <a:fontRef idx="minor">
+            <a:schemeClr val="lt1"/>
+          </a:fontRef>
+        </p:style>
+        <p:txBody>
+          <a:bodyPr lIns="91440" tIns="45720" rIns="91440" bIns="45720" rtlCol="0" anchor="ctr"/>
+          <a:lstStyle/>
+          <a:p>
+            <a:pPr algn="ctr"/>
+            <a:r>
+              <a:rPr lang="vi-VN">
+                <a:latin typeface="Arial"/>
+                <a:cs typeface="Arial"/>
+              </a:rPr>
+              <a:t>Test_3()</a:t>
+            </a:r>
+          </a:p>
+        </p:txBody>
+      </p:sp>
+      <p:sp>
+        <p:nvSpPr>
+          <p:cNvPr id="13" name="Mũi tên: Chữ U 12">
+            <a:extLst>
+              <a:ext uri="{FF2B5EF4-FFF2-40B4-BE49-F238E27FC236}">
+                <a16:creationId xmlns:a16="http://schemas.microsoft.com/office/drawing/2014/main" id="{1AC74393-9C8F-50BF-07D8-6E0D4E44157E}"/>
+              </a:ext>
+            </a:extLst>
+          </p:cNvPr>
+          <p:cNvSpPr/>
+          <p:nvPr/>
+        </p:nvSpPr>
+        <p:spPr>
+          <a:xfrm>
+            <a:off x="4299454" y="3890325"/>
+            <a:ext cx="2285999" cy="733245"/>
+          </a:xfrm>
+          <a:prstGeom prst="uturnArrow">
+            <a:avLst/>
+          </a:prstGeom>
+          <a:solidFill>
+            <a:schemeClr val="accent5"/>
+          </a:solidFill>
+        </p:spPr>
+        <p:style>
+          <a:lnRef idx="2">
+            <a:schemeClr val="accent1">
+              <a:shade val="15000"/>
+            </a:schemeClr>
+          </a:lnRef>
+          <a:fillRef idx="1">
+            <a:schemeClr val="accent1"/>
+          </a:fillRef>
+          <a:effectRef idx="0">
+            <a:schemeClr val="accent1"/>
+          </a:effectRef>
+          <a:fontRef idx="minor">
+            <a:schemeClr val="lt1"/>
+          </a:fontRef>
+        </p:style>
+        <p:txBody>
+          <a:bodyPr rtlCol="0" anchor="ctr"/>
+          <a:lstStyle/>
+          <a:p>
+            <a:pPr algn="ctr"/>
+            <a:endParaRPr lang="vi-VN">
+              <a:solidFill>
+                <a:schemeClr val="tx1"/>
+              </a:solidFill>
+            </a:endParaRPr>
+          </a:p>
+        </p:txBody>
+      </p:sp>
+    </p:spTree>
+    <p:extLst>
+      <p:ext uri="{BB962C8B-B14F-4D97-AF65-F5344CB8AC3E}">
+        <p14:creationId xmlns:p14="http://schemas.microsoft.com/office/powerpoint/2010/main" val="2094818787"/>
+      </p:ext>
+    </p:extLst>
+  </p:cSld>
+  <p:clrMapOvr>
+    <a:masterClrMapping/>
+  </p:clrMapOvr>
+</p:sld>
+</file>
+
+<file path=ppt/slides/slide18.xml><?xml version="1.0" encoding="utf-8"?>
+<p:sld xmlns:a="http://schemas.openxmlformats.org/drawingml/2006/main" xmlns:r="http://schemas.openxmlformats.org/officeDocument/2006/relationships" xmlns:p="http://schemas.openxmlformats.org/presentationml/2006/main">
+  <p:cSld>
+    <p:spTree>
+      <p:nvGrpSpPr>
+        <p:cNvPr id="1" name=""/>
+        <p:cNvGrpSpPr/>
+        <p:nvPr/>
+      </p:nvGrpSpPr>
+      <p:grpSpPr>
+        <a:xfrm>
+          <a:off x="0" y="0"/>
+          <a:ext cx="0" cy="0"/>
+          <a:chOff x="0" y="0"/>
+          <a:chExt cx="0" cy="0"/>
+        </a:xfrm>
+      </p:grpSpPr>
+      <p:sp>
+        <p:nvSpPr>
+          <p:cNvPr id="2" name="Tiêu đề 1">
+            <a:extLst>
+              <a:ext uri="{FF2B5EF4-FFF2-40B4-BE49-F238E27FC236}">
                 <a16:creationId xmlns:a16="http://schemas.microsoft.com/office/drawing/2014/main" id="{AEDDE377-4809-9D7D-9752-5FD3282DDA85}"/>
               </a:ext>
             </a:extLst>
@@ -16658,13 +16829,13 @@
           <a:lstStyle/>
           <a:p>
             <a:r>
-              <a:rPr lang="vi-VN" dirty="0" err="1">
+              <a:rPr lang="vi-VN" err="1">
                 <a:latin typeface="Times New Roman"/>
                 <a:cs typeface="Times New Roman"/>
               </a:rPr>
               <a:t>III.Recursion</a:t>
             </a:r>
-            <a:endParaRPr lang="vi-VN" dirty="0" err="1"/>
+            <a:endParaRPr lang="vi-VN" err="1"/>
           </a:p>
         </p:txBody>
       </p:sp>
@@ -16692,14 +16863,14 @@
           <a:lstStyle/>
           <a:p>
             <a:r>
-              <a:rPr lang="vi-VN" dirty="0">
+              <a:rPr lang="vi-VN">
                 <a:latin typeface="Arial"/>
                 <a:cs typeface="Arial"/>
               </a:rPr>
               <a:t>Hàm đệ quy là 1 hàm </a:t>
             </a:r>
             <a:r>
-              <a:rPr lang="vi-VN" dirty="0">
+              <a:rPr lang="vi-VN">
                 <a:solidFill>
                   <a:srgbClr val="FFFFFF"/>
                 </a:solidFill>
@@ -16712,7 +16883,7 @@
           </a:p>
           <a:p>
             <a:r>
-              <a:rPr lang="vi-VN" dirty="0">
+              <a:rPr lang="vi-VN">
                 <a:solidFill>
                   <a:srgbClr val="FFFFFF"/>
                 </a:solidFill>
@@ -16722,7 +16893,7 @@
               </a:rPr>
               <a:t>Hàm đệ quy luôn cần có điều kiện dừng. Khi đạt tới điểm dừng, hàm sẽ không gọi chính nó nữa.</a:t>
             </a:r>
-            <a:endParaRPr lang="vi-VN" dirty="0">
+            <a:endParaRPr lang="vi-VN">
               <a:solidFill>
                 <a:srgbClr val="FFFFFF"/>
               </a:solidFill>
@@ -16733,7 +16904,7 @@
           </a:p>
           <a:p>
             <a:r>
-              <a:rPr lang="vi-VN" dirty="0">
+              <a:rPr lang="vi-VN">
                 <a:solidFill>
                   <a:srgbClr val="FFFFFF"/>
                 </a:solidFill>
@@ -16744,7 +16915,7 @@
               <a:t>Nếu không có điều kiện dừng hàm khi được gọi sẽ được </a:t>
             </a:r>
             <a:r>
-              <a:rPr lang="vi-VN" dirty="0" err="1">
+              <a:rPr lang="vi-VN" err="1">
                 <a:solidFill>
                   <a:srgbClr val="FFFFFF"/>
                 </a:solidFill>
@@ -16755,7 +16926,7 @@
               <a:t>push</a:t>
             </a:r>
             <a:r>
-              <a:rPr lang="vi-VN" dirty="0">
+              <a:rPr lang="vi-VN">
                 <a:solidFill>
                   <a:srgbClr val="FFFFFF"/>
                 </a:solidFill>
@@ -16766,7 +16937,7 @@
               <a:t> vào </a:t>
             </a:r>
             <a:r>
-              <a:rPr lang="vi-VN" dirty="0" err="1">
+              <a:rPr lang="vi-VN" err="1">
                 <a:solidFill>
                   <a:srgbClr val="FFFFFF"/>
                 </a:solidFill>
@@ -16777,7 +16948,7 @@
               <a:t>callstack</a:t>
             </a:r>
             <a:r>
-              <a:rPr lang="vi-VN" dirty="0">
+              <a:rPr lang="vi-VN">
                 <a:solidFill>
                   <a:srgbClr val="FFFFFF"/>
                 </a:solidFill>
@@ -16788,7 +16959,7 @@
               <a:t> mà không được bỏ ra dẫn đến </a:t>
             </a:r>
             <a:r>
-              <a:rPr lang="vi-VN" dirty="0" err="1">
+              <a:rPr lang="vi-VN" err="1">
                 <a:solidFill>
                   <a:srgbClr val="FFFFFF"/>
                 </a:solidFill>
@@ -16799,7 +16970,7 @@
               <a:t>stack</a:t>
             </a:r>
             <a:r>
-              <a:rPr lang="vi-VN" dirty="0">
+              <a:rPr lang="vi-VN">
                 <a:solidFill>
                   <a:srgbClr val="FFFFFF"/>
                 </a:solidFill>
@@ -16810,7 +16981,7 @@
               <a:t> </a:t>
             </a:r>
             <a:r>
-              <a:rPr lang="vi-VN" dirty="0" err="1">
+              <a:rPr lang="vi-VN" err="1">
                 <a:solidFill>
                   <a:srgbClr val="FFFFFF"/>
                 </a:solidFill>
@@ -16820,7 +16991,7 @@
               </a:rPr>
               <a:t>overflow</a:t>
             </a:r>
-            <a:endParaRPr lang="vi-VN" dirty="0">
+            <a:endParaRPr lang="vi-VN">
               <a:solidFill>
                 <a:srgbClr val="FFFFFF"/>
               </a:solidFill>
@@ -16843,7 +17014,7 @@
 </p:sld>
 </file>
 
-<file path=ppt/slides/slide18.xml><?xml version="1.0" encoding="utf-8"?>
+<file path=ppt/slides/slide19.xml><?xml version="1.0" encoding="utf-8"?>
 <p:sld xmlns:a="http://schemas.openxmlformats.org/drawingml/2006/main" xmlns:r="http://schemas.openxmlformats.org/officeDocument/2006/relationships" xmlns:p="http://schemas.openxmlformats.org/presentationml/2006/main">
   <p:cSld>
     <p:bg>
@@ -17232,7 +17403,7 @@
           <a:lstStyle/>
           <a:p>
             <a:r>
-              <a:rPr lang="en-US" sz="1800" dirty="0"/>
+              <a:rPr lang="en-US" sz="1800"/>
               <a:t>N = 5 , n == 0 false, return 5*</a:t>
             </a:r>
             <a:r>
@@ -17240,13 +17411,13 @@
               <a:t>giaithua</a:t>
             </a:r>
             <a:r>
-              <a:rPr lang="en-US" sz="1800" dirty="0"/>
+              <a:rPr lang="en-US" sz="1800"/>
               <a:t>(4)</a:t>
             </a:r>
           </a:p>
           <a:p>
             <a:r>
-              <a:rPr lang="en-US" sz="1800" dirty="0"/>
+              <a:rPr lang="en-US" sz="1800"/>
               <a:t>N = 4 , n == 0 false, return 4*</a:t>
             </a:r>
             <a:r>
@@ -17254,13 +17425,13 @@
               <a:t>giaithua</a:t>
             </a:r>
             <a:r>
-              <a:rPr lang="en-US" sz="1800" dirty="0"/>
+              <a:rPr lang="en-US" sz="1800"/>
               <a:t>(3)</a:t>
             </a:r>
           </a:p>
           <a:p>
             <a:r>
-              <a:rPr lang="en-US" sz="1800" dirty="0"/>
+              <a:rPr lang="en-US" sz="1800"/>
               <a:t>N = 3 , n == 0 false, return 3*</a:t>
             </a:r>
             <a:r>
@@ -17268,13 +17439,13 @@
               <a:t>giaithua</a:t>
             </a:r>
             <a:r>
-              <a:rPr lang="en-US" sz="1800" dirty="0"/>
+              <a:rPr lang="en-US" sz="1800"/>
               <a:t>(2)</a:t>
             </a:r>
           </a:p>
           <a:p>
             <a:r>
-              <a:rPr lang="en-US" sz="1800" dirty="0"/>
+              <a:rPr lang="en-US" sz="1800"/>
               <a:t>N = 2 , n == 0 false, return 2*</a:t>
             </a:r>
             <a:r>
@@ -17282,13 +17453,13 @@
               <a:t>giaithua</a:t>
             </a:r>
             <a:r>
-              <a:rPr lang="en-US" sz="1800" dirty="0"/>
+              <a:rPr lang="en-US" sz="1800"/>
               <a:t>(1)</a:t>
             </a:r>
           </a:p>
           <a:p>
             <a:r>
-              <a:rPr lang="en-US" sz="1800" dirty="0"/>
+              <a:rPr lang="en-US" sz="1800"/>
               <a:t>N = 1 , n == 0 false, return 1*</a:t>
             </a:r>
             <a:r>
@@ -17296,18 +17467,18 @@
               <a:t>giaithua</a:t>
             </a:r>
             <a:r>
-              <a:rPr lang="en-US" sz="1800" dirty="0"/>
+              <a:rPr lang="en-US" sz="1800"/>
               <a:t>(0)</a:t>
             </a:r>
           </a:p>
           <a:p>
             <a:r>
-              <a:rPr lang="en-US" sz="1800" dirty="0"/>
+              <a:rPr lang="en-US" sz="1800"/>
               <a:t>N = 0 , n == 0 true , return 1</a:t>
             </a:r>
           </a:p>
           <a:p>
-            <a:endParaRPr lang="en-US" sz="1800" dirty="0"/>
+            <a:endParaRPr lang="en-US" sz="1800"/>
           </a:p>
           <a:p>
             <a:r>
@@ -17315,7 +17486,7 @@
               <a:t>Kết</a:t>
             </a:r>
             <a:r>
-              <a:rPr lang="en-US" sz="1800" dirty="0"/>
+              <a:rPr lang="en-US" sz="1800"/>
               <a:t> </a:t>
             </a:r>
             <a:r>
@@ -17323,15 +17494,15 @@
               <a:t>quá</a:t>
             </a:r>
             <a:r>
-              <a:rPr lang="en-US" sz="1800" dirty="0"/>
+              <a:rPr lang="en-US" sz="1800"/>
               <a:t> : 5*4*3*2*1*1 = 120</a:t>
             </a:r>
           </a:p>
           <a:p>
-            <a:endParaRPr lang="en-US" sz="1400" dirty="0"/>
-          </a:p>
-          <a:p>
-            <a:endParaRPr lang="en-US" sz="1400" dirty="0"/>
+            <a:endParaRPr lang="en-US" sz="1400"/>
+          </a:p>
+          <a:p>
+            <a:endParaRPr lang="en-US" sz="1400"/>
           </a:p>
         </p:txBody>
       </p:sp>
@@ -17427,7 +17598,7 @@
           <a:lstStyle/>
           <a:p>
             <a:r>
-              <a:rPr lang="vi-VN" dirty="0">
+              <a:rPr lang="vi-VN">
                 <a:latin typeface="Times New Roman"/>
                 <a:cs typeface="Times New Roman"/>
               </a:rPr>
@@ -17460,35 +17631,35 @@
           <a:lstStyle/>
           <a:p>
             <a:r>
-              <a:rPr lang="vi-VN" dirty="0">
+              <a:rPr lang="vi-VN">
                 <a:latin typeface="Arial"/>
                 <a:cs typeface="Arial"/>
               </a:rPr>
               <a:t>Hiểu bản chất của </a:t>
             </a:r>
             <a:r>
-              <a:rPr lang="vi-VN" dirty="0" err="1">
+              <a:rPr lang="vi-VN" err="1">
                 <a:latin typeface="Arial"/>
                 <a:cs typeface="Arial"/>
               </a:rPr>
               <a:t>memory</a:t>
             </a:r>
             <a:r>
-              <a:rPr lang="vi-VN" dirty="0">
+              <a:rPr lang="vi-VN">
                 <a:latin typeface="Arial"/>
                 <a:cs typeface="Arial"/>
               </a:rPr>
               <a:t> </a:t>
             </a:r>
             <a:r>
-              <a:rPr lang="vi-VN" dirty="0" err="1">
+              <a:rPr lang="vi-VN" err="1">
                 <a:latin typeface="Arial"/>
                 <a:cs typeface="Arial"/>
               </a:rPr>
               <a:t>layout</a:t>
             </a:r>
             <a:r>
-              <a:rPr lang="vi-VN" dirty="0">
+              <a:rPr lang="vi-VN">
                 <a:latin typeface="Arial"/>
                 <a:cs typeface="Arial"/>
               </a:rPr>
@@ -17497,7 +17668,7 @@
           </a:p>
           <a:p>
             <a:r>
-              <a:rPr lang="vi-VN" dirty="0">
+              <a:rPr lang="vi-VN">
                 <a:latin typeface="Arial"/>
                 <a:cs typeface="Arial"/>
               </a:rPr>
@@ -17527,7 +17698,7 @@
               <a:t>Callstack</a:t>
             </a:r>
             <a:r>
-              <a:rPr lang="vi-VN" dirty="0">
+              <a:rPr lang="vi-VN">
                 <a:latin typeface="Arial"/>
                 <a:cs typeface="Arial"/>
               </a:rPr>
@@ -17536,7 +17707,7 @@
           </a:p>
           <a:p>
             <a:r>
-              <a:rPr lang="vi-VN" dirty="0" err="1">
+              <a:rPr lang="vi-VN" err="1">
                 <a:latin typeface="Arial"/>
                 <a:cs typeface="Arial"/>
               </a:rPr>
@@ -17580,7 +17751,7 @@
           <p:cNvPr id="2" name="Tiêu đề 1">
             <a:extLst>
               <a:ext uri="{FF2B5EF4-FFF2-40B4-BE49-F238E27FC236}">
-                <a16:creationId xmlns:a16="http://schemas.microsoft.com/office/drawing/2014/main" id="{28DFE19A-255A-CA87-6936-01779759F59C}"/>
+                <a16:creationId xmlns:a16="http://schemas.microsoft.com/office/drawing/2014/main" id="{14A54616-7D3A-CA46-6736-981C87CEF080}"/>
               </a:ext>
             </a:extLst>
           </p:cNvPr>
@@ -17596,30 +17767,50 @@
           <a:bodyPr/>
           <a:lstStyle/>
           <a:p>
-            <a:pPr marL="742950" indent="-742950">
-              <a:buAutoNum type="romanUcPeriod"/>
-            </a:pPr>
-            <a:r>
-              <a:rPr lang="vi-VN" dirty="0" err="1">
+            <a:r>
+              <a:rPr lang="vi-VN">
                 <a:latin typeface="Times New Roman"/>
                 <a:cs typeface="Times New Roman"/>
               </a:rPr>
-              <a:t>Memory</a:t>
-            </a:r>
-            <a:r>
-              <a:rPr lang="vi-VN" dirty="0">
+              <a:t>I.1. </a:t>
+            </a:r>
+            <a:r>
+              <a:rPr lang="vi-VN" err="1">
+                <a:solidFill>
+                  <a:srgbClr val="FFFFFF"/>
+                </a:solidFill>
                 <a:latin typeface="Times New Roman"/>
                 <a:cs typeface="Times New Roman"/>
               </a:rPr>
-              <a:t> </a:t>
-            </a:r>
-            <a:r>
-              <a:rPr lang="vi-VN" dirty="0" err="1">
+              <a:t>Text</a:t>
+            </a:r>
+            <a:r>
+              <a:rPr lang="vi-VN">
+                <a:solidFill>
+                  <a:srgbClr val="FFFFFF"/>
+                </a:solidFill>
                 <a:latin typeface="Times New Roman"/>
                 <a:cs typeface="Times New Roman"/>
               </a:rPr>
-              <a:t>layout</a:t>
-            </a:r>
+              <a:t> </a:t>
+            </a:r>
+            <a:r>
+              <a:rPr lang="vi-VN" err="1">
+                <a:solidFill>
+                  <a:srgbClr val="FFFFFF"/>
+                </a:solidFill>
+                <a:latin typeface="Times New Roman"/>
+                <a:cs typeface="Times New Roman"/>
+              </a:rPr>
+              <a:t>Segment</a:t>
+            </a:r>
+            <a:endParaRPr lang="vi-VN" err="1">
+              <a:solidFill>
+                <a:srgbClr val="FFFFFF"/>
+              </a:solidFill>
+              <a:latin typeface="Times New Roman" panose="02020603050405020304" pitchFamily="18" charset="0"/>
+              <a:cs typeface="Times New Roman" panose="02020603050405020304" pitchFamily="18" charset="0"/>
+            </a:endParaRPr>
           </a:p>
         </p:txBody>
       </p:sp>
@@ -17628,7 +17819,7 @@
           <p:cNvPr id="3" name="Chỗ dành sẵn cho Nội dung 2">
             <a:extLst>
               <a:ext uri="{FF2B5EF4-FFF2-40B4-BE49-F238E27FC236}">
-                <a16:creationId xmlns:a16="http://schemas.microsoft.com/office/drawing/2014/main" id="{8B4AFCF3-B26F-9379-5CD0-7645C7CEB820}"/>
+                <a16:creationId xmlns:a16="http://schemas.microsoft.com/office/drawing/2014/main" id="{8766B023-2421-6D6D-276E-362EC1A137AE}"/>
               </a:ext>
             </a:extLst>
           </p:cNvPr>
@@ -17639,12 +17830,7 @@
             <p:ph idx="1"/>
           </p:nvPr>
         </p:nvSpPr>
-        <p:spPr>
-          <a:xfrm>
-            <a:off x="680321" y="2336873"/>
-            <a:ext cx="8219259" cy="3599316"/>
-          </a:xfrm>
-        </p:spPr>
+        <p:spPr/>
         <p:txBody>
           <a:bodyPr vert="horz" lIns="91440" tIns="45720" rIns="91440" bIns="45720" rtlCol="0" anchor="t">
             <a:normAutofit/>
@@ -17652,84 +17838,6 @@
           <a:lstStyle/>
           <a:p>
             <a:r>
-              <a:rPr lang="vi-VN" dirty="0">
-                <a:latin typeface="Arial"/>
-                <a:cs typeface="Arial"/>
-              </a:rPr>
-              <a:t>Trong 1 chương trình C/C++ </a:t>
-            </a:r>
-            <a:r>
-              <a:rPr lang="vi-VN" dirty="0" err="1">
-                <a:latin typeface="Arial"/>
-                <a:cs typeface="Arial"/>
-              </a:rPr>
-              <a:t>memory</a:t>
-            </a:r>
-            <a:r>
-              <a:rPr lang="vi-VN" dirty="0">
-                <a:latin typeface="Arial"/>
-                <a:cs typeface="Arial"/>
-              </a:rPr>
-              <a:t> </a:t>
-            </a:r>
-            <a:r>
-              <a:rPr lang="vi-VN" dirty="0" err="1">
-                <a:latin typeface="Arial"/>
-                <a:cs typeface="Arial"/>
-              </a:rPr>
-              <a:t>layout</a:t>
-            </a:r>
-            <a:r>
-              <a:rPr lang="vi-VN" dirty="0">
-                <a:latin typeface="Arial"/>
-                <a:cs typeface="Arial"/>
-              </a:rPr>
-              <a:t> gồm 5 phần:</a:t>
-            </a:r>
-          </a:p>
-          <a:p>
-            <a:pPr marL="914400" lvl="1" indent="-457200">
-              <a:buAutoNum type="arabicPeriod"/>
-            </a:pPr>
-            <a:r>
-              <a:rPr lang="vi-VN" dirty="0" err="1">
-                <a:solidFill>
-                  <a:srgbClr val="FFFFFF"/>
-                </a:solidFill>
-                <a:latin typeface="Arial"/>
-                <a:ea typeface="+mn-lt"/>
-                <a:cs typeface="Arial"/>
-              </a:rPr>
-              <a:t>Text</a:t>
-            </a:r>
-            <a:r>
-              <a:rPr lang="vi-VN" dirty="0">
-                <a:solidFill>
-                  <a:srgbClr val="FFFFFF"/>
-                </a:solidFill>
-                <a:latin typeface="Arial"/>
-                <a:ea typeface="+mn-lt"/>
-                <a:cs typeface="Arial"/>
-              </a:rPr>
-              <a:t> </a:t>
-            </a:r>
-            <a:r>
-              <a:rPr lang="vi-VN" dirty="0" err="1">
-                <a:solidFill>
-                  <a:srgbClr val="FFFFFF"/>
-                </a:solidFill>
-                <a:latin typeface="Arial"/>
-                <a:ea typeface="+mn-lt"/>
-                <a:cs typeface="Arial"/>
-              </a:rPr>
-              <a:t>Segment</a:t>
-            </a:r>
-          </a:p>
-          <a:p>
-            <a:pPr marL="914400" lvl="1" indent="-457200">
-              <a:buAutoNum type="arabicPeriod"/>
-            </a:pPr>
-            <a:r>
               <a:rPr lang="vi-VN" err="1">
                 <a:solidFill>
                   <a:srgbClr val="FFFFFF"/>
@@ -17738,10 +17846,10 @@
                 <a:ea typeface="+mn-lt"/>
                 <a:cs typeface="Arial"/>
               </a:rPr>
-              <a:t>Initialized</a:t>
-            </a:r>
-            <a:r>
-              <a:rPr lang="vi-VN" dirty="0">
+              <a:t>Text</a:t>
+            </a:r>
+            <a:r>
+              <a:rPr lang="vi-VN">
                 <a:solidFill>
                   <a:srgbClr val="FFFFFF"/>
                 </a:solidFill>
@@ -17760,10 +17868,10 @@
                 <a:ea typeface="+mn-lt"/>
                 <a:cs typeface="Arial"/>
               </a:rPr>
-              <a:t>Data</a:t>
-            </a:r>
-            <a:r>
-              <a:rPr lang="vi-VN" dirty="0">
+              <a:t>Segment</a:t>
+            </a:r>
+            <a:r>
+              <a:rPr lang="vi-VN">
                 <a:solidFill>
                   <a:srgbClr val="FFFFFF"/>
                 </a:solidFill>
@@ -17771,18 +17879,19 @@
                 <a:ea typeface="+mn-lt"/>
                 <a:cs typeface="Arial"/>
               </a:rPr>
-              <a:t> </a:t>
-            </a:r>
+              <a:t> ở vùng nhớ của địa chỉ thấp nhất, đây là phần chứa các đoạn mã lệnh của chương trình.</a:t>
+            </a:r>
+          </a:p>
+          <a:p>
             <a:r>
               <a:rPr lang="vi-VN" err="1">
                 <a:solidFill>
                   <a:srgbClr val="FFFFFF"/>
                 </a:solidFill>
                 <a:latin typeface="Arial"/>
-                <a:ea typeface="+mn-lt"/>
-                <a:cs typeface="Arial"/>
-              </a:rPr>
-              <a:t>Segment</a:t>
+                <a:cs typeface="Arial"/>
+              </a:rPr>
+              <a:t>Text</a:t>
             </a:r>
             <a:r>
               <a:rPr lang="vi-VN">
@@ -17790,895 +17899,164 @@
                   <a:srgbClr val="FFFFFF"/>
                 </a:solidFill>
                 <a:latin typeface="Arial"/>
-                <a:ea typeface="+mn-lt"/>
-                <a:cs typeface="Arial"/>
-              </a:rPr>
-              <a:t>,</a:t>
-            </a:r>
-            <a:endParaRPr lang="vi-VN" err="1">
-              <a:solidFill>
-                <a:srgbClr val="FFFFFF"/>
-              </a:solidFill>
-              <a:latin typeface="Arial"/>
-              <a:ea typeface="+mn-lt"/>
-              <a:cs typeface="Arial"/>
-            </a:endParaRPr>
-          </a:p>
-          <a:p>
-            <a:pPr marL="914400" lvl="1" indent="-457200">
-              <a:buAutoNum type="arabicPeriod"/>
-            </a:pPr>
-            <a:r>
-              <a:rPr lang="vi-VN" dirty="0">
+                <a:cs typeface="Arial"/>
+              </a:rPr>
+              <a:t> </a:t>
+            </a:r>
+            <a:r>
+              <a:rPr lang="vi-VN" err="1">
                 <a:solidFill>
                   <a:srgbClr val="FFFFFF"/>
                 </a:solidFill>
                 <a:latin typeface="Arial"/>
-                <a:ea typeface="+mn-lt"/>
-                <a:cs typeface="Arial"/>
-              </a:rPr>
-              <a:t> </a:t>
-            </a:r>
-            <a:r>
-              <a:rPr lang="vi-VN" dirty="0" err="1">
+                <a:cs typeface="Arial"/>
+              </a:rPr>
+              <a:t>segment</a:t>
+            </a:r>
+            <a:r>
+              <a:rPr lang="vi-VN">
                 <a:solidFill>
                   <a:srgbClr val="FFFFFF"/>
                 </a:solidFill>
                 <a:latin typeface="Arial"/>
-                <a:ea typeface="+mn-lt"/>
-                <a:cs typeface="Arial"/>
-              </a:rPr>
-              <a:t>Uninitialized</a:t>
-            </a:r>
-            <a:r>
-              <a:rPr lang="vi-VN" dirty="0">
-                <a:solidFill>
-                  <a:srgbClr val="FFFFFF"/>
-                </a:solidFill>
-                <a:latin typeface="Arial"/>
-                <a:ea typeface="+mn-lt"/>
-                <a:cs typeface="Arial"/>
-              </a:rPr>
-              <a:t> </a:t>
-            </a:r>
-            <a:r>
-              <a:rPr lang="vi-VN" dirty="0" err="1">
-                <a:solidFill>
-                  <a:srgbClr val="FFFFFF"/>
-                </a:solidFill>
-                <a:latin typeface="Arial"/>
-                <a:ea typeface="+mn-lt"/>
-                <a:cs typeface="Arial"/>
-              </a:rPr>
-              <a:t>Data</a:t>
-            </a:r>
-            <a:r>
-              <a:rPr lang="vi-VN" dirty="0">
-                <a:solidFill>
-                  <a:srgbClr val="FFFFFF"/>
-                </a:solidFill>
-                <a:latin typeface="Arial"/>
-                <a:ea typeface="+mn-lt"/>
-                <a:cs typeface="Arial"/>
-              </a:rPr>
-              <a:t> </a:t>
-            </a:r>
-            <a:r>
-              <a:rPr lang="vi-VN" dirty="0" err="1">
-                <a:solidFill>
-                  <a:srgbClr val="FFFFFF"/>
-                </a:solidFill>
-                <a:latin typeface="Arial"/>
-                <a:ea typeface="+mn-lt"/>
-                <a:cs typeface="Arial"/>
-              </a:rPr>
-              <a:t>Segment</a:t>
-            </a:r>
-            <a:r>
-              <a:rPr lang="vi-VN" dirty="0">
-                <a:solidFill>
-                  <a:srgbClr val="FFFFFF"/>
-                </a:solidFill>
-                <a:latin typeface="Arial"/>
-                <a:ea typeface="+mn-lt"/>
-                <a:cs typeface="Arial"/>
-              </a:rPr>
-              <a:t>, </a:t>
+                <a:cs typeface="Arial"/>
+              </a:rPr>
+              <a:t> là vùng nhớ chỉ có thể đọc không thể ghi nhằm tránh chương trình vô tình sửa đổi</a:t>
             </a:r>
             <a:endParaRPr lang="vi-VN">
               <a:solidFill>
                 <a:srgbClr val="FFFFFF"/>
               </a:solidFill>
-              <a:latin typeface="Arial"/>
-              <a:ea typeface="+mn-lt"/>
-              <a:cs typeface="Arial"/>
+              <a:latin typeface="Arial" panose="020B0604020202020204" pitchFamily="34" charset="0"/>
+              <a:cs typeface="Arial" panose="020B0604020202020204" pitchFamily="34" charset="0"/>
             </a:endParaRPr>
           </a:p>
-          <a:p>
-            <a:pPr marL="914400" lvl="1" indent="-457200">
-              <a:buAutoNum type="arabicPeriod"/>
-            </a:pPr>
-            <a:r>
-              <a:rPr lang="vi-VN" dirty="0" err="1">
-                <a:solidFill>
-                  <a:srgbClr val="FFFFFF"/>
-                </a:solidFill>
-                <a:latin typeface="Arial"/>
-                <a:ea typeface="+mn-lt"/>
-                <a:cs typeface="Arial"/>
-              </a:rPr>
-              <a:t>Heap</a:t>
-            </a:r>
-            <a:r>
-              <a:rPr lang="vi-VN" dirty="0">
-                <a:solidFill>
-                  <a:srgbClr val="FFFFFF"/>
-                </a:solidFill>
-                <a:latin typeface="Arial"/>
-                <a:ea typeface="+mn-lt"/>
-                <a:cs typeface="Arial"/>
-              </a:rPr>
-              <a:t> </a:t>
-            </a:r>
-          </a:p>
-          <a:p>
-            <a:pPr marL="914400" lvl="1" indent="-457200">
-              <a:buAutoNum type="arabicPeriod"/>
-            </a:pPr>
-            <a:r>
-              <a:rPr lang="vi-VN" dirty="0" err="1">
-                <a:solidFill>
-                  <a:srgbClr val="FFFFFF"/>
-                </a:solidFill>
-                <a:latin typeface="Arial"/>
-                <a:ea typeface="+mn-lt"/>
-                <a:cs typeface="Arial"/>
-              </a:rPr>
-              <a:t>Stack</a:t>
-            </a:r>
-            <a:endParaRPr lang="vi-VN" dirty="0" err="1">
-              <a:solidFill>
-                <a:srgbClr val="FFFFFF"/>
-              </a:solidFill>
-              <a:latin typeface="Arial"/>
-              <a:cs typeface="Arial"/>
-            </a:endParaRPr>
-          </a:p>
-          <a:p>
-            <a:pPr marL="914400" lvl="1" indent="-457200">
-              <a:buAutoNum type="arabicPeriod"/>
-            </a:pPr>
-            <a:endParaRPr lang="vi-VN" dirty="0">
-              <a:latin typeface="Arial"/>
-              <a:cs typeface="Arial"/>
-            </a:endParaRPr>
-          </a:p>
         </p:txBody>
       </p:sp>
-      <p:sp>
-        <p:nvSpPr>
-          <p:cNvPr id="4" name="Hình chữ nhật 3">
+      <p:pic>
+        <p:nvPicPr>
+          <p:cNvPr id="4" name="Hình ảnh 3" descr="Ảnh có chứa văn bản, Phông chữ, ảnh chụp màn hình, số&#10;&#10;Mô tả được tự động tạo">
             <a:extLst>
               <a:ext uri="{FF2B5EF4-FFF2-40B4-BE49-F238E27FC236}">
-                <a16:creationId xmlns:a16="http://schemas.microsoft.com/office/drawing/2014/main" id="{C1110F32-DEFD-AFB8-1427-7AB83B357C5D}"/>
+                <a16:creationId xmlns:a16="http://schemas.microsoft.com/office/drawing/2014/main" id="{622E2240-193D-6BBD-A17B-8A227304598B}"/>
               </a:ext>
             </a:extLst>
           </p:cNvPr>
-          <p:cNvSpPr/>
+          <p:cNvPicPr>
+            <a:picLocks noChangeAspect="1"/>
+          </p:cNvPicPr>
           <p:nvPr/>
-        </p:nvSpPr>
-        <p:spPr>
-          <a:xfrm>
-            <a:off x="6983957" y="2837965"/>
-            <a:ext cx="1926566" cy="1063923"/>
+        </p:nvPicPr>
+        <p:blipFill>
+          <a:blip r:embed="rId2"/>
+          <a:stretch>
+            <a:fillRect/>
+          </a:stretch>
+        </p:blipFill>
+        <p:spPr>
+          <a:xfrm>
+            <a:off x="912603" y="4300537"/>
+            <a:ext cx="2171700" cy="1304925"/>
           </a:xfrm>
           <a:prstGeom prst="rect">
             <a:avLst/>
           </a:prstGeom>
         </p:spPr>
-        <p:style>
-          <a:lnRef idx="2">
-            <a:schemeClr val="accent1">
-              <a:shade val="15000"/>
-            </a:schemeClr>
-          </a:lnRef>
-          <a:fillRef idx="1">
-            <a:schemeClr val="accent1"/>
-          </a:fillRef>
-          <a:effectRef idx="0">
-            <a:schemeClr val="accent1"/>
-          </a:effectRef>
-          <a:fontRef idx="minor">
-            <a:schemeClr val="lt1"/>
-          </a:fontRef>
-        </p:style>
-        <p:txBody>
-          <a:bodyPr rtlCol="0" anchor="ctr"/>
-          <a:lstStyle/>
-          <a:p>
-            <a:pPr algn="ctr"/>
-            <a:r>
-              <a:rPr lang="vi-VN" dirty="0" err="1">
-                <a:latin typeface="Arial"/>
-                <a:cs typeface="Arial"/>
-              </a:rPr>
-              <a:t>Stack</a:t>
-            </a:r>
-            <a:endParaRPr lang="vi-VN" dirty="0" err="1"/>
-          </a:p>
-        </p:txBody>
-      </p:sp>
-      <p:sp>
-        <p:nvSpPr>
-          <p:cNvPr id="6" name="Hình chữ nhật 5">
+      </p:pic>
+      <p:pic>
+        <p:nvPicPr>
+          <p:cNvPr id="5" name="Hình ảnh 4" descr="Ảnh có chứa văn bản, Phông chữ, ảnh chụp màn hình, số&#10;&#10;Mô tả được tự động tạo">
             <a:extLst>
               <a:ext uri="{FF2B5EF4-FFF2-40B4-BE49-F238E27FC236}">
-                <a16:creationId xmlns:a16="http://schemas.microsoft.com/office/drawing/2014/main" id="{382AE0B3-BBD4-C219-27FE-FBFB7D5AB69A}"/>
+                <a16:creationId xmlns:a16="http://schemas.microsoft.com/office/drawing/2014/main" id="{B8D69FFE-EB1F-8D3C-9444-352C0B4072F7}"/>
               </a:ext>
             </a:extLst>
           </p:cNvPr>
-          <p:cNvSpPr/>
+          <p:cNvPicPr>
+            <a:picLocks noChangeAspect="1"/>
+          </p:cNvPicPr>
           <p:nvPr/>
-        </p:nvSpPr>
-        <p:spPr>
-          <a:xfrm>
-            <a:off x="6983957" y="3901890"/>
-            <a:ext cx="1926566" cy="877018"/>
+        </p:nvPicPr>
+        <p:blipFill>
+          <a:blip r:embed="rId3"/>
+          <a:stretch>
+            <a:fillRect/>
+          </a:stretch>
+        </p:blipFill>
+        <p:spPr>
+          <a:xfrm>
+            <a:off x="914400" y="5859459"/>
+            <a:ext cx="2743200" cy="429950"/>
           </a:xfrm>
           <a:prstGeom prst="rect">
             <a:avLst/>
           </a:prstGeom>
         </p:spPr>
-        <p:style>
-          <a:lnRef idx="2">
-            <a:schemeClr val="accent1">
-              <a:shade val="15000"/>
-            </a:schemeClr>
-          </a:lnRef>
-          <a:fillRef idx="1">
-            <a:schemeClr val="accent1"/>
-          </a:fillRef>
-          <a:effectRef idx="0">
-            <a:schemeClr val="accent1"/>
-          </a:effectRef>
-          <a:fontRef idx="minor">
-            <a:schemeClr val="lt1"/>
-          </a:fontRef>
-        </p:style>
-        <p:txBody>
-          <a:bodyPr lIns="91440" tIns="45720" rIns="91440" bIns="45720" rtlCol="0" anchor="ctr"/>
-          <a:lstStyle/>
-          <a:p>
-            <a:pPr algn="ctr"/>
-            <a:r>
-              <a:rPr lang="vi-VN" dirty="0" err="1">
-                <a:latin typeface="Arial"/>
-                <a:cs typeface="Arial"/>
-              </a:rPr>
-              <a:t>Heap</a:t>
-            </a:r>
-          </a:p>
-        </p:txBody>
-      </p:sp>
-      <p:sp>
-        <p:nvSpPr>
-          <p:cNvPr id="7" name="Hình chữ nhật 6">
+      </p:pic>
+      <p:pic>
+        <p:nvPicPr>
+          <p:cNvPr id="6" name="Hình ảnh 5" descr="Ảnh có chứa văn bản, Phông chữ, ảnh chụp màn hình, số&#10;&#10;Mô tả được tự động tạo">
             <a:extLst>
               <a:ext uri="{FF2B5EF4-FFF2-40B4-BE49-F238E27FC236}">
-                <a16:creationId xmlns:a16="http://schemas.microsoft.com/office/drawing/2014/main" id="{BAB301D7-4111-8990-A563-E2B5F88C525F}"/>
+                <a16:creationId xmlns:a16="http://schemas.microsoft.com/office/drawing/2014/main" id="{2DBAB357-D4D4-CE93-AFAB-3FD28F2DD21D}"/>
               </a:ext>
             </a:extLst>
           </p:cNvPr>
-          <p:cNvSpPr/>
+          <p:cNvPicPr>
+            <a:picLocks noChangeAspect="1"/>
+          </p:cNvPicPr>
           <p:nvPr/>
-        </p:nvSpPr>
-        <p:spPr>
-          <a:xfrm>
-            <a:off x="6983956" y="4778908"/>
-            <a:ext cx="1940943" cy="646981"/>
+        </p:nvPicPr>
+        <p:blipFill>
+          <a:blip r:embed="rId4"/>
+          <a:stretch>
+            <a:fillRect/>
+          </a:stretch>
+        </p:blipFill>
+        <p:spPr>
+          <a:xfrm>
+            <a:off x="8016815" y="4295384"/>
+            <a:ext cx="2743200" cy="1315233"/>
           </a:xfrm>
           <a:prstGeom prst="rect">
             <a:avLst/>
           </a:prstGeom>
         </p:spPr>
-        <p:style>
-          <a:lnRef idx="2">
-            <a:schemeClr val="accent1">
-              <a:shade val="15000"/>
-            </a:schemeClr>
-          </a:lnRef>
-          <a:fillRef idx="1">
-            <a:schemeClr val="accent1"/>
-          </a:fillRef>
-          <a:effectRef idx="0">
-            <a:schemeClr val="accent1"/>
-          </a:effectRef>
-          <a:fontRef idx="minor">
-            <a:schemeClr val="lt1"/>
-          </a:fontRef>
-        </p:style>
-        <p:txBody>
-          <a:bodyPr lIns="91440" tIns="45720" rIns="91440" bIns="45720" rtlCol="0" anchor="ctr"/>
-          <a:lstStyle/>
-          <a:p>
-            <a:pPr algn="ctr"/>
-            <a:r>
-              <a:rPr lang="vi-VN" dirty="0" err="1">
-                <a:latin typeface="Arial"/>
-                <a:cs typeface="Arial"/>
-              </a:rPr>
-              <a:t>Uninitialized</a:t>
-            </a:r>
-            <a:r>
-              <a:rPr lang="vi-VN" dirty="0">
-                <a:latin typeface="Arial"/>
-                <a:cs typeface="Arial"/>
-              </a:rPr>
-              <a:t> </a:t>
-            </a:r>
-            <a:r>
-              <a:rPr lang="vi-VN" dirty="0" err="1">
-                <a:latin typeface="Arial"/>
-                <a:cs typeface="Arial"/>
-              </a:rPr>
-              <a:t>data</a:t>
-            </a:r>
-            <a:r>
-              <a:rPr lang="vi-VN" dirty="0">
-                <a:latin typeface="Arial"/>
-                <a:cs typeface="Arial"/>
-              </a:rPr>
-              <a:t> </a:t>
-            </a:r>
-            <a:r>
-              <a:rPr lang="vi-VN" dirty="0" err="1">
-                <a:latin typeface="Arial"/>
-                <a:cs typeface="Arial"/>
-              </a:rPr>
-              <a:t>segment</a:t>
-            </a:r>
-          </a:p>
-        </p:txBody>
-      </p:sp>
-      <p:sp>
-        <p:nvSpPr>
-          <p:cNvPr id="8" name="Hình chữ nhật 7">
+      </p:pic>
+      <p:pic>
+        <p:nvPicPr>
+          <p:cNvPr id="7" name="Hình ảnh 6" descr="Ảnh có chứa văn bản, Phông chữ, ảnh chụp màn hình, hàng&#10;&#10;Mô tả được tự động tạo">
             <a:extLst>
               <a:ext uri="{FF2B5EF4-FFF2-40B4-BE49-F238E27FC236}">
-                <a16:creationId xmlns:a16="http://schemas.microsoft.com/office/drawing/2014/main" id="{5B5CE8C8-E716-CDB5-3B26-CE8CED05A8DD}"/>
+                <a16:creationId xmlns:a16="http://schemas.microsoft.com/office/drawing/2014/main" id="{D0D4AAC0-234D-1A4F-D6F0-568A944CD8B2}"/>
               </a:ext>
             </a:extLst>
           </p:cNvPr>
-          <p:cNvSpPr/>
+          <p:cNvPicPr>
+            <a:picLocks noChangeAspect="1"/>
+          </p:cNvPicPr>
           <p:nvPr/>
-        </p:nvSpPr>
-        <p:spPr>
-          <a:xfrm>
-            <a:off x="6983957" y="5425889"/>
-            <a:ext cx="1940943" cy="646981"/>
+        </p:nvPicPr>
+        <p:blipFill>
+          <a:blip r:embed="rId5"/>
+          <a:stretch>
+            <a:fillRect/>
+          </a:stretch>
+        </p:blipFill>
+        <p:spPr>
+          <a:xfrm>
+            <a:off x="8016815" y="5856965"/>
+            <a:ext cx="2743200" cy="406182"/>
           </a:xfrm>
           <a:prstGeom prst="rect">
             <a:avLst/>
           </a:prstGeom>
         </p:spPr>
-        <p:style>
-          <a:lnRef idx="2">
-            <a:schemeClr val="accent1">
-              <a:shade val="15000"/>
-            </a:schemeClr>
-          </a:lnRef>
-          <a:fillRef idx="1">
-            <a:schemeClr val="accent1"/>
-          </a:fillRef>
-          <a:effectRef idx="0">
-            <a:schemeClr val="accent1"/>
-          </a:effectRef>
-          <a:fontRef idx="minor">
-            <a:schemeClr val="lt1"/>
-          </a:fontRef>
-        </p:style>
-        <p:txBody>
-          <a:bodyPr lIns="91440" tIns="45720" rIns="91440" bIns="45720" rtlCol="0" anchor="ctr"/>
-          <a:lstStyle/>
-          <a:p>
-            <a:pPr algn="ctr"/>
-            <a:r>
-              <a:rPr lang="vi-VN" dirty="0" err="1">
-                <a:latin typeface="Arial"/>
-                <a:cs typeface="Arial"/>
-              </a:rPr>
-              <a:t>Intialized</a:t>
-            </a:r>
-            <a:r>
-              <a:rPr lang="vi-VN" dirty="0">
-                <a:latin typeface="Arial"/>
-                <a:cs typeface="Arial"/>
-              </a:rPr>
-              <a:t> </a:t>
-            </a:r>
-            <a:r>
-              <a:rPr lang="vi-VN" dirty="0" err="1">
-                <a:latin typeface="Arial"/>
-                <a:cs typeface="Arial"/>
-              </a:rPr>
-              <a:t>data</a:t>
-            </a:r>
-            <a:r>
-              <a:rPr lang="vi-VN" dirty="0">
-                <a:latin typeface="Arial"/>
-                <a:cs typeface="Arial"/>
-              </a:rPr>
-              <a:t> </a:t>
-            </a:r>
-            <a:r>
-              <a:rPr lang="vi-VN" dirty="0" err="1">
-                <a:latin typeface="Arial"/>
-                <a:cs typeface="Arial"/>
-              </a:rPr>
-              <a:t>segment</a:t>
-            </a:r>
-          </a:p>
-        </p:txBody>
-      </p:sp>
-      <p:sp>
-        <p:nvSpPr>
-          <p:cNvPr id="9" name="Hình chữ nhật 8">
-            <a:extLst>
-              <a:ext uri="{FF2B5EF4-FFF2-40B4-BE49-F238E27FC236}">
-                <a16:creationId xmlns:a16="http://schemas.microsoft.com/office/drawing/2014/main" id="{171A775D-1A70-13E2-7BEA-0D99B351157E}"/>
-              </a:ext>
-            </a:extLst>
-          </p:cNvPr>
-          <p:cNvSpPr/>
-          <p:nvPr/>
-        </p:nvSpPr>
-        <p:spPr>
-          <a:xfrm>
-            <a:off x="6983956" y="6072870"/>
-            <a:ext cx="1940943" cy="646981"/>
-          </a:xfrm>
-          <a:prstGeom prst="rect">
-            <a:avLst/>
-          </a:prstGeom>
-        </p:spPr>
-        <p:style>
-          <a:lnRef idx="2">
-            <a:schemeClr val="accent1">
-              <a:shade val="15000"/>
-            </a:schemeClr>
-          </a:lnRef>
-          <a:fillRef idx="1">
-            <a:schemeClr val="accent1"/>
-          </a:fillRef>
-          <a:effectRef idx="0">
-            <a:schemeClr val="accent1"/>
-          </a:effectRef>
-          <a:fontRef idx="minor">
-            <a:schemeClr val="lt1"/>
-          </a:fontRef>
-        </p:style>
-        <p:txBody>
-          <a:bodyPr lIns="91440" tIns="45720" rIns="91440" bIns="45720" rtlCol="0" anchor="ctr"/>
-          <a:lstStyle/>
-          <a:p>
-            <a:pPr algn="ctr"/>
-            <a:r>
-              <a:rPr lang="vi-VN" dirty="0" err="1">
-                <a:latin typeface="Arial"/>
-                <a:cs typeface="Arial"/>
-              </a:rPr>
-              <a:t>Text</a:t>
-            </a:r>
-            <a:r>
-              <a:rPr lang="vi-VN" dirty="0">
-                <a:latin typeface="Arial"/>
-                <a:cs typeface="Arial"/>
-              </a:rPr>
-              <a:t> </a:t>
-            </a:r>
-            <a:r>
-              <a:rPr lang="vi-VN" dirty="0" err="1">
-                <a:latin typeface="Arial"/>
-                <a:cs typeface="Arial"/>
-              </a:rPr>
-              <a:t>segment</a:t>
-            </a:r>
-          </a:p>
-        </p:txBody>
-      </p:sp>
-      <p:sp>
-        <p:nvSpPr>
-          <p:cNvPr id="10" name="Mũi tên: Xuống 9">
-            <a:extLst>
-              <a:ext uri="{FF2B5EF4-FFF2-40B4-BE49-F238E27FC236}">
-                <a16:creationId xmlns:a16="http://schemas.microsoft.com/office/drawing/2014/main" id="{67AB9A99-4029-375F-1056-5686016BCEB4}"/>
-              </a:ext>
-            </a:extLst>
-          </p:cNvPr>
-          <p:cNvSpPr/>
-          <p:nvPr/>
-        </p:nvSpPr>
-        <p:spPr>
-          <a:xfrm>
-            <a:off x="9190257" y="3035811"/>
-            <a:ext cx="287547" cy="3594339"/>
-          </a:xfrm>
-          <a:prstGeom prst="downArrow">
-            <a:avLst/>
-          </a:prstGeom>
-        </p:spPr>
-        <p:style>
-          <a:lnRef idx="2">
-            <a:schemeClr val="accent1">
-              <a:shade val="15000"/>
-            </a:schemeClr>
-          </a:lnRef>
-          <a:fillRef idx="1">
-            <a:schemeClr val="accent1"/>
-          </a:fillRef>
-          <a:effectRef idx="0">
-            <a:schemeClr val="accent1"/>
-          </a:effectRef>
-          <a:fontRef idx="minor">
-            <a:schemeClr val="lt1"/>
-          </a:fontRef>
-        </p:style>
-        <p:txBody>
-          <a:bodyPr rtlCol="0" anchor="ctr"/>
-          <a:lstStyle/>
-          <a:p>
-            <a:pPr algn="ctr"/>
-            <a:endParaRPr lang="vi-VN"/>
-          </a:p>
-        </p:txBody>
-      </p:sp>
-      <p:sp>
-        <p:nvSpPr>
-          <p:cNvPr id="11" name="Hộp Văn bản 10">
-            <a:extLst>
-              <a:ext uri="{FF2B5EF4-FFF2-40B4-BE49-F238E27FC236}">
-                <a16:creationId xmlns:a16="http://schemas.microsoft.com/office/drawing/2014/main" id="{BEB4585F-BB5C-9CA8-E7F7-1EBE3239771C}"/>
-              </a:ext>
-            </a:extLst>
-          </p:cNvPr>
-          <p:cNvSpPr txBox="1"/>
-          <p:nvPr/>
-        </p:nvSpPr>
-        <p:spPr>
-          <a:xfrm>
-            <a:off x="9719718" y="2934231"/>
-            <a:ext cx="1641205" cy="369332"/>
-          </a:xfrm>
-          <a:prstGeom prst="rect">
-            <a:avLst/>
-          </a:prstGeom>
-          <a:noFill/>
-        </p:spPr>
-        <p:txBody>
-          <a:bodyPr rot="0" spcFirstLastPara="0" vertOverflow="overflow" horzOverflow="overflow" vert="horz" wrap="square" lIns="91440" tIns="45720" rIns="91440" bIns="45720" numCol="1" spcCol="0" rtlCol="0" fromWordArt="0" anchor="t" anchorCtr="0" forceAA="0" compatLnSpc="1">
-            <a:prstTxWarp prst="textNoShape">
-              <a:avLst/>
-            </a:prstTxWarp>
-            <a:spAutoFit/>
-          </a:bodyPr>
-          <a:lstStyle/>
-          <a:p>
-            <a:r>
-              <a:rPr lang="vi-VN" dirty="0" err="1">
-                <a:latin typeface="Arial"/>
-                <a:cs typeface="Arial"/>
-              </a:rPr>
-              <a:t>High</a:t>
-            </a:r>
-            <a:r>
-              <a:rPr lang="vi-VN" dirty="0">
-                <a:latin typeface="Arial"/>
-                <a:cs typeface="Arial"/>
-              </a:rPr>
-              <a:t> </a:t>
-            </a:r>
-            <a:r>
-              <a:rPr lang="vi-VN" dirty="0" err="1">
-                <a:latin typeface="Arial"/>
-                <a:cs typeface="Arial"/>
-              </a:rPr>
-              <a:t>address</a:t>
-            </a:r>
-          </a:p>
-        </p:txBody>
-      </p:sp>
-      <p:sp>
-        <p:nvSpPr>
-          <p:cNvPr id="14" name="Hộp Văn bản 13">
-            <a:extLst>
-              <a:ext uri="{FF2B5EF4-FFF2-40B4-BE49-F238E27FC236}">
-                <a16:creationId xmlns:a16="http://schemas.microsoft.com/office/drawing/2014/main" id="{7E7C3637-0EE0-210E-C575-E141F91443FC}"/>
-              </a:ext>
-            </a:extLst>
-          </p:cNvPr>
-          <p:cNvSpPr txBox="1"/>
-          <p:nvPr/>
-        </p:nvSpPr>
-        <p:spPr>
-          <a:xfrm>
-            <a:off x="9889434" y="6278217"/>
-            <a:ext cx="1490869" cy="369332"/>
-          </a:xfrm>
-          <a:prstGeom prst="rect">
-            <a:avLst/>
-          </a:prstGeom>
-          <a:noFill/>
-        </p:spPr>
-        <p:txBody>
-          <a:bodyPr rot="0" spcFirstLastPara="0" vertOverflow="overflow" horzOverflow="overflow" vert="horz" wrap="square" lIns="91440" tIns="45720" rIns="91440" bIns="45720" numCol="1" spcCol="0" rtlCol="0" fromWordArt="0" anchor="t" anchorCtr="0" forceAA="0" compatLnSpc="1">
-            <a:prstTxWarp prst="textNoShape">
-              <a:avLst/>
-            </a:prstTxWarp>
-            <a:spAutoFit/>
-          </a:bodyPr>
-          <a:lstStyle/>
-          <a:p>
-            <a:r>
-              <a:rPr lang="vi-VN" dirty="0" err="1">
-                <a:latin typeface="Arial"/>
-                <a:cs typeface="Arial"/>
-              </a:rPr>
-              <a:t>Low</a:t>
-            </a:r>
-            <a:r>
-              <a:rPr lang="vi-VN" dirty="0">
-                <a:latin typeface="Arial"/>
-                <a:cs typeface="Arial"/>
-              </a:rPr>
-              <a:t> </a:t>
-            </a:r>
-            <a:r>
-              <a:rPr lang="vi-VN" dirty="0" err="1">
-                <a:latin typeface="Arial"/>
-                <a:cs typeface="Arial"/>
-              </a:rPr>
-              <a:t>address</a:t>
-            </a:r>
-            <a:endParaRPr lang="vi-VN" dirty="0" err="1"/>
-          </a:p>
-        </p:txBody>
-      </p:sp>
-      <p:sp>
-        <p:nvSpPr>
-          <p:cNvPr id="15" name="Mũi tên: Lên-Xuống 14">
-            <a:extLst>
-              <a:ext uri="{FF2B5EF4-FFF2-40B4-BE49-F238E27FC236}">
-                <a16:creationId xmlns:a16="http://schemas.microsoft.com/office/drawing/2014/main" id="{6A048B75-75C6-7C17-DBA9-1A039E88F753}"/>
-              </a:ext>
-            </a:extLst>
-          </p:cNvPr>
-          <p:cNvSpPr/>
-          <p:nvPr/>
-        </p:nvSpPr>
-        <p:spPr>
-          <a:xfrm>
-            <a:off x="6443869" y="2932043"/>
-            <a:ext cx="316301" cy="1653396"/>
-          </a:xfrm>
-          <a:prstGeom prst="upDownArrow">
-            <a:avLst/>
-          </a:prstGeom>
-        </p:spPr>
-        <p:style>
-          <a:lnRef idx="2">
-            <a:schemeClr val="accent1">
-              <a:shade val="15000"/>
-            </a:schemeClr>
-          </a:lnRef>
-          <a:fillRef idx="1">
-            <a:schemeClr val="accent1"/>
-          </a:fillRef>
-          <a:effectRef idx="0">
-            <a:schemeClr val="accent1"/>
-          </a:effectRef>
-          <a:fontRef idx="minor">
-            <a:schemeClr val="lt1"/>
-          </a:fontRef>
-        </p:style>
-        <p:txBody>
-          <a:bodyPr rtlCol="0" anchor="ctr"/>
-          <a:lstStyle/>
-          <a:p>
-            <a:pPr algn="ctr"/>
-            <a:endParaRPr lang="vi-VN"/>
-          </a:p>
-        </p:txBody>
-      </p:sp>
-      <p:sp>
-        <p:nvSpPr>
-          <p:cNvPr id="16" name="Mũi tên: Lên-Xuống 15">
-            <a:extLst>
-              <a:ext uri="{FF2B5EF4-FFF2-40B4-BE49-F238E27FC236}">
-                <a16:creationId xmlns:a16="http://schemas.microsoft.com/office/drawing/2014/main" id="{C71C9A5B-36DD-EEF6-17A8-1BCF413E8F19}"/>
-              </a:ext>
-            </a:extLst>
-          </p:cNvPr>
-          <p:cNvSpPr/>
-          <p:nvPr/>
-        </p:nvSpPr>
-        <p:spPr>
-          <a:xfrm>
-            <a:off x="6477000" y="4919869"/>
-            <a:ext cx="258792" cy="1710905"/>
-          </a:xfrm>
-          <a:prstGeom prst="upDownArrow">
-            <a:avLst/>
-          </a:prstGeom>
-        </p:spPr>
-        <p:style>
-          <a:lnRef idx="2">
-            <a:schemeClr val="accent1">
-              <a:shade val="15000"/>
-            </a:schemeClr>
-          </a:lnRef>
-          <a:fillRef idx="1">
-            <a:schemeClr val="accent1"/>
-          </a:fillRef>
-          <a:effectRef idx="0">
-            <a:schemeClr val="accent1"/>
-          </a:effectRef>
-          <a:fontRef idx="minor">
-            <a:schemeClr val="lt1"/>
-          </a:fontRef>
-        </p:style>
-        <p:txBody>
-          <a:bodyPr rtlCol="0" anchor="ctr"/>
-          <a:lstStyle/>
-          <a:p>
-            <a:pPr algn="ctr"/>
-            <a:endParaRPr lang="vi-VN"/>
-          </a:p>
-        </p:txBody>
-      </p:sp>
-      <p:sp>
-        <p:nvSpPr>
-          <p:cNvPr id="17" name="Hộp Văn bản 16">
-            <a:extLst>
-              <a:ext uri="{FF2B5EF4-FFF2-40B4-BE49-F238E27FC236}">
-                <a16:creationId xmlns:a16="http://schemas.microsoft.com/office/drawing/2014/main" id="{2D2802CE-5BD3-C85B-2DB7-47FED8075D3E}"/>
-              </a:ext>
-            </a:extLst>
-          </p:cNvPr>
-          <p:cNvSpPr txBox="1"/>
-          <p:nvPr/>
-        </p:nvSpPr>
-        <p:spPr>
-          <a:xfrm>
-            <a:off x="5495901" y="3300854"/>
-            <a:ext cx="1046672" cy="923330"/>
-          </a:xfrm>
-          <a:prstGeom prst="rect">
-            <a:avLst/>
-          </a:prstGeom>
-          <a:noFill/>
-        </p:spPr>
-        <p:txBody>
-          <a:bodyPr rot="0" spcFirstLastPara="0" vertOverflow="overflow" horzOverflow="overflow" vert="horz" wrap="square" lIns="91440" tIns="45720" rIns="91440" bIns="45720" numCol="1" spcCol="0" rtlCol="0" fromWordArt="0" anchor="t" anchorCtr="0" forceAA="0" compatLnSpc="1">
-            <a:prstTxWarp prst="textNoShape">
-              <a:avLst/>
-            </a:prstTxWarp>
-            <a:spAutoFit/>
-          </a:bodyPr>
-          <a:lstStyle/>
-          <a:p>
-            <a:r>
-              <a:rPr lang="vi-VN" dirty="0" err="1">
-                <a:latin typeface="Arial"/>
-                <a:cs typeface="Arial"/>
-              </a:rPr>
-              <a:t>Dinamic</a:t>
-            </a:r>
-            <a:r>
-              <a:rPr lang="vi-VN" dirty="0">
-                <a:latin typeface="Arial"/>
-                <a:cs typeface="Arial"/>
-              </a:rPr>
-              <a:t> </a:t>
-            </a:r>
-            <a:r>
-              <a:rPr lang="vi-VN" dirty="0" err="1">
-                <a:latin typeface="Arial"/>
-                <a:cs typeface="Arial"/>
-              </a:rPr>
-              <a:t>memory</a:t>
-            </a:r>
-            <a:r>
-              <a:rPr lang="vi-VN" dirty="0">
-                <a:latin typeface="Arial"/>
-                <a:cs typeface="Arial"/>
-              </a:rPr>
-              <a:t> </a:t>
-            </a:r>
-            <a:r>
-              <a:rPr lang="vi-VN" dirty="0" err="1">
-                <a:latin typeface="Arial"/>
-                <a:cs typeface="Arial"/>
-              </a:rPr>
-              <a:t>layout</a:t>
-            </a:r>
-            <a:endParaRPr lang="vi-VN" dirty="0" err="1"/>
-          </a:p>
-        </p:txBody>
-      </p:sp>
-      <p:sp>
-        <p:nvSpPr>
-          <p:cNvPr id="18" name="Hộp Văn bản 17">
-            <a:extLst>
-              <a:ext uri="{FF2B5EF4-FFF2-40B4-BE49-F238E27FC236}">
-                <a16:creationId xmlns:a16="http://schemas.microsoft.com/office/drawing/2014/main" id="{AE52931B-D6CD-57E7-2665-206CB1A57211}"/>
-              </a:ext>
-            </a:extLst>
-          </p:cNvPr>
-          <p:cNvSpPr txBox="1"/>
-          <p:nvPr/>
-        </p:nvSpPr>
-        <p:spPr>
-          <a:xfrm>
-            <a:off x="5308995" y="5098023"/>
-            <a:ext cx="1046672" cy="923330"/>
-          </a:xfrm>
-          <a:prstGeom prst="rect">
-            <a:avLst/>
-          </a:prstGeom>
-          <a:noFill/>
-        </p:spPr>
-        <p:txBody>
-          <a:bodyPr rot="0" spcFirstLastPara="0" vertOverflow="overflow" horzOverflow="overflow" vert="horz" wrap="square" lIns="91440" tIns="45720" rIns="91440" bIns="45720" numCol="1" spcCol="0" rtlCol="0" fromWordArt="0" anchor="t" anchorCtr="0" forceAA="0" compatLnSpc="1">
-            <a:prstTxWarp prst="textNoShape">
-              <a:avLst/>
-            </a:prstTxWarp>
-            <a:spAutoFit/>
-          </a:bodyPr>
-          <a:lstStyle/>
-          <a:p>
-            <a:r>
-              <a:rPr lang="vi-VN" dirty="0" err="1">
-                <a:latin typeface="Arial"/>
-                <a:cs typeface="Arial"/>
-              </a:rPr>
-              <a:t>Static</a:t>
-            </a:r>
-            <a:r>
-              <a:rPr lang="vi-VN" dirty="0">
-                <a:latin typeface="Arial"/>
-                <a:cs typeface="Arial"/>
-              </a:rPr>
-              <a:t> </a:t>
-            </a:r>
-            <a:r>
-              <a:rPr lang="vi-VN" dirty="0" err="1">
-                <a:latin typeface="Arial"/>
-                <a:cs typeface="Arial"/>
-              </a:rPr>
-              <a:t>memory</a:t>
-            </a:r>
-            <a:r>
-              <a:rPr lang="vi-VN" dirty="0">
-                <a:latin typeface="Arial"/>
-                <a:cs typeface="Arial"/>
-              </a:rPr>
-              <a:t> </a:t>
-            </a:r>
-            <a:r>
-              <a:rPr lang="vi-VN" dirty="0" err="1">
-                <a:latin typeface="Arial"/>
-                <a:cs typeface="Arial"/>
-              </a:rPr>
-              <a:t>layout</a:t>
-            </a:r>
-            <a:endParaRPr lang="vi-VN" dirty="0" err="1"/>
-          </a:p>
-        </p:txBody>
-      </p:sp>
+      </p:pic>
     </p:spTree>
     <p:extLst>
       <p:ext uri="{BB962C8B-B14F-4D97-AF65-F5344CB8AC3E}">
-        <p14:creationId xmlns:p14="http://schemas.microsoft.com/office/powerpoint/2010/main" val="2152315382"/>
+        <p14:creationId xmlns:p14="http://schemas.microsoft.com/office/powerpoint/2010/main" val="1877555810"/>
       </p:ext>
     </p:extLst>
   </p:cSld>
@@ -18710,7 +18088,7 @@
           <p:cNvPr id="2" name="Tiêu đề 1">
             <a:extLst>
               <a:ext uri="{FF2B5EF4-FFF2-40B4-BE49-F238E27FC236}">
-                <a16:creationId xmlns:a16="http://schemas.microsoft.com/office/drawing/2014/main" id="{14A54616-7D3A-CA46-6736-981C87CEF080}"/>
+                <a16:creationId xmlns:a16="http://schemas.microsoft.com/office/drawing/2014/main" id="{28DFE19A-255A-CA87-6936-01779759F59C}"/>
               </a:ext>
             </a:extLst>
           </p:cNvPr>
@@ -18726,50 +18104,30 @@
           <a:bodyPr/>
           <a:lstStyle/>
           <a:p>
-            <a:r>
-              <a:rPr lang="vi-VN" dirty="0">
+            <a:pPr marL="742950" indent="-742950">
+              <a:buAutoNum type="romanUcPeriod"/>
+            </a:pPr>
+            <a:r>
+              <a:rPr lang="vi-VN" err="1">
                 <a:latin typeface="Times New Roman"/>
                 <a:cs typeface="Times New Roman"/>
               </a:rPr>
-              <a:t>I.1. </a:t>
-            </a:r>
-            <a:r>
-              <a:rPr lang="vi-VN" dirty="0" err="1">
-                <a:solidFill>
-                  <a:srgbClr val="FFFFFF"/>
-                </a:solidFill>
+              <a:t>Memory</a:t>
+            </a:r>
+            <a:r>
+              <a:rPr lang="vi-VN">
                 <a:latin typeface="Times New Roman"/>
                 <a:cs typeface="Times New Roman"/>
               </a:rPr>
-              <a:t>Text</a:t>
-            </a:r>
-            <a:r>
-              <a:rPr lang="vi-VN" dirty="0">
-                <a:solidFill>
-                  <a:srgbClr val="FFFFFF"/>
-                </a:solidFill>
+              <a:t> </a:t>
+            </a:r>
+            <a:r>
+              <a:rPr lang="vi-VN" err="1">
                 <a:latin typeface="Times New Roman"/>
                 <a:cs typeface="Times New Roman"/>
               </a:rPr>
-              <a:t> </a:t>
-            </a:r>
-            <a:r>
-              <a:rPr lang="vi-VN" dirty="0" err="1">
-                <a:solidFill>
-                  <a:srgbClr val="FFFFFF"/>
-                </a:solidFill>
-                <a:latin typeface="Times New Roman"/>
-                <a:cs typeface="Times New Roman"/>
-              </a:rPr>
-              <a:t>Segment</a:t>
-            </a:r>
-            <a:endParaRPr lang="vi-VN" dirty="0" err="1">
-              <a:solidFill>
-                <a:srgbClr val="FFFFFF"/>
-              </a:solidFill>
-              <a:latin typeface="Times New Roman" panose="02020603050405020304" pitchFamily="18" charset="0"/>
-              <a:cs typeface="Times New Roman" panose="02020603050405020304" pitchFamily="18" charset="0"/>
-            </a:endParaRPr>
+              <a:t>layout</a:t>
+            </a:r>
           </a:p>
         </p:txBody>
       </p:sp>
@@ -18778,7 +18136,7 @@
           <p:cNvPr id="3" name="Chỗ dành sẵn cho Nội dung 2">
             <a:extLst>
               <a:ext uri="{FF2B5EF4-FFF2-40B4-BE49-F238E27FC236}">
-                <a16:creationId xmlns:a16="http://schemas.microsoft.com/office/drawing/2014/main" id="{8766B023-2421-6D6D-276E-362EC1A137AE}"/>
+                <a16:creationId xmlns:a16="http://schemas.microsoft.com/office/drawing/2014/main" id="{8B4AFCF3-B26F-9379-5CD0-7645C7CEB820}"/>
               </a:ext>
             </a:extLst>
           </p:cNvPr>
@@ -18789,7 +18147,12 @@
             <p:ph idx="1"/>
           </p:nvPr>
         </p:nvSpPr>
-        <p:spPr/>
+        <p:spPr>
+          <a:xfrm>
+            <a:off x="680321" y="2336873"/>
+            <a:ext cx="8219259" cy="3599316"/>
+          </a:xfrm>
+        </p:spPr>
         <p:txBody>
           <a:bodyPr vert="horz" lIns="91440" tIns="45720" rIns="91440" bIns="45720" rtlCol="0" anchor="t">
             <a:normAutofit/>
@@ -18797,6 +18160,46 @@
           <a:lstStyle/>
           <a:p>
             <a:r>
+              <a:rPr lang="vi-VN">
+                <a:latin typeface="Arial"/>
+                <a:cs typeface="Arial"/>
+              </a:rPr>
+              <a:t>Trong 1 chương trình C/C++ </a:t>
+            </a:r>
+            <a:r>
+              <a:rPr lang="vi-VN" err="1">
+                <a:latin typeface="Arial"/>
+                <a:cs typeface="Arial"/>
+              </a:rPr>
+              <a:t>memory</a:t>
+            </a:r>
+            <a:r>
+              <a:rPr lang="vi-VN">
+                <a:latin typeface="Arial"/>
+                <a:cs typeface="Arial"/>
+              </a:rPr>
+              <a:t> </a:t>
+            </a:r>
+            <a:r>
+              <a:rPr lang="vi-VN" err="1">
+                <a:latin typeface="Arial"/>
+                <a:cs typeface="Arial"/>
+              </a:rPr>
+              <a:t>layout</a:t>
+            </a:r>
+            <a:r>
+              <a:rPr lang="vi-VN">
+                <a:latin typeface="Arial"/>
+                <a:cs typeface="Arial"/>
+              </a:rPr>
+              <a:t> gồm 5 phần:</a:t>
+            </a:r>
+          </a:p>
+          <a:p>
+            <a:pPr marL="914400" lvl="1" indent="-457200">
+              <a:buAutoNum type="arabicPeriod"/>
+            </a:pPr>
+            <a:r>
               <a:rPr lang="vi-VN" err="1">
                 <a:solidFill>
                   <a:srgbClr val="FFFFFF"/>
@@ -18808,7 +18211,7 @@
               <a:t>Text</a:t>
             </a:r>
             <a:r>
-              <a:rPr lang="vi-VN" dirty="0">
+              <a:rPr lang="vi-VN">
                 <a:solidFill>
                   <a:srgbClr val="FFFFFF"/>
                 </a:solidFill>
@@ -18829,8 +18232,13 @@
               </a:rPr>
               <a:t>Segment</a:t>
             </a:r>
-            <a:r>
-              <a:rPr lang="vi-VN" dirty="0">
+          </a:p>
+          <a:p>
+            <a:pPr marL="914400" lvl="1" indent="-457200">
+              <a:buAutoNum type="arabicPeriod"/>
+            </a:pPr>
+            <a:r>
+              <a:rPr lang="vi-VN" err="1">
                 <a:solidFill>
                   <a:srgbClr val="FFFFFF"/>
                 </a:solidFill>
@@ -18838,184 +18246,939 @@
                 <a:ea typeface="+mn-lt"/>
                 <a:cs typeface="Arial"/>
               </a:rPr>
-              <a:t> ở vùng nhớ của địa chỉ thấp nhất, đây là phần chứa các đoạn mã lệnh của chương trình.</a:t>
-            </a:r>
-          </a:p>
-          <a:p>
-            <a:r>
-              <a:rPr lang="vi-VN" dirty="0" err="1">
+              <a:t>Initialized</a:t>
+            </a:r>
+            <a:r>
+              <a:rPr lang="vi-VN">
                 <a:solidFill>
                   <a:srgbClr val="FFFFFF"/>
                 </a:solidFill>
                 <a:latin typeface="Arial"/>
-                <a:cs typeface="Arial"/>
-              </a:rPr>
-              <a:t>Text</a:t>
-            </a:r>
-            <a:r>
-              <a:rPr lang="vi-VN" dirty="0">
+                <a:ea typeface="+mn-lt"/>
+                <a:cs typeface="Arial"/>
+              </a:rPr>
+              <a:t> </a:t>
+            </a:r>
+            <a:r>
+              <a:rPr lang="vi-VN" err="1">
                 <a:solidFill>
                   <a:srgbClr val="FFFFFF"/>
                 </a:solidFill>
                 <a:latin typeface="Arial"/>
-                <a:cs typeface="Arial"/>
-              </a:rPr>
-              <a:t> </a:t>
-            </a:r>
-            <a:r>
-              <a:rPr lang="vi-VN" dirty="0" err="1">
+                <a:ea typeface="+mn-lt"/>
+                <a:cs typeface="Arial"/>
+              </a:rPr>
+              <a:t>Data</a:t>
+            </a:r>
+            <a:r>
+              <a:rPr lang="vi-VN">
                 <a:solidFill>
                   <a:srgbClr val="FFFFFF"/>
                 </a:solidFill>
                 <a:latin typeface="Arial"/>
-                <a:cs typeface="Arial"/>
-              </a:rPr>
-              <a:t>segment</a:t>
-            </a:r>
-            <a:r>
-              <a:rPr lang="vi-VN" dirty="0">
+                <a:ea typeface="+mn-lt"/>
+                <a:cs typeface="Arial"/>
+              </a:rPr>
+              <a:t> </a:t>
+            </a:r>
+            <a:r>
+              <a:rPr lang="vi-VN" err="1">
                 <a:solidFill>
                   <a:srgbClr val="FFFFFF"/>
                 </a:solidFill>
                 <a:latin typeface="Arial"/>
-                <a:cs typeface="Arial"/>
-              </a:rPr>
-              <a:t> là vùng nhớ chỉ có thể đọc không thể ghi nhằm tránh chương trình vô tình sửa đổi</a:t>
-            </a:r>
-            <a:endParaRPr lang="vi-VN" dirty="0">
+                <a:ea typeface="+mn-lt"/>
+                <a:cs typeface="Arial"/>
+              </a:rPr>
+              <a:t>Segment</a:t>
+            </a:r>
+            <a:r>
+              <a:rPr lang="vi-VN">
+                <a:solidFill>
+                  <a:srgbClr val="FFFFFF"/>
+                </a:solidFill>
+                <a:latin typeface="Arial"/>
+                <a:ea typeface="+mn-lt"/>
+                <a:cs typeface="Arial"/>
+              </a:rPr>
+              <a:t>,</a:t>
+            </a:r>
+            <a:endParaRPr lang="vi-VN" err="1">
               <a:solidFill>
                 <a:srgbClr val="FFFFFF"/>
               </a:solidFill>
-              <a:latin typeface="Arial" panose="020B0604020202020204" pitchFamily="34" charset="0"/>
-              <a:cs typeface="Arial" panose="020B0604020202020204" pitchFamily="34" charset="0"/>
+              <a:latin typeface="Arial"/>
+              <a:ea typeface="+mn-lt"/>
+              <a:cs typeface="Arial"/>
             </a:endParaRPr>
           </a:p>
+          <a:p>
+            <a:pPr marL="914400" lvl="1" indent="-457200">
+              <a:buAutoNum type="arabicPeriod"/>
+            </a:pPr>
+            <a:r>
+              <a:rPr lang="vi-VN">
+                <a:solidFill>
+                  <a:srgbClr val="FFFFFF"/>
+                </a:solidFill>
+                <a:latin typeface="Arial"/>
+                <a:ea typeface="+mn-lt"/>
+                <a:cs typeface="Arial"/>
+              </a:rPr>
+              <a:t> </a:t>
+            </a:r>
+            <a:r>
+              <a:rPr lang="vi-VN" err="1">
+                <a:solidFill>
+                  <a:srgbClr val="FFFFFF"/>
+                </a:solidFill>
+                <a:latin typeface="Arial"/>
+                <a:ea typeface="+mn-lt"/>
+                <a:cs typeface="Arial"/>
+              </a:rPr>
+              <a:t>Uninitialized</a:t>
+            </a:r>
+            <a:r>
+              <a:rPr lang="vi-VN">
+                <a:solidFill>
+                  <a:srgbClr val="FFFFFF"/>
+                </a:solidFill>
+                <a:latin typeface="Arial"/>
+                <a:ea typeface="+mn-lt"/>
+                <a:cs typeface="Arial"/>
+              </a:rPr>
+              <a:t> </a:t>
+            </a:r>
+            <a:r>
+              <a:rPr lang="vi-VN" err="1">
+                <a:solidFill>
+                  <a:srgbClr val="FFFFFF"/>
+                </a:solidFill>
+                <a:latin typeface="Arial"/>
+                <a:ea typeface="+mn-lt"/>
+                <a:cs typeface="Arial"/>
+              </a:rPr>
+              <a:t>Data</a:t>
+            </a:r>
+            <a:r>
+              <a:rPr lang="vi-VN">
+                <a:solidFill>
+                  <a:srgbClr val="FFFFFF"/>
+                </a:solidFill>
+                <a:latin typeface="Arial"/>
+                <a:ea typeface="+mn-lt"/>
+                <a:cs typeface="Arial"/>
+              </a:rPr>
+              <a:t> </a:t>
+            </a:r>
+            <a:r>
+              <a:rPr lang="vi-VN" err="1">
+                <a:solidFill>
+                  <a:srgbClr val="FFFFFF"/>
+                </a:solidFill>
+                <a:latin typeface="Arial"/>
+                <a:ea typeface="+mn-lt"/>
+                <a:cs typeface="Arial"/>
+              </a:rPr>
+              <a:t>Segment</a:t>
+            </a:r>
+            <a:r>
+              <a:rPr lang="vi-VN">
+                <a:solidFill>
+                  <a:srgbClr val="FFFFFF"/>
+                </a:solidFill>
+                <a:latin typeface="Arial"/>
+                <a:ea typeface="+mn-lt"/>
+                <a:cs typeface="Arial"/>
+              </a:rPr>
+              <a:t>, </a:t>
+            </a:r>
+          </a:p>
+          <a:p>
+            <a:pPr marL="914400" lvl="1" indent="-457200">
+              <a:buAutoNum type="arabicPeriod"/>
+            </a:pPr>
+            <a:r>
+              <a:rPr lang="vi-VN" err="1">
+                <a:solidFill>
+                  <a:srgbClr val="FFFFFF"/>
+                </a:solidFill>
+                <a:latin typeface="Arial"/>
+                <a:ea typeface="+mn-lt"/>
+                <a:cs typeface="Arial"/>
+              </a:rPr>
+              <a:t>Heap</a:t>
+            </a:r>
+            <a:r>
+              <a:rPr lang="vi-VN">
+                <a:solidFill>
+                  <a:srgbClr val="FFFFFF"/>
+                </a:solidFill>
+                <a:latin typeface="Arial"/>
+                <a:ea typeface="+mn-lt"/>
+                <a:cs typeface="Arial"/>
+              </a:rPr>
+              <a:t> </a:t>
+            </a:r>
+          </a:p>
+          <a:p>
+            <a:pPr marL="914400" lvl="1" indent="-457200">
+              <a:buAutoNum type="arabicPeriod"/>
+            </a:pPr>
+            <a:r>
+              <a:rPr lang="vi-VN" err="1">
+                <a:solidFill>
+                  <a:srgbClr val="FFFFFF"/>
+                </a:solidFill>
+                <a:latin typeface="Arial"/>
+                <a:ea typeface="+mn-lt"/>
+                <a:cs typeface="Arial"/>
+              </a:rPr>
+              <a:t>Stack</a:t>
+            </a:r>
+            <a:endParaRPr lang="vi-VN" err="1">
+              <a:solidFill>
+                <a:srgbClr val="FFFFFF"/>
+              </a:solidFill>
+              <a:latin typeface="Arial"/>
+              <a:cs typeface="Arial"/>
+            </a:endParaRPr>
+          </a:p>
+          <a:p>
+            <a:pPr marL="914400" lvl="1" indent="-457200">
+              <a:buAutoNum type="arabicPeriod"/>
+            </a:pPr>
+            <a:endParaRPr lang="vi-VN">
+              <a:latin typeface="Arial"/>
+              <a:cs typeface="Arial"/>
+            </a:endParaRPr>
+          </a:p>
         </p:txBody>
       </p:sp>
-      <p:pic>
-        <p:nvPicPr>
-          <p:cNvPr id="4" name="Hình ảnh 3" descr="Ảnh có chứa văn bản, Phông chữ, ảnh chụp màn hình, số&#10;&#10;Mô tả được tự động tạo">
+      <p:sp>
+        <p:nvSpPr>
+          <p:cNvPr id="4" name="Hình chữ nhật 3">
             <a:extLst>
               <a:ext uri="{FF2B5EF4-FFF2-40B4-BE49-F238E27FC236}">
-                <a16:creationId xmlns:a16="http://schemas.microsoft.com/office/drawing/2014/main" id="{622E2240-193D-6BBD-A17B-8A227304598B}"/>
+                <a16:creationId xmlns:a16="http://schemas.microsoft.com/office/drawing/2014/main" id="{C1110F32-DEFD-AFB8-1427-7AB83B357C5D}"/>
               </a:ext>
             </a:extLst>
           </p:cNvPr>
-          <p:cNvPicPr>
-            <a:picLocks noChangeAspect="1"/>
-          </p:cNvPicPr>
+          <p:cNvSpPr/>
           <p:nvPr/>
-        </p:nvPicPr>
-        <p:blipFill>
-          <a:blip r:embed="rId2"/>
-          <a:stretch>
-            <a:fillRect/>
-          </a:stretch>
-        </p:blipFill>
-        <p:spPr>
-          <a:xfrm>
-            <a:off x="912603" y="4300537"/>
-            <a:ext cx="2171700" cy="1304925"/>
+        </p:nvSpPr>
+        <p:spPr>
+          <a:xfrm>
+            <a:off x="6983957" y="2837965"/>
+            <a:ext cx="1926566" cy="1063923"/>
           </a:xfrm>
           <a:prstGeom prst="rect">
             <a:avLst/>
           </a:prstGeom>
         </p:spPr>
-      </p:pic>
-      <p:pic>
-        <p:nvPicPr>
-          <p:cNvPr id="5" name="Hình ảnh 4" descr="Ảnh có chứa văn bản, Phông chữ, ảnh chụp màn hình, số&#10;&#10;Mô tả được tự động tạo">
+        <p:style>
+          <a:lnRef idx="2">
+            <a:schemeClr val="accent1">
+              <a:shade val="15000"/>
+            </a:schemeClr>
+          </a:lnRef>
+          <a:fillRef idx="1">
+            <a:schemeClr val="accent1"/>
+          </a:fillRef>
+          <a:effectRef idx="0">
+            <a:schemeClr val="accent1"/>
+          </a:effectRef>
+          <a:fontRef idx="minor">
+            <a:schemeClr val="lt1"/>
+          </a:fontRef>
+        </p:style>
+        <p:txBody>
+          <a:bodyPr rtlCol="0" anchor="ctr"/>
+          <a:lstStyle/>
+          <a:p>
+            <a:pPr algn="ctr"/>
+            <a:r>
+              <a:rPr lang="vi-VN" err="1">
+                <a:latin typeface="Arial"/>
+                <a:cs typeface="Arial"/>
+              </a:rPr>
+              <a:t>Stack</a:t>
+            </a:r>
+            <a:endParaRPr lang="vi-VN" err="1"/>
+          </a:p>
+        </p:txBody>
+      </p:sp>
+      <p:sp>
+        <p:nvSpPr>
+          <p:cNvPr id="6" name="Hình chữ nhật 5">
             <a:extLst>
               <a:ext uri="{FF2B5EF4-FFF2-40B4-BE49-F238E27FC236}">
-                <a16:creationId xmlns:a16="http://schemas.microsoft.com/office/drawing/2014/main" id="{B8D69FFE-EB1F-8D3C-9444-352C0B4072F7}"/>
+                <a16:creationId xmlns:a16="http://schemas.microsoft.com/office/drawing/2014/main" id="{382AE0B3-BBD4-C219-27FE-FBFB7D5AB69A}"/>
               </a:ext>
             </a:extLst>
           </p:cNvPr>
-          <p:cNvPicPr>
-            <a:picLocks noChangeAspect="1"/>
-          </p:cNvPicPr>
+          <p:cNvSpPr/>
           <p:nvPr/>
-        </p:nvPicPr>
-        <p:blipFill>
-          <a:blip r:embed="rId3"/>
-          <a:stretch>
-            <a:fillRect/>
-          </a:stretch>
-        </p:blipFill>
-        <p:spPr>
-          <a:xfrm>
-            <a:off x="914400" y="5859459"/>
-            <a:ext cx="2743200" cy="429950"/>
+        </p:nvSpPr>
+        <p:spPr>
+          <a:xfrm>
+            <a:off x="6983957" y="3901890"/>
+            <a:ext cx="1926566" cy="877018"/>
           </a:xfrm>
           <a:prstGeom prst="rect">
             <a:avLst/>
           </a:prstGeom>
         </p:spPr>
-      </p:pic>
-      <p:pic>
-        <p:nvPicPr>
-          <p:cNvPr id="6" name="Hình ảnh 5" descr="Ảnh có chứa văn bản, Phông chữ, ảnh chụp màn hình, số&#10;&#10;Mô tả được tự động tạo">
+        <p:style>
+          <a:lnRef idx="2">
+            <a:schemeClr val="accent1">
+              <a:shade val="15000"/>
+            </a:schemeClr>
+          </a:lnRef>
+          <a:fillRef idx="1">
+            <a:schemeClr val="accent1"/>
+          </a:fillRef>
+          <a:effectRef idx="0">
+            <a:schemeClr val="accent1"/>
+          </a:effectRef>
+          <a:fontRef idx="minor">
+            <a:schemeClr val="lt1"/>
+          </a:fontRef>
+        </p:style>
+        <p:txBody>
+          <a:bodyPr lIns="91440" tIns="45720" rIns="91440" bIns="45720" rtlCol="0" anchor="ctr"/>
+          <a:lstStyle/>
+          <a:p>
+            <a:pPr algn="ctr"/>
+            <a:r>
+              <a:rPr lang="vi-VN" err="1">
+                <a:latin typeface="Arial"/>
+                <a:cs typeface="Arial"/>
+              </a:rPr>
+              <a:t>Heap</a:t>
+            </a:r>
+          </a:p>
+        </p:txBody>
+      </p:sp>
+      <p:sp>
+        <p:nvSpPr>
+          <p:cNvPr id="7" name="Hình chữ nhật 6">
             <a:extLst>
               <a:ext uri="{FF2B5EF4-FFF2-40B4-BE49-F238E27FC236}">
-                <a16:creationId xmlns:a16="http://schemas.microsoft.com/office/drawing/2014/main" id="{2DBAB357-D4D4-CE93-AFAB-3FD28F2DD21D}"/>
+                <a16:creationId xmlns:a16="http://schemas.microsoft.com/office/drawing/2014/main" id="{BAB301D7-4111-8990-A563-E2B5F88C525F}"/>
               </a:ext>
             </a:extLst>
           </p:cNvPr>
-          <p:cNvPicPr>
-            <a:picLocks noChangeAspect="1"/>
-          </p:cNvPicPr>
+          <p:cNvSpPr/>
           <p:nvPr/>
-        </p:nvPicPr>
-        <p:blipFill>
-          <a:blip r:embed="rId4"/>
-          <a:stretch>
-            <a:fillRect/>
-          </a:stretch>
-        </p:blipFill>
-        <p:spPr>
-          <a:xfrm>
-            <a:off x="8016815" y="4295384"/>
-            <a:ext cx="2743200" cy="1315233"/>
+        </p:nvSpPr>
+        <p:spPr>
+          <a:xfrm>
+            <a:off x="6983956" y="4778908"/>
+            <a:ext cx="1940943" cy="646981"/>
           </a:xfrm>
           <a:prstGeom prst="rect">
             <a:avLst/>
           </a:prstGeom>
         </p:spPr>
-      </p:pic>
-      <p:pic>
-        <p:nvPicPr>
-          <p:cNvPr id="7" name="Hình ảnh 6" descr="Ảnh có chứa văn bản, Phông chữ, ảnh chụp màn hình, hàng&#10;&#10;Mô tả được tự động tạo">
+        <p:style>
+          <a:lnRef idx="2">
+            <a:schemeClr val="accent1">
+              <a:shade val="15000"/>
+            </a:schemeClr>
+          </a:lnRef>
+          <a:fillRef idx="1">
+            <a:schemeClr val="accent1"/>
+          </a:fillRef>
+          <a:effectRef idx="0">
+            <a:schemeClr val="accent1"/>
+          </a:effectRef>
+          <a:fontRef idx="minor">
+            <a:schemeClr val="lt1"/>
+          </a:fontRef>
+        </p:style>
+        <p:txBody>
+          <a:bodyPr lIns="91440" tIns="45720" rIns="91440" bIns="45720" rtlCol="0" anchor="ctr"/>
+          <a:lstStyle/>
+          <a:p>
+            <a:pPr algn="ctr"/>
+            <a:r>
+              <a:rPr lang="vi-VN" err="1">
+                <a:latin typeface="Arial"/>
+                <a:cs typeface="Arial"/>
+              </a:rPr>
+              <a:t>Uninitialized</a:t>
+            </a:r>
+            <a:r>
+              <a:rPr lang="vi-VN">
+                <a:latin typeface="Arial"/>
+                <a:cs typeface="Arial"/>
+              </a:rPr>
+              <a:t> </a:t>
+            </a:r>
+            <a:r>
+              <a:rPr lang="vi-VN" err="1">
+                <a:latin typeface="Arial"/>
+                <a:cs typeface="Arial"/>
+              </a:rPr>
+              <a:t>data</a:t>
+            </a:r>
+            <a:r>
+              <a:rPr lang="vi-VN">
+                <a:latin typeface="Arial"/>
+                <a:cs typeface="Arial"/>
+              </a:rPr>
+              <a:t> </a:t>
+            </a:r>
+            <a:r>
+              <a:rPr lang="vi-VN" err="1">
+                <a:latin typeface="Arial"/>
+                <a:cs typeface="Arial"/>
+              </a:rPr>
+              <a:t>segment</a:t>
+            </a:r>
+          </a:p>
+        </p:txBody>
+      </p:sp>
+      <p:sp>
+        <p:nvSpPr>
+          <p:cNvPr id="8" name="Hình chữ nhật 7">
             <a:extLst>
               <a:ext uri="{FF2B5EF4-FFF2-40B4-BE49-F238E27FC236}">
-                <a16:creationId xmlns:a16="http://schemas.microsoft.com/office/drawing/2014/main" id="{D0D4AAC0-234D-1A4F-D6F0-568A944CD8B2}"/>
+                <a16:creationId xmlns:a16="http://schemas.microsoft.com/office/drawing/2014/main" id="{5B5CE8C8-E716-CDB5-3B26-CE8CED05A8DD}"/>
               </a:ext>
             </a:extLst>
           </p:cNvPr>
-          <p:cNvPicPr>
-            <a:picLocks noChangeAspect="1"/>
-          </p:cNvPicPr>
+          <p:cNvSpPr/>
           <p:nvPr/>
-        </p:nvPicPr>
-        <p:blipFill>
-          <a:blip r:embed="rId5"/>
-          <a:stretch>
-            <a:fillRect/>
-          </a:stretch>
-        </p:blipFill>
-        <p:spPr>
-          <a:xfrm>
-            <a:off x="8016815" y="5856965"/>
-            <a:ext cx="2743200" cy="406182"/>
+        </p:nvSpPr>
+        <p:spPr>
+          <a:xfrm>
+            <a:off x="6983957" y="5425889"/>
+            <a:ext cx="1940943" cy="646981"/>
           </a:xfrm>
           <a:prstGeom prst="rect">
             <a:avLst/>
           </a:prstGeom>
         </p:spPr>
-      </p:pic>
+        <p:style>
+          <a:lnRef idx="2">
+            <a:schemeClr val="accent1">
+              <a:shade val="15000"/>
+            </a:schemeClr>
+          </a:lnRef>
+          <a:fillRef idx="1">
+            <a:schemeClr val="accent1"/>
+          </a:fillRef>
+          <a:effectRef idx="0">
+            <a:schemeClr val="accent1"/>
+          </a:effectRef>
+          <a:fontRef idx="minor">
+            <a:schemeClr val="lt1"/>
+          </a:fontRef>
+        </p:style>
+        <p:txBody>
+          <a:bodyPr lIns="91440" tIns="45720" rIns="91440" bIns="45720" rtlCol="0" anchor="ctr"/>
+          <a:lstStyle/>
+          <a:p>
+            <a:pPr algn="ctr"/>
+            <a:r>
+              <a:rPr lang="vi-VN" err="1">
+                <a:latin typeface="Arial"/>
+                <a:cs typeface="Arial"/>
+              </a:rPr>
+              <a:t>Intialized</a:t>
+            </a:r>
+            <a:r>
+              <a:rPr lang="vi-VN">
+                <a:latin typeface="Arial"/>
+                <a:cs typeface="Arial"/>
+              </a:rPr>
+              <a:t> </a:t>
+            </a:r>
+            <a:r>
+              <a:rPr lang="vi-VN" err="1">
+                <a:latin typeface="Arial"/>
+                <a:cs typeface="Arial"/>
+              </a:rPr>
+              <a:t>data</a:t>
+            </a:r>
+            <a:r>
+              <a:rPr lang="vi-VN">
+                <a:latin typeface="Arial"/>
+                <a:cs typeface="Arial"/>
+              </a:rPr>
+              <a:t> </a:t>
+            </a:r>
+            <a:r>
+              <a:rPr lang="vi-VN" err="1">
+                <a:latin typeface="Arial"/>
+                <a:cs typeface="Arial"/>
+              </a:rPr>
+              <a:t>segment</a:t>
+            </a:r>
+          </a:p>
+        </p:txBody>
+      </p:sp>
+      <p:sp>
+        <p:nvSpPr>
+          <p:cNvPr id="9" name="Hình chữ nhật 8">
+            <a:extLst>
+              <a:ext uri="{FF2B5EF4-FFF2-40B4-BE49-F238E27FC236}">
+                <a16:creationId xmlns:a16="http://schemas.microsoft.com/office/drawing/2014/main" id="{171A775D-1A70-13E2-7BEA-0D99B351157E}"/>
+              </a:ext>
+            </a:extLst>
+          </p:cNvPr>
+          <p:cNvSpPr/>
+          <p:nvPr/>
+        </p:nvSpPr>
+        <p:spPr>
+          <a:xfrm>
+            <a:off x="6983956" y="6072870"/>
+            <a:ext cx="1940943" cy="646981"/>
+          </a:xfrm>
+          <a:prstGeom prst="rect">
+            <a:avLst/>
+          </a:prstGeom>
+        </p:spPr>
+        <p:style>
+          <a:lnRef idx="2">
+            <a:schemeClr val="accent1">
+              <a:shade val="15000"/>
+            </a:schemeClr>
+          </a:lnRef>
+          <a:fillRef idx="1">
+            <a:schemeClr val="accent1"/>
+          </a:fillRef>
+          <a:effectRef idx="0">
+            <a:schemeClr val="accent1"/>
+          </a:effectRef>
+          <a:fontRef idx="minor">
+            <a:schemeClr val="lt1"/>
+          </a:fontRef>
+        </p:style>
+        <p:txBody>
+          <a:bodyPr lIns="91440" tIns="45720" rIns="91440" bIns="45720" rtlCol="0" anchor="ctr"/>
+          <a:lstStyle/>
+          <a:p>
+            <a:pPr algn="ctr"/>
+            <a:r>
+              <a:rPr lang="vi-VN" err="1">
+                <a:latin typeface="Arial"/>
+                <a:cs typeface="Arial"/>
+              </a:rPr>
+              <a:t>Text</a:t>
+            </a:r>
+            <a:r>
+              <a:rPr lang="vi-VN">
+                <a:latin typeface="Arial"/>
+                <a:cs typeface="Arial"/>
+              </a:rPr>
+              <a:t> </a:t>
+            </a:r>
+            <a:r>
+              <a:rPr lang="vi-VN" err="1">
+                <a:latin typeface="Arial"/>
+                <a:cs typeface="Arial"/>
+              </a:rPr>
+              <a:t>segment</a:t>
+            </a:r>
+          </a:p>
+        </p:txBody>
+      </p:sp>
+      <p:sp>
+        <p:nvSpPr>
+          <p:cNvPr id="10" name="Mũi tên: Xuống 9">
+            <a:extLst>
+              <a:ext uri="{FF2B5EF4-FFF2-40B4-BE49-F238E27FC236}">
+                <a16:creationId xmlns:a16="http://schemas.microsoft.com/office/drawing/2014/main" id="{67AB9A99-4029-375F-1056-5686016BCEB4}"/>
+              </a:ext>
+            </a:extLst>
+          </p:cNvPr>
+          <p:cNvSpPr/>
+          <p:nvPr/>
+        </p:nvSpPr>
+        <p:spPr>
+          <a:xfrm>
+            <a:off x="9190257" y="3035811"/>
+            <a:ext cx="287547" cy="3594339"/>
+          </a:xfrm>
+          <a:prstGeom prst="downArrow">
+            <a:avLst/>
+          </a:prstGeom>
+        </p:spPr>
+        <p:style>
+          <a:lnRef idx="2">
+            <a:schemeClr val="accent1">
+              <a:shade val="15000"/>
+            </a:schemeClr>
+          </a:lnRef>
+          <a:fillRef idx="1">
+            <a:schemeClr val="accent1"/>
+          </a:fillRef>
+          <a:effectRef idx="0">
+            <a:schemeClr val="accent1"/>
+          </a:effectRef>
+          <a:fontRef idx="minor">
+            <a:schemeClr val="lt1"/>
+          </a:fontRef>
+        </p:style>
+        <p:txBody>
+          <a:bodyPr rtlCol="0" anchor="ctr"/>
+          <a:lstStyle/>
+          <a:p>
+            <a:pPr algn="ctr"/>
+            <a:endParaRPr lang="vi-VN"/>
+          </a:p>
+        </p:txBody>
+      </p:sp>
+      <p:sp>
+        <p:nvSpPr>
+          <p:cNvPr id="11" name="Hộp Văn bản 10">
+            <a:extLst>
+              <a:ext uri="{FF2B5EF4-FFF2-40B4-BE49-F238E27FC236}">
+                <a16:creationId xmlns:a16="http://schemas.microsoft.com/office/drawing/2014/main" id="{BEB4585F-BB5C-9CA8-E7F7-1EBE3239771C}"/>
+              </a:ext>
+            </a:extLst>
+          </p:cNvPr>
+          <p:cNvSpPr txBox="1"/>
+          <p:nvPr/>
+        </p:nvSpPr>
+        <p:spPr>
+          <a:xfrm>
+            <a:off x="9719718" y="2934231"/>
+            <a:ext cx="1641205" cy="369332"/>
+          </a:xfrm>
+          <a:prstGeom prst="rect">
+            <a:avLst/>
+          </a:prstGeom>
+          <a:noFill/>
+        </p:spPr>
+        <p:txBody>
+          <a:bodyPr rot="0" spcFirstLastPara="0" vertOverflow="overflow" horzOverflow="overflow" vert="horz" wrap="square" lIns="91440" tIns="45720" rIns="91440" bIns="45720" numCol="1" spcCol="0" rtlCol="0" fromWordArt="0" anchor="t" anchorCtr="0" forceAA="0" compatLnSpc="1">
+            <a:prstTxWarp prst="textNoShape">
+              <a:avLst/>
+            </a:prstTxWarp>
+            <a:spAutoFit/>
+          </a:bodyPr>
+          <a:lstStyle/>
+          <a:p>
+            <a:r>
+              <a:rPr lang="vi-VN" err="1">
+                <a:latin typeface="Arial"/>
+                <a:cs typeface="Arial"/>
+              </a:rPr>
+              <a:t>High</a:t>
+            </a:r>
+            <a:r>
+              <a:rPr lang="vi-VN">
+                <a:latin typeface="Arial"/>
+                <a:cs typeface="Arial"/>
+              </a:rPr>
+              <a:t> </a:t>
+            </a:r>
+            <a:r>
+              <a:rPr lang="vi-VN" err="1">
+                <a:latin typeface="Arial"/>
+                <a:cs typeface="Arial"/>
+              </a:rPr>
+              <a:t>address</a:t>
+            </a:r>
+          </a:p>
+        </p:txBody>
+      </p:sp>
+      <p:sp>
+        <p:nvSpPr>
+          <p:cNvPr id="14" name="Hộp Văn bản 13">
+            <a:extLst>
+              <a:ext uri="{FF2B5EF4-FFF2-40B4-BE49-F238E27FC236}">
+                <a16:creationId xmlns:a16="http://schemas.microsoft.com/office/drawing/2014/main" id="{7E7C3637-0EE0-210E-C575-E141F91443FC}"/>
+              </a:ext>
+            </a:extLst>
+          </p:cNvPr>
+          <p:cNvSpPr txBox="1"/>
+          <p:nvPr/>
+        </p:nvSpPr>
+        <p:spPr>
+          <a:xfrm>
+            <a:off x="9889434" y="6278217"/>
+            <a:ext cx="1490869" cy="369332"/>
+          </a:xfrm>
+          <a:prstGeom prst="rect">
+            <a:avLst/>
+          </a:prstGeom>
+          <a:noFill/>
+        </p:spPr>
+        <p:txBody>
+          <a:bodyPr rot="0" spcFirstLastPara="0" vertOverflow="overflow" horzOverflow="overflow" vert="horz" wrap="square" lIns="91440" tIns="45720" rIns="91440" bIns="45720" numCol="1" spcCol="0" rtlCol="0" fromWordArt="0" anchor="t" anchorCtr="0" forceAA="0" compatLnSpc="1">
+            <a:prstTxWarp prst="textNoShape">
+              <a:avLst/>
+            </a:prstTxWarp>
+            <a:spAutoFit/>
+          </a:bodyPr>
+          <a:lstStyle/>
+          <a:p>
+            <a:r>
+              <a:rPr lang="vi-VN" err="1">
+                <a:latin typeface="Arial"/>
+                <a:cs typeface="Arial"/>
+              </a:rPr>
+              <a:t>Low</a:t>
+            </a:r>
+            <a:r>
+              <a:rPr lang="vi-VN">
+                <a:latin typeface="Arial"/>
+                <a:cs typeface="Arial"/>
+              </a:rPr>
+              <a:t> </a:t>
+            </a:r>
+            <a:r>
+              <a:rPr lang="vi-VN" err="1">
+                <a:latin typeface="Arial"/>
+                <a:cs typeface="Arial"/>
+              </a:rPr>
+              <a:t>address</a:t>
+            </a:r>
+            <a:endParaRPr lang="vi-VN" err="1"/>
+          </a:p>
+        </p:txBody>
+      </p:sp>
+      <p:sp>
+        <p:nvSpPr>
+          <p:cNvPr id="15" name="Mũi tên: Lên-Xuống 14">
+            <a:extLst>
+              <a:ext uri="{FF2B5EF4-FFF2-40B4-BE49-F238E27FC236}">
+                <a16:creationId xmlns:a16="http://schemas.microsoft.com/office/drawing/2014/main" id="{6A048B75-75C6-7C17-DBA9-1A039E88F753}"/>
+              </a:ext>
+            </a:extLst>
+          </p:cNvPr>
+          <p:cNvSpPr/>
+          <p:nvPr/>
+        </p:nvSpPr>
+        <p:spPr>
+          <a:xfrm>
+            <a:off x="6443869" y="2932043"/>
+            <a:ext cx="316301" cy="1653396"/>
+          </a:xfrm>
+          <a:prstGeom prst="upDownArrow">
+            <a:avLst/>
+          </a:prstGeom>
+        </p:spPr>
+        <p:style>
+          <a:lnRef idx="2">
+            <a:schemeClr val="accent1">
+              <a:shade val="15000"/>
+            </a:schemeClr>
+          </a:lnRef>
+          <a:fillRef idx="1">
+            <a:schemeClr val="accent1"/>
+          </a:fillRef>
+          <a:effectRef idx="0">
+            <a:schemeClr val="accent1"/>
+          </a:effectRef>
+          <a:fontRef idx="minor">
+            <a:schemeClr val="lt1"/>
+          </a:fontRef>
+        </p:style>
+        <p:txBody>
+          <a:bodyPr rtlCol="0" anchor="ctr"/>
+          <a:lstStyle/>
+          <a:p>
+            <a:pPr algn="ctr"/>
+            <a:endParaRPr lang="vi-VN"/>
+          </a:p>
+        </p:txBody>
+      </p:sp>
+      <p:sp>
+        <p:nvSpPr>
+          <p:cNvPr id="16" name="Mũi tên: Lên-Xuống 15">
+            <a:extLst>
+              <a:ext uri="{FF2B5EF4-FFF2-40B4-BE49-F238E27FC236}">
+                <a16:creationId xmlns:a16="http://schemas.microsoft.com/office/drawing/2014/main" id="{C71C9A5B-36DD-EEF6-17A8-1BCF413E8F19}"/>
+              </a:ext>
+            </a:extLst>
+          </p:cNvPr>
+          <p:cNvSpPr/>
+          <p:nvPr/>
+        </p:nvSpPr>
+        <p:spPr>
+          <a:xfrm>
+            <a:off x="6477000" y="4919869"/>
+            <a:ext cx="258792" cy="1710905"/>
+          </a:xfrm>
+          <a:prstGeom prst="upDownArrow">
+            <a:avLst/>
+          </a:prstGeom>
+        </p:spPr>
+        <p:style>
+          <a:lnRef idx="2">
+            <a:schemeClr val="accent1">
+              <a:shade val="15000"/>
+            </a:schemeClr>
+          </a:lnRef>
+          <a:fillRef idx="1">
+            <a:schemeClr val="accent1"/>
+          </a:fillRef>
+          <a:effectRef idx="0">
+            <a:schemeClr val="accent1"/>
+          </a:effectRef>
+          <a:fontRef idx="minor">
+            <a:schemeClr val="lt1"/>
+          </a:fontRef>
+        </p:style>
+        <p:txBody>
+          <a:bodyPr rtlCol="0" anchor="ctr"/>
+          <a:lstStyle/>
+          <a:p>
+            <a:pPr algn="ctr"/>
+            <a:endParaRPr lang="vi-VN"/>
+          </a:p>
+        </p:txBody>
+      </p:sp>
+      <p:sp>
+        <p:nvSpPr>
+          <p:cNvPr id="17" name="Hộp Văn bản 16">
+            <a:extLst>
+              <a:ext uri="{FF2B5EF4-FFF2-40B4-BE49-F238E27FC236}">
+                <a16:creationId xmlns:a16="http://schemas.microsoft.com/office/drawing/2014/main" id="{2D2802CE-5BD3-C85B-2DB7-47FED8075D3E}"/>
+              </a:ext>
+            </a:extLst>
+          </p:cNvPr>
+          <p:cNvSpPr txBox="1"/>
+          <p:nvPr/>
+        </p:nvSpPr>
+        <p:spPr>
+          <a:xfrm>
+            <a:off x="5447055" y="3300854"/>
+            <a:ext cx="1095518" cy="923330"/>
+          </a:xfrm>
+          <a:prstGeom prst="rect">
+            <a:avLst/>
+          </a:prstGeom>
+          <a:noFill/>
+        </p:spPr>
+        <p:txBody>
+          <a:bodyPr rot="0" spcFirstLastPara="0" vertOverflow="overflow" horzOverflow="overflow" vert="horz" wrap="square" lIns="91440" tIns="45720" rIns="91440" bIns="45720" numCol="1" spcCol="0" rtlCol="0" fromWordArt="0" anchor="t" anchorCtr="0" forceAA="0" compatLnSpc="1">
+            <a:prstTxWarp prst="textNoShape">
+              <a:avLst/>
+            </a:prstTxWarp>
+            <a:spAutoFit/>
+          </a:bodyPr>
+          <a:lstStyle/>
+          <a:p>
+            <a:r>
+              <a:rPr lang="vi-VN">
+                <a:latin typeface="Arial"/>
+                <a:cs typeface="Arial"/>
+              </a:rPr>
+              <a:t>Dynamic</a:t>
+            </a:r>
+            <a:r>
+              <a:rPr lang="vi-VN" dirty="0">
+                <a:latin typeface="Arial"/>
+                <a:cs typeface="Arial"/>
+              </a:rPr>
+              <a:t> </a:t>
+            </a:r>
+            <a:r>
+              <a:rPr lang="vi-VN" err="1">
+                <a:latin typeface="Arial"/>
+                <a:cs typeface="Arial"/>
+              </a:rPr>
+              <a:t>memory</a:t>
+            </a:r>
+            <a:r>
+              <a:rPr lang="vi-VN" dirty="0">
+                <a:latin typeface="Arial"/>
+                <a:cs typeface="Arial"/>
+              </a:rPr>
+              <a:t> </a:t>
+            </a:r>
+            <a:r>
+              <a:rPr lang="vi-VN" err="1">
+                <a:latin typeface="Arial"/>
+                <a:cs typeface="Arial"/>
+              </a:rPr>
+              <a:t>layout</a:t>
+            </a:r>
+            <a:endParaRPr lang="vi-VN" err="1"/>
+          </a:p>
+        </p:txBody>
+      </p:sp>
+      <p:sp>
+        <p:nvSpPr>
+          <p:cNvPr id="18" name="Hộp Văn bản 17">
+            <a:extLst>
+              <a:ext uri="{FF2B5EF4-FFF2-40B4-BE49-F238E27FC236}">
+                <a16:creationId xmlns:a16="http://schemas.microsoft.com/office/drawing/2014/main" id="{AE52931B-D6CD-57E7-2665-206CB1A57211}"/>
+              </a:ext>
+            </a:extLst>
+          </p:cNvPr>
+          <p:cNvSpPr txBox="1"/>
+          <p:nvPr/>
+        </p:nvSpPr>
+        <p:spPr>
+          <a:xfrm>
+            <a:off x="5308995" y="5098023"/>
+            <a:ext cx="1046672" cy="923330"/>
+          </a:xfrm>
+          <a:prstGeom prst="rect">
+            <a:avLst/>
+          </a:prstGeom>
+          <a:noFill/>
+        </p:spPr>
+        <p:txBody>
+          <a:bodyPr rot="0" spcFirstLastPara="0" vertOverflow="overflow" horzOverflow="overflow" vert="horz" wrap="square" lIns="91440" tIns="45720" rIns="91440" bIns="45720" numCol="1" spcCol="0" rtlCol="0" fromWordArt="0" anchor="t" anchorCtr="0" forceAA="0" compatLnSpc="1">
+            <a:prstTxWarp prst="textNoShape">
+              <a:avLst/>
+            </a:prstTxWarp>
+            <a:spAutoFit/>
+          </a:bodyPr>
+          <a:lstStyle/>
+          <a:p>
+            <a:r>
+              <a:rPr lang="vi-VN" err="1">
+                <a:latin typeface="Arial"/>
+                <a:cs typeface="Arial"/>
+              </a:rPr>
+              <a:t>Static</a:t>
+            </a:r>
+            <a:r>
+              <a:rPr lang="vi-VN">
+                <a:latin typeface="Arial"/>
+                <a:cs typeface="Arial"/>
+              </a:rPr>
+              <a:t> </a:t>
+            </a:r>
+            <a:r>
+              <a:rPr lang="vi-VN" err="1">
+                <a:latin typeface="Arial"/>
+                <a:cs typeface="Arial"/>
+              </a:rPr>
+              <a:t>memory</a:t>
+            </a:r>
+            <a:r>
+              <a:rPr lang="vi-VN">
+                <a:latin typeface="Arial"/>
+                <a:cs typeface="Arial"/>
+              </a:rPr>
+              <a:t> </a:t>
+            </a:r>
+            <a:r>
+              <a:rPr lang="vi-VN" err="1">
+                <a:latin typeface="Arial"/>
+                <a:cs typeface="Arial"/>
+              </a:rPr>
+              <a:t>layout</a:t>
+            </a:r>
+            <a:endParaRPr lang="vi-VN" err="1"/>
+          </a:p>
+        </p:txBody>
+      </p:sp>
     </p:spTree>
     <p:extLst>
       <p:ext uri="{BB962C8B-B14F-4D97-AF65-F5344CB8AC3E}">
-        <p14:creationId xmlns:p14="http://schemas.microsoft.com/office/powerpoint/2010/main" val="1877555810"/>
+        <p14:creationId xmlns:p14="http://schemas.microsoft.com/office/powerpoint/2010/main" val="2152315382"/>
       </p:ext>
     </p:extLst>
   </p:cSld>
@@ -19064,34 +19227,34 @@
           <a:lstStyle/>
           <a:p>
             <a:r>
-              <a:rPr lang="vi-VN" dirty="0">
+              <a:rPr lang="vi-VN">
                 <a:latin typeface="Times New Roman"/>
                 <a:cs typeface="Times New Roman"/>
               </a:rPr>
               <a:t>I.2.Initialize </a:t>
             </a:r>
             <a:r>
-              <a:rPr lang="vi-VN" dirty="0" err="1">
+              <a:rPr lang="vi-VN" err="1">
                 <a:latin typeface="Times New Roman"/>
                 <a:cs typeface="Times New Roman"/>
               </a:rPr>
               <a:t>data</a:t>
             </a:r>
             <a:r>
-              <a:rPr lang="vi-VN" dirty="0">
+              <a:rPr lang="vi-VN">
                 <a:latin typeface="Times New Roman"/>
                 <a:cs typeface="Times New Roman"/>
               </a:rPr>
               <a:t> </a:t>
             </a:r>
             <a:r>
-              <a:rPr lang="vi-VN" dirty="0" err="1">
+              <a:rPr lang="vi-VN" err="1">
                 <a:latin typeface="Times New Roman"/>
                 <a:cs typeface="Times New Roman"/>
               </a:rPr>
               <a:t>segment</a:t>
             </a:r>
-            <a:endParaRPr lang="vi-VN" dirty="0" err="1"/>
+            <a:endParaRPr lang="vi-VN" err="1"/>
           </a:p>
         </p:txBody>
       </p:sp>
@@ -19124,7 +19287,7 @@
           <a:lstStyle/>
           <a:p>
             <a:r>
-              <a:rPr lang="vi-VN" dirty="0" err="1">
+              <a:rPr lang="vi-VN" err="1">
                 <a:solidFill>
                   <a:srgbClr val="FFFFFF"/>
                 </a:solidFill>
@@ -19135,7 +19298,7 @@
               <a:t>Initialized</a:t>
             </a:r>
             <a:r>
-              <a:rPr lang="vi-VN" dirty="0">
+              <a:rPr lang="vi-VN">
                 <a:solidFill>
                   <a:srgbClr val="FFFFFF"/>
                 </a:solidFill>
@@ -19146,7 +19309,7 @@
               <a:t> </a:t>
             </a:r>
             <a:r>
-              <a:rPr lang="vi-VN" dirty="0" err="1">
+              <a:rPr lang="vi-VN" err="1">
                 <a:solidFill>
                   <a:srgbClr val="FFFFFF"/>
                 </a:solidFill>
@@ -19157,7 +19320,7 @@
               <a:t>Data</a:t>
             </a:r>
             <a:r>
-              <a:rPr lang="vi-VN" dirty="0">
+              <a:rPr lang="vi-VN">
                 <a:solidFill>
                   <a:srgbClr val="FFFFFF"/>
                 </a:solidFill>
@@ -19168,7 +19331,7 @@
               <a:t> </a:t>
             </a:r>
             <a:r>
-              <a:rPr lang="vi-VN" dirty="0" err="1">
+              <a:rPr lang="vi-VN" err="1">
                 <a:solidFill>
                   <a:srgbClr val="FFFFFF"/>
                 </a:solidFill>
@@ -19179,7 +19342,7 @@
               <a:t>Segment</a:t>
             </a:r>
             <a:r>
-              <a:rPr lang="vi-VN" dirty="0">
+              <a:rPr lang="vi-VN">
                 <a:solidFill>
                   <a:srgbClr val="FFFFFF"/>
                 </a:solidFill>
@@ -19190,7 +19353,7 @@
               <a:t> ( </a:t>
             </a:r>
             <a:r>
-              <a:rPr lang="vi-VN" dirty="0" err="1">
+              <a:rPr lang="vi-VN" err="1">
                 <a:solidFill>
                   <a:srgbClr val="FFFFFF"/>
                 </a:solidFill>
@@ -19201,7 +19364,7 @@
               <a:t>Data</a:t>
             </a:r>
             <a:r>
-              <a:rPr lang="vi-VN" dirty="0">
+              <a:rPr lang="vi-VN">
                 <a:solidFill>
                   <a:srgbClr val="FFFFFF"/>
                 </a:solidFill>
@@ -19212,7 +19375,7 @@
               <a:t> </a:t>
             </a:r>
             <a:r>
-              <a:rPr lang="vi-VN" dirty="0" err="1">
+              <a:rPr lang="vi-VN" err="1">
                 <a:solidFill>
                   <a:srgbClr val="FFFFFF"/>
                 </a:solidFill>
@@ -19223,7 +19386,7 @@
               <a:t>Segment</a:t>
             </a:r>
             <a:r>
-              <a:rPr lang="vi-VN" dirty="0">
+              <a:rPr lang="vi-VN">
                 <a:solidFill>
                   <a:srgbClr val="FFFFFF"/>
                 </a:solidFill>
@@ -19234,7 +19397,7 @@
               <a:t> ) là nơi lưu trữ </a:t>
             </a:r>
             <a:r>
-              <a:rPr lang="vi-VN" dirty="0" err="1">
+              <a:rPr lang="vi-VN" err="1">
                 <a:solidFill>
                   <a:srgbClr val="FFFFFF"/>
                 </a:solidFill>
@@ -19245,7 +19408,7 @@
               <a:t>global</a:t>
             </a:r>
             <a:r>
-              <a:rPr lang="vi-VN" dirty="0">
+              <a:rPr lang="vi-VN">
                 <a:solidFill>
                   <a:srgbClr val="FFFFFF"/>
                 </a:solidFill>
@@ -19256,7 +19419,7 @@
               <a:t> </a:t>
             </a:r>
             <a:r>
-              <a:rPr lang="vi-VN" dirty="0" err="1">
+              <a:rPr lang="vi-VN" err="1">
                 <a:solidFill>
                   <a:srgbClr val="FFFFFF"/>
                 </a:solidFill>
@@ -19267,7 +19430,7 @@
               <a:t>variables</a:t>
             </a:r>
             <a:r>
-              <a:rPr lang="vi-VN" dirty="0">
+              <a:rPr lang="vi-VN">
                 <a:solidFill>
                   <a:srgbClr val="FFFFFF"/>
                 </a:solidFill>
@@ -19278,7 +19441,7 @@
               <a:t>, </a:t>
             </a:r>
             <a:r>
-              <a:rPr lang="vi-VN" dirty="0" err="1">
+              <a:rPr lang="vi-VN" err="1">
                 <a:solidFill>
                   <a:srgbClr val="FFFFFF"/>
                 </a:solidFill>
@@ -19289,7 +19452,7 @@
               <a:t>static</a:t>
             </a:r>
             <a:r>
-              <a:rPr lang="vi-VN" dirty="0">
+              <a:rPr lang="vi-VN">
                 <a:solidFill>
                   <a:srgbClr val="FFFFFF"/>
                 </a:solidFill>
@@ -19300,7 +19463,7 @@
               <a:t> </a:t>
             </a:r>
             <a:r>
-              <a:rPr lang="vi-VN" dirty="0" err="1">
+              <a:rPr lang="vi-VN" err="1">
                 <a:solidFill>
                   <a:srgbClr val="FFFFFF"/>
                 </a:solidFill>
@@ -19311,7 +19474,7 @@
               <a:t>variables</a:t>
             </a:r>
             <a:r>
-              <a:rPr lang="vi-VN" dirty="0">
+              <a:rPr lang="vi-VN">
                 <a:solidFill>
                   <a:srgbClr val="FFFFFF"/>
                 </a:solidFill>
@@ -19322,7 +19485,7 @@
               <a:t> với điều kiện các biến này được khởi tạo bởi </a:t>
             </a:r>
             <a:r>
-              <a:rPr lang="vi-VN" dirty="0" err="1">
+              <a:rPr lang="vi-VN" err="1">
                 <a:solidFill>
                   <a:srgbClr val="FFFFFF"/>
                 </a:solidFill>
@@ -19333,7 +19496,7 @@
               <a:t>programmer</a:t>
             </a:r>
             <a:r>
-              <a:rPr lang="vi-VN" dirty="0">
+              <a:rPr lang="vi-VN">
                 <a:solidFill>
                   <a:srgbClr val="FFFFFF"/>
                 </a:solidFill>
@@ -19343,7 +19506,7 @@
               </a:rPr>
               <a:t> với giá trị xác địch (khác 0).</a:t>
             </a:r>
-            <a:endParaRPr lang="vi-VN" dirty="0">
+            <a:endParaRPr lang="vi-VN">
               <a:solidFill>
                 <a:srgbClr val="FFFFFF"/>
               </a:solidFill>
@@ -19551,7 +19714,7 @@
           <a:lstStyle/>
           <a:p>
             <a:r>
-              <a:rPr lang="vi-VN" dirty="0">
+              <a:rPr lang="vi-VN">
                 <a:solidFill>
                   <a:srgbClr val="FFFFFF"/>
                 </a:solidFill>
@@ -19562,7 +19725,7 @@
               <a:t>Có thể phân thành 2 loại : </a:t>
             </a:r>
             <a:r>
-              <a:rPr lang="vi-VN" dirty="0" err="1">
+              <a:rPr lang="vi-VN" err="1">
                 <a:solidFill>
                   <a:srgbClr val="FFFFFF"/>
                 </a:solidFill>
@@ -19573,7 +19736,7 @@
               <a:t>initializedread-only</a:t>
             </a:r>
             <a:r>
-              <a:rPr lang="vi-VN" dirty="0">
+              <a:rPr lang="vi-VN">
                 <a:solidFill>
                   <a:srgbClr val="FFFFFF"/>
                 </a:solidFill>
@@ -19584,7 +19747,7 @@
               <a:t> </a:t>
             </a:r>
             <a:r>
-              <a:rPr lang="vi-VN" dirty="0" err="1">
+              <a:rPr lang="vi-VN" err="1">
                 <a:solidFill>
                   <a:srgbClr val="FFFFFF"/>
                 </a:solidFill>
@@ -19595,7 +19758,7 @@
               <a:t>area</a:t>
             </a:r>
             <a:r>
-              <a:rPr lang="vi-VN" dirty="0">
+              <a:rPr lang="vi-VN">
                 <a:solidFill>
                   <a:srgbClr val="FFFFFF"/>
                 </a:solidFill>
@@ -19606,7 +19769,7 @@
               <a:t> và  </a:t>
             </a:r>
             <a:r>
-              <a:rPr lang="vi-VN" dirty="0" err="1">
+              <a:rPr lang="vi-VN" err="1">
                 <a:solidFill>
                   <a:srgbClr val="FFFFFF"/>
                 </a:solidFill>
@@ -19617,7 +19780,7 @@
               <a:t>initialized</a:t>
             </a:r>
             <a:r>
-              <a:rPr lang="vi-VN" dirty="0">
+              <a:rPr lang="vi-VN">
                 <a:solidFill>
                   <a:srgbClr val="FFFFFF"/>
                 </a:solidFill>
@@ -19628,7 +19791,7 @@
               <a:t> </a:t>
             </a:r>
             <a:r>
-              <a:rPr lang="vi-VN" dirty="0" err="1">
+              <a:rPr lang="vi-VN" err="1">
                 <a:solidFill>
                   <a:srgbClr val="FFFFFF"/>
                 </a:solidFill>
@@ -19639,7 +19802,7 @@
               <a:t>read-write</a:t>
             </a:r>
             <a:r>
-              <a:rPr lang="vi-VN" dirty="0">
+              <a:rPr lang="vi-VN">
                 <a:solidFill>
                   <a:srgbClr val="FFFFFF"/>
                 </a:solidFill>
@@ -19650,7 +19813,7 @@
               <a:t> </a:t>
             </a:r>
             <a:r>
-              <a:rPr lang="vi-VN" dirty="0" err="1">
+              <a:rPr lang="vi-VN" err="1">
                 <a:solidFill>
                   <a:srgbClr val="FFFFFF"/>
                 </a:solidFill>
@@ -19661,7 +19824,7 @@
               <a:t>area</a:t>
             </a:r>
             <a:r>
-              <a:rPr lang="vi-VN" dirty="0">
+              <a:rPr lang="vi-VN">
                 <a:solidFill>
                   <a:srgbClr val="FFFFFF"/>
                 </a:solidFill>
@@ -19671,7 +19834,7 @@
               </a:rPr>
               <a:t>.</a:t>
             </a:r>
-            <a:endParaRPr lang="vi-VN" dirty="0"/>
+            <a:endParaRPr lang="vi-VN"/>
           </a:p>
         </p:txBody>
       </p:sp>
@@ -19727,35 +19890,35 @@
           <a:lstStyle/>
           <a:p>
             <a:r>
-              <a:rPr lang="vi-VN" dirty="0">
+              <a:rPr lang="vi-VN">
                 <a:latin typeface="Times New Roman"/>
                 <a:cs typeface="Times New Roman"/>
               </a:rPr>
               <a:t>I.3.Uninitialized </a:t>
             </a:r>
             <a:r>
-              <a:rPr lang="vi-VN" dirty="0" err="1">
+              <a:rPr lang="vi-VN" err="1">
                 <a:latin typeface="Times New Roman"/>
                 <a:cs typeface="Times New Roman"/>
               </a:rPr>
               <a:t>Data</a:t>
             </a:r>
             <a:r>
-              <a:rPr lang="vi-VN" dirty="0">
+              <a:rPr lang="vi-VN">
                 <a:latin typeface="Times New Roman"/>
                 <a:cs typeface="Times New Roman"/>
               </a:rPr>
               <a:t> </a:t>
             </a:r>
             <a:r>
-              <a:rPr lang="vi-VN" dirty="0" err="1">
+              <a:rPr lang="vi-VN" err="1">
                 <a:latin typeface="Times New Roman"/>
                 <a:cs typeface="Times New Roman"/>
               </a:rPr>
               <a:t>Segment</a:t>
             </a:r>
             <a:r>
-              <a:rPr lang="vi-VN" dirty="0">
+              <a:rPr lang="vi-VN">
                 <a:latin typeface="Times New Roman"/>
                 <a:cs typeface="Times New Roman"/>
               </a:rPr>
@@ -19788,7 +19951,7 @@
           <a:lstStyle/>
           <a:p>
             <a:r>
-              <a:rPr lang="vi-VN" dirty="0" err="1">
+              <a:rPr lang="vi-VN" err="1">
                 <a:solidFill>
                   <a:srgbClr val="FFFFFF"/>
                 </a:solidFill>
@@ -19799,7 +19962,7 @@
               <a:t>Uninitialized</a:t>
             </a:r>
             <a:r>
-              <a:rPr lang="vi-VN" dirty="0">
+              <a:rPr lang="vi-VN">
                 <a:solidFill>
                   <a:srgbClr val="FFFFFF"/>
                 </a:solidFill>
@@ -19810,7 +19973,7 @@
               <a:t> </a:t>
             </a:r>
             <a:r>
-              <a:rPr lang="vi-VN" dirty="0" err="1">
+              <a:rPr lang="vi-VN" err="1">
                 <a:solidFill>
                   <a:srgbClr val="FFFFFF"/>
                 </a:solidFill>
@@ -19821,7 +19984,7 @@
               <a:t>Data</a:t>
             </a:r>
             <a:r>
-              <a:rPr lang="vi-VN" dirty="0">
+              <a:rPr lang="vi-VN">
                 <a:solidFill>
                   <a:srgbClr val="FFFFFF"/>
                 </a:solidFill>
@@ -19832,7 +19995,7 @@
               <a:t> </a:t>
             </a:r>
             <a:r>
-              <a:rPr lang="vi-VN" dirty="0" err="1">
+              <a:rPr lang="vi-VN" err="1">
                 <a:solidFill>
                   <a:srgbClr val="FFFFFF"/>
                 </a:solidFill>
@@ -19843,7 +20006,7 @@
               <a:t>Segment</a:t>
             </a:r>
             <a:r>
-              <a:rPr lang="vi-VN" dirty="0">
+              <a:rPr lang="vi-VN">
                 <a:solidFill>
                   <a:srgbClr val="FFFFFF"/>
                 </a:solidFill>
@@ -19854,7 +20017,7 @@
               <a:t> (BSS) là nơi lưu trữ </a:t>
             </a:r>
             <a:r>
-              <a:rPr lang="vi-VN" dirty="0" err="1">
+              <a:rPr lang="vi-VN" err="1">
                 <a:solidFill>
                   <a:srgbClr val="FFFFFF"/>
                 </a:solidFill>
@@ -19865,7 +20028,7 @@
               <a:t>global</a:t>
             </a:r>
             <a:r>
-              <a:rPr lang="vi-VN" dirty="0">
+              <a:rPr lang="vi-VN">
                 <a:solidFill>
                   <a:srgbClr val="FFFFFF"/>
                 </a:solidFill>
@@ -19876,7 +20039,7 @@
               <a:t> </a:t>
             </a:r>
             <a:r>
-              <a:rPr lang="vi-VN" dirty="0" err="1">
+              <a:rPr lang="vi-VN" err="1">
                 <a:solidFill>
                   <a:srgbClr val="FFFFFF"/>
                 </a:solidFill>
@@ -19887,7 +20050,7 @@
               <a:t>variables</a:t>
             </a:r>
             <a:r>
-              <a:rPr lang="vi-VN" dirty="0">
+              <a:rPr lang="vi-VN">
                 <a:solidFill>
                   <a:srgbClr val="FFFFFF"/>
                 </a:solidFill>
@@ -19898,7 +20061,7 @@
               <a:t>, </a:t>
             </a:r>
             <a:r>
-              <a:rPr lang="vi-VN" dirty="0" err="1">
+              <a:rPr lang="vi-VN" err="1">
                 <a:solidFill>
                   <a:srgbClr val="FFFFFF"/>
                 </a:solidFill>
@@ -19909,7 +20072,7 @@
               <a:t>static</a:t>
             </a:r>
             <a:r>
-              <a:rPr lang="vi-VN" dirty="0">
+              <a:rPr lang="vi-VN">
                 <a:solidFill>
                   <a:srgbClr val="FFFFFF"/>
                 </a:solidFill>
@@ -19920,7 +20083,7 @@
               <a:t> </a:t>
             </a:r>
             <a:r>
-              <a:rPr lang="vi-VN" dirty="0" err="1">
+              <a:rPr lang="vi-VN" err="1">
                 <a:solidFill>
                   <a:srgbClr val="FFFFFF"/>
                 </a:solidFill>
@@ -19931,7 +20094,7 @@
               <a:t>variables</a:t>
             </a:r>
             <a:r>
-              <a:rPr lang="vi-VN" dirty="0">
+              <a:rPr lang="vi-VN">
                 <a:solidFill>
                   <a:srgbClr val="FFFFFF"/>
                 </a:solidFill>
@@ -19941,7 +20104,7 @@
               </a:rPr>
               <a:t> không được khởi tạo hoặc khởi tạo với giá trị bằng 0.</a:t>
             </a:r>
-            <a:endParaRPr lang="vi-VN" dirty="0">
+            <a:endParaRPr lang="vi-VN">
               <a:solidFill>
                 <a:srgbClr val="FFFFFF"/>
               </a:solidFill>
@@ -20961,7 +21124,7 @@
           <p:cNvPr id="2" name="Tiêu đề 1">
             <a:extLst>
               <a:ext uri="{FF2B5EF4-FFF2-40B4-BE49-F238E27FC236}">
-                <a16:creationId xmlns:a16="http://schemas.microsoft.com/office/drawing/2014/main" id="{52CA225D-4781-E2B2-FE71-9328F08C8FEF}"/>
+                <a16:creationId xmlns:a16="http://schemas.microsoft.com/office/drawing/2014/main" id="{674D0266-FFE4-9FF3-AB63-B72C9DEC5EAF}"/>
               </a:ext>
             </a:extLst>
           </p:cNvPr>
@@ -20977,125 +21140,529 @@
           <a:bodyPr/>
           <a:lstStyle/>
           <a:p>
-            <a:r>
-              <a:rPr lang="vi-VN">
-                <a:latin typeface="Times New Roman"/>
-                <a:cs typeface="Times New Roman"/>
-              </a:rPr>
-              <a:t>II.Call stack</a:t>
-            </a:r>
             <a:endParaRPr lang="vi-VN"/>
           </a:p>
         </p:txBody>
       </p:sp>
-      <p:sp>
-        <p:nvSpPr>
-          <p:cNvPr id="3" name="Chỗ dành sẵn cho Nội dung 2">
+      <p:graphicFrame>
+        <p:nvGraphicFramePr>
+          <p:cNvPr id="4" name="Chỗ dành sẵn cho Nội dung 3">
             <a:extLst>
               <a:ext uri="{FF2B5EF4-FFF2-40B4-BE49-F238E27FC236}">
-                <a16:creationId xmlns:a16="http://schemas.microsoft.com/office/drawing/2014/main" id="{F941C4B0-A949-7411-4FD6-CE5EAE254BED}"/>
+                <a16:creationId xmlns:a16="http://schemas.microsoft.com/office/drawing/2014/main" id="{CFDA8C95-DD17-4670-613D-BB4C1E5EF01B}"/>
               </a:ext>
             </a:extLst>
           </p:cNvPr>
-          <p:cNvSpPr>
-            <a:spLocks noGrp="1"/>
-          </p:cNvSpPr>
+          <p:cNvGraphicFramePr>
+            <a:graphicFrameLocks noGrp="1"/>
+          </p:cNvGraphicFramePr>
           <p:nvPr>
             <p:ph idx="1"/>
+            <p:extLst>
+              <p:ext uri="{D42A27DB-BD31-4B8C-83A1-F6EECF244321}">
+                <p14:modId xmlns:p14="http://schemas.microsoft.com/office/powerpoint/2010/main" val="853765307"/>
+              </p:ext>
+            </p:extLst>
           </p:nvPr>
-        </p:nvSpPr>
-        <p:spPr/>
-        <p:txBody>
-          <a:bodyPr vert="horz" lIns="91440" tIns="45720" rIns="91440" bIns="45720" rtlCol="0" anchor="t">
-            <a:normAutofit/>
-          </a:bodyPr>
-          <a:lstStyle/>
-          <a:p>
-            <a:r>
-              <a:rPr lang="vi-VN" err="1">
-                <a:latin typeface="Arial"/>
-                <a:cs typeface="Arial"/>
-              </a:rPr>
-              <a:t>Callstack</a:t>
-            </a:r>
-            <a:r>
-              <a:rPr lang="vi-VN" dirty="0">
-                <a:latin typeface="Arial"/>
-                <a:cs typeface="Arial"/>
-              </a:rPr>
-              <a:t> là một cấu trúc </a:t>
-            </a:r>
-            <a:r>
-              <a:rPr lang="vi-VN" err="1">
-                <a:solidFill>
-                  <a:srgbClr val="FFFFFF"/>
-                </a:solidFill>
-                <a:latin typeface="Arial"/>
-                <a:ea typeface="+mn-lt"/>
-                <a:cs typeface="Arial"/>
-              </a:rPr>
-              <a:t>stack</a:t>
-            </a:r>
-            <a:r>
-              <a:rPr lang="vi-VN" dirty="0">
-                <a:solidFill>
-                  <a:srgbClr val="FFFFFF"/>
-                </a:solidFill>
-                <a:latin typeface="Arial"/>
-                <a:ea typeface="+mn-lt"/>
-                <a:cs typeface="Arial"/>
-              </a:rPr>
-              <a:t> chứa tất cả các cuộc gọi hàm, với các phần tử dưới cùng là hàm chính. Nó chứa thông tin về các chức năng hoạt động của chương trình. Nó cũng được gọi là </a:t>
-            </a:r>
-            <a:r>
-              <a:rPr lang="vi-VN" err="1">
-                <a:solidFill>
-                  <a:srgbClr val="FFFFFF"/>
-                </a:solidFill>
-                <a:latin typeface="Arial"/>
-                <a:ea typeface="+mn-lt"/>
-                <a:cs typeface="Arial"/>
-              </a:rPr>
-              <a:t>stack</a:t>
-            </a:r>
-            <a:r>
-              <a:rPr lang="vi-VN" dirty="0">
-                <a:solidFill>
-                  <a:srgbClr val="FFFFFF"/>
-                </a:solidFill>
-                <a:latin typeface="Arial"/>
-                <a:ea typeface="+mn-lt"/>
-                <a:cs typeface="Arial"/>
-              </a:rPr>
-              <a:t> chương trình.</a:t>
-            </a:r>
-          </a:p>
-          <a:p>
-            <a:r>
-              <a:rPr lang="vi-VN" dirty="0">
-                <a:solidFill>
-                  <a:srgbClr val="FFFFFF"/>
-                </a:solidFill>
-                <a:latin typeface="Arial"/>
-                <a:ea typeface="+mn-lt"/>
-                <a:cs typeface="Arial"/>
-              </a:rPr>
-              <a:t>Bất cứ khi nào một hàm mới được gọi, hàm đó sẽ được thêm vào đầu ngăn xếp cuộc gọi. Khi hàm hiện tại trở về với người gọi, nó sẽ bị xóa khỏi đầu ngăn xếp cuộc gọi và điều khiển trở về hàm ngay bên dưới nó.</a:t>
-            </a:r>
-            <a:endParaRPr lang="vi-VN" dirty="0">
-              <a:solidFill>
-                <a:srgbClr val="FFFFFF"/>
-              </a:solidFill>
-              <a:latin typeface="Arial" panose="020B0604020202020204" pitchFamily="34" charset="0"/>
-              <a:cs typeface="Arial" panose="020B0604020202020204" pitchFamily="34" charset="0"/>
-            </a:endParaRPr>
-          </a:p>
-        </p:txBody>
-      </p:sp>
+        </p:nvGraphicFramePr>
+        <p:xfrm>
+          <a:off x="681038" y="2336800"/>
+          <a:ext cx="9613899" cy="3312160"/>
+        </p:xfrm>
+        <a:graphic>
+          <a:graphicData uri="http://schemas.openxmlformats.org/drawingml/2006/table">
+            <a:tbl>
+              <a:tblPr firstRow="1" bandRow="1">
+                <a:tableStyleId>{5C22544A-7EE6-4342-B048-85BDC9FD1C3A}</a:tableStyleId>
+              </a:tblPr>
+              <a:tblGrid>
+                <a:gridCol w="3204633">
+                  <a:extLst>
+                    <a:ext uri="{9D8B030D-6E8A-4147-A177-3AD203B41FA5}">
+                      <a16:colId xmlns:a16="http://schemas.microsoft.com/office/drawing/2014/main" val="1050368251"/>
+                    </a:ext>
+                  </a:extLst>
+                </a:gridCol>
+                <a:gridCol w="3204633">
+                  <a:extLst>
+                    <a:ext uri="{9D8B030D-6E8A-4147-A177-3AD203B41FA5}">
+                      <a16:colId xmlns:a16="http://schemas.microsoft.com/office/drawing/2014/main" val="2601022159"/>
+                    </a:ext>
+                  </a:extLst>
+                </a:gridCol>
+                <a:gridCol w="3204633">
+                  <a:extLst>
+                    <a:ext uri="{9D8B030D-6E8A-4147-A177-3AD203B41FA5}">
+                      <a16:colId xmlns:a16="http://schemas.microsoft.com/office/drawing/2014/main" val="433567247"/>
+                    </a:ext>
+                  </a:extLst>
+                </a:gridCol>
+              </a:tblGrid>
+              <a:tr h="370840">
+                <a:tc>
+                  <a:txBody>
+                    <a:bodyPr/>
+                    <a:lstStyle/>
+                    <a:p>
+                      <a:endParaRPr lang="vi-VN"/>
+                    </a:p>
+                  </a:txBody>
+                  <a:tcPr/>
+                </a:tc>
+                <a:tc>
+                  <a:txBody>
+                    <a:bodyPr/>
+                    <a:lstStyle/>
+                    <a:p>
+                      <a:pPr lvl="0">
+                        <a:buNone/>
+                      </a:pPr>
+                      <a:r>
+                        <a:rPr lang="vi-VN" dirty="0" err="1"/>
+                        <a:t>Stack</a:t>
+                      </a:r>
+                    </a:p>
+                  </a:txBody>
+                  <a:tcPr/>
+                </a:tc>
+                <a:tc>
+                  <a:txBody>
+                    <a:bodyPr/>
+                    <a:lstStyle/>
+                    <a:p>
+                      <a:r>
+                        <a:rPr lang="vi-VN" dirty="0" err="1"/>
+                        <a:t>Heap</a:t>
+                      </a:r>
+                    </a:p>
+                  </a:txBody>
+                  <a:tcPr/>
+                </a:tc>
+                <a:extLst>
+                  <a:ext uri="{0D108BD9-81ED-4DB2-BD59-A6C34878D82A}">
+                    <a16:rowId xmlns:a16="http://schemas.microsoft.com/office/drawing/2014/main" val="1003756835"/>
+                  </a:ext>
+                </a:extLst>
+              </a:tr>
+              <a:tr h="370840">
+                <a:tc>
+                  <a:txBody>
+                    <a:bodyPr/>
+                    <a:lstStyle/>
+                    <a:p>
+                      <a:r>
+                        <a:rPr lang="vi-VN" sz="1200" dirty="0"/>
+                        <a:t>Phân bổ bộ nhớ</a:t>
+                      </a:r>
+                    </a:p>
+                  </a:txBody>
+                  <a:tcPr/>
+                </a:tc>
+                <a:tc>
+                  <a:txBody>
+                    <a:bodyPr/>
+                    <a:lstStyle/>
+                    <a:p>
+                      <a:r>
+                        <a:rPr lang="vi-VN" sz="1200" dirty="0"/>
+                        <a:t>Bộ nhớ được phân bổ trong các khối liền kề, được tự động theo hướng dẫn của </a:t>
+                      </a:r>
+                      <a:r>
+                        <a:rPr lang="vi-VN" sz="1200" dirty="0" err="1"/>
+                        <a:t>compiler</a:t>
+                      </a:r>
+                    </a:p>
+                  </a:txBody>
+                  <a:tcPr/>
+                </a:tc>
+                <a:tc>
+                  <a:txBody>
+                    <a:bodyPr/>
+                    <a:lstStyle/>
+                    <a:p>
+                      <a:r>
+                        <a:rPr lang="vi-VN" sz="1200" dirty="0"/>
+                        <a:t>Bộ nhớ phân bổ ngẫu nhiên,</a:t>
+                      </a:r>
+                    </a:p>
+                    <a:p>
+                      <a:pPr lvl="0">
+                        <a:buNone/>
+                      </a:pPr>
+                      <a:r>
+                        <a:rPr lang="vi-VN" sz="1200" dirty="0"/>
+                        <a:t>Được cấp phát theo chỉ thị của lập trình viên</a:t>
+                      </a:r>
+                    </a:p>
+                  </a:txBody>
+                  <a:tcPr/>
+                </a:tc>
+                <a:extLst>
+                  <a:ext uri="{0D108BD9-81ED-4DB2-BD59-A6C34878D82A}">
+                    <a16:rowId xmlns:a16="http://schemas.microsoft.com/office/drawing/2014/main" val="1371670079"/>
+                  </a:ext>
+                </a:extLst>
+              </a:tr>
+              <a:tr h="370840">
+                <a:tc>
+                  <a:txBody>
+                    <a:bodyPr/>
+                    <a:lstStyle/>
+                    <a:p>
+                      <a:r>
+                        <a:rPr lang="vi-VN" sz="1200" dirty="0"/>
+                        <a:t>Kích thước</a:t>
+                      </a:r>
+                    </a:p>
+                  </a:txBody>
+                  <a:tcPr/>
+                </a:tc>
+                <a:tc>
+                  <a:txBody>
+                    <a:bodyPr/>
+                    <a:lstStyle/>
+                    <a:p>
+                      <a:r>
+                        <a:rPr lang="vi-VN" sz="1200" dirty="0"/>
+                        <a:t>Nhỏ hơn, phụ thuộc vào hệ điều hành</a:t>
+                      </a:r>
+                    </a:p>
+                  </a:txBody>
+                  <a:tcPr/>
+                </a:tc>
+                <a:tc>
+                  <a:txBody>
+                    <a:bodyPr/>
+                    <a:lstStyle/>
+                    <a:p>
+                      <a:r>
+                        <a:rPr lang="vi-VN" sz="1200" dirty="0"/>
+                        <a:t>Lớn hơn , phụ thuộc và kích thước Ram</a:t>
+                      </a:r>
+                    </a:p>
+                  </a:txBody>
+                  <a:tcPr/>
+                </a:tc>
+                <a:extLst>
+                  <a:ext uri="{0D108BD9-81ED-4DB2-BD59-A6C34878D82A}">
+                    <a16:rowId xmlns:a16="http://schemas.microsoft.com/office/drawing/2014/main" val="1540182767"/>
+                  </a:ext>
+                </a:extLst>
+              </a:tr>
+              <a:tr h="370840">
+                <a:tc>
+                  <a:txBody>
+                    <a:bodyPr/>
+                    <a:lstStyle/>
+                    <a:p>
+                      <a:r>
+                        <a:rPr lang="vi-VN" sz="1200" dirty="0"/>
+                        <a:t>Thời gian truy cập</a:t>
+                      </a:r>
+                    </a:p>
+                  </a:txBody>
+                  <a:tcPr/>
+                </a:tc>
+                <a:tc>
+                  <a:txBody>
+                    <a:bodyPr/>
+                    <a:lstStyle/>
+                    <a:p>
+                      <a:r>
+                        <a:rPr lang="vi-VN" sz="1200" dirty="0"/>
+                        <a:t>Nhanh hơn </a:t>
+                      </a:r>
+                    </a:p>
+                  </a:txBody>
+                  <a:tcPr/>
+                </a:tc>
+                <a:tc>
+                  <a:txBody>
+                    <a:bodyPr/>
+                    <a:lstStyle/>
+                    <a:p>
+                      <a:r>
+                        <a:rPr lang="vi-VN" sz="1200" dirty="0"/>
+                        <a:t>Chậm hơn</a:t>
+                      </a:r>
+                    </a:p>
+                  </a:txBody>
+                  <a:tcPr/>
+                </a:tc>
+                <a:extLst>
+                  <a:ext uri="{0D108BD9-81ED-4DB2-BD59-A6C34878D82A}">
+                    <a16:rowId xmlns:a16="http://schemas.microsoft.com/office/drawing/2014/main" val="87156814"/>
+                  </a:ext>
+                </a:extLst>
+              </a:tr>
+              <a:tr h="370840">
+                <a:tc>
+                  <a:txBody>
+                    <a:bodyPr/>
+                    <a:lstStyle/>
+                    <a:p>
+                      <a:r>
+                        <a:rPr lang="vi-VN" sz="1200" dirty="0"/>
+                        <a:t>Vấn đề thường gặp</a:t>
+                      </a:r>
+                    </a:p>
+                  </a:txBody>
+                  <a:tcPr/>
+                </a:tc>
+                <a:tc>
+                  <a:txBody>
+                    <a:bodyPr/>
+                    <a:lstStyle/>
+                    <a:p>
+                      <a:r>
+                        <a:rPr lang="vi-VN" sz="1200" dirty="0" err="1"/>
+                        <a:t>Stack</a:t>
+                      </a:r>
+                      <a:r>
+                        <a:rPr lang="vi-VN" sz="1200" dirty="0"/>
+                        <a:t> </a:t>
+                      </a:r>
+                      <a:r>
+                        <a:rPr lang="vi-VN" sz="1200" dirty="0" err="1"/>
+                        <a:t>overflow</a:t>
+                      </a:r>
+                      <a:r>
+                        <a:rPr lang="vi-VN" sz="1200" dirty="0"/>
+                        <a:t> do thiếu bộ nhớ</a:t>
+                      </a:r>
+                    </a:p>
+                  </a:txBody>
+                  <a:tcPr/>
+                </a:tc>
+                <a:tc>
+                  <a:txBody>
+                    <a:bodyPr/>
+                    <a:lstStyle/>
+                    <a:p>
+                      <a:r>
+                        <a:rPr lang="vi-VN" sz="1200" dirty="0"/>
+                        <a:t>Phân mảnh bộ nhớ</a:t>
+                      </a:r>
+                    </a:p>
+                    <a:p>
+                      <a:pPr lvl="0">
+                        <a:buNone/>
+                      </a:pPr>
+                      <a:endParaRPr lang="vi-VN" sz="1200" dirty="0"/>
+                    </a:p>
+                  </a:txBody>
+                  <a:tcPr/>
+                </a:tc>
+                <a:extLst>
+                  <a:ext uri="{0D108BD9-81ED-4DB2-BD59-A6C34878D82A}">
+                    <a16:rowId xmlns:a16="http://schemas.microsoft.com/office/drawing/2014/main" val="2432329658"/>
+                  </a:ext>
+                </a:extLst>
+              </a:tr>
+              <a:tr h="370840">
+                <a:tc>
+                  <a:txBody>
+                    <a:bodyPr/>
+                    <a:lstStyle/>
+                    <a:p>
+                      <a:r>
+                        <a:rPr lang="vi-VN" sz="1200" dirty="0"/>
+                        <a:t>Khả năng thay đổi bộ nhớ</a:t>
+                      </a:r>
+                    </a:p>
+                  </a:txBody>
+                  <a:tcPr/>
+                </a:tc>
+                <a:tc>
+                  <a:txBody>
+                    <a:bodyPr/>
+                    <a:lstStyle/>
+                    <a:p>
+                      <a:r>
+                        <a:rPr lang="vi-VN" sz="1200" dirty="0"/>
+                        <a:t>Kích thước cố định</a:t>
+                      </a:r>
+                    </a:p>
+                  </a:txBody>
+                  <a:tcPr/>
+                </a:tc>
+                <a:tc>
+                  <a:txBody>
+                    <a:bodyPr/>
+                    <a:lstStyle/>
+                    <a:p>
+                      <a:r>
+                        <a:rPr lang="vi-VN" sz="1200" dirty="0"/>
+                        <a:t>Có thể thay đổi kích thước</a:t>
+                      </a:r>
+                    </a:p>
+                  </a:txBody>
+                  <a:tcPr/>
+                </a:tc>
+                <a:extLst>
+                  <a:ext uri="{0D108BD9-81ED-4DB2-BD59-A6C34878D82A}">
+                    <a16:rowId xmlns:a16="http://schemas.microsoft.com/office/drawing/2014/main" val="927604469"/>
+                  </a:ext>
+                </a:extLst>
+              </a:tr>
+              <a:tr h="370840">
+                <a:tc>
+                  <a:txBody>
+                    <a:bodyPr/>
+                    <a:lstStyle/>
+                    <a:p>
+                      <a:r>
+                        <a:rPr lang="vi-VN" sz="1200" dirty="0"/>
+                        <a:t>Cấu trúc dữ liệu </a:t>
+                      </a:r>
+                      <a:endParaRPr lang="vi-VN" sz="1200"/>
+                    </a:p>
+                  </a:txBody>
+                  <a:tcPr/>
+                </a:tc>
+                <a:tc>
+                  <a:txBody>
+                    <a:bodyPr/>
+                    <a:lstStyle/>
+                    <a:p>
+                      <a:pPr lvl="0">
+                        <a:buNone/>
+                      </a:pPr>
+                      <a:r>
+                        <a:rPr lang="vi-VN" sz="1200" dirty="0"/>
+                        <a:t>Tuyến tính , có thể triển khai các </a:t>
+                      </a:r>
+                      <a:r>
+                        <a:rPr lang="vi-VN" sz="1200" dirty="0" err="1"/>
+                        <a:t>Array</a:t>
+                      </a:r>
+                      <a:r>
+                        <a:rPr lang="vi-VN" sz="1200" dirty="0"/>
+                        <a:t> hoặc </a:t>
+                      </a:r>
+                      <a:r>
+                        <a:rPr lang="vi-VN" sz="1200" dirty="0" err="1"/>
+                        <a:t>Linker</a:t>
+                      </a:r>
+                      <a:r>
+                        <a:rPr lang="vi-VN" sz="1200" dirty="0"/>
+                        <a:t> </a:t>
+                      </a:r>
+                      <a:r>
+                        <a:rPr lang="vi-VN" sz="1200" dirty="0" err="1"/>
+                        <a:t>list</a:t>
+                      </a:r>
+                    </a:p>
+                  </a:txBody>
+                  <a:tcPr/>
+                </a:tc>
+                <a:tc>
+                  <a:txBody>
+                    <a:bodyPr/>
+                    <a:lstStyle/>
+                    <a:p>
+                      <a:r>
+                        <a:rPr lang="vi-VN" sz="1200" dirty="0"/>
+                        <a:t>Kiểu phân cấp , có thể triển khai </a:t>
+                      </a:r>
+                      <a:r>
+                        <a:rPr lang="vi-VN" sz="1200" dirty="0" err="1"/>
+                        <a:t>Array</a:t>
+                      </a:r>
+                      <a:r>
+                        <a:rPr lang="vi-VN" sz="1200" dirty="0"/>
+                        <a:t> hoặc </a:t>
+                      </a:r>
+                      <a:r>
+                        <a:rPr lang="vi-VN" sz="1200" dirty="0" err="1"/>
+                        <a:t>trees</a:t>
+                      </a:r>
+                      <a:endParaRPr lang="vi-VN" dirty="0"/>
+                    </a:p>
+                  </a:txBody>
+                  <a:tcPr/>
+                </a:tc>
+                <a:extLst>
+                  <a:ext uri="{0D108BD9-81ED-4DB2-BD59-A6C34878D82A}">
+                    <a16:rowId xmlns:a16="http://schemas.microsoft.com/office/drawing/2014/main" val="640788625"/>
+                  </a:ext>
+                </a:extLst>
+              </a:tr>
+              <a:tr h="370840">
+                <a:tc>
+                  <a:txBody>
+                    <a:bodyPr/>
+                    <a:lstStyle/>
+                    <a:p>
+                      <a:r>
+                        <a:rPr lang="vi-VN" sz="1200" dirty="0"/>
+                        <a:t>Độ an toàn</a:t>
+                      </a:r>
+                      <a:endParaRPr lang="vi-VN" dirty="0"/>
+                    </a:p>
+                  </a:txBody>
+                  <a:tcPr/>
+                </a:tc>
+                <a:tc>
+                  <a:txBody>
+                    <a:bodyPr/>
+                    <a:lstStyle/>
+                    <a:p>
+                      <a:r>
+                        <a:rPr lang="vi-VN" sz="1200" dirty="0"/>
+                        <a:t>An toàn vì </a:t>
+                      </a:r>
+                      <a:r>
+                        <a:rPr lang="vi-VN" sz="1200" dirty="0" err="1"/>
+                        <a:t>data</a:t>
+                      </a:r>
+                      <a:r>
+                        <a:rPr lang="vi-VN" sz="1200" dirty="0"/>
+                        <a:t> lưu trữ chỉ có thể truy cập bởi chính nó</a:t>
+                      </a:r>
+                    </a:p>
+                  </a:txBody>
+                  <a:tcPr/>
+                </a:tc>
+                <a:tc>
+                  <a:txBody>
+                    <a:bodyPr/>
+                    <a:lstStyle/>
+                    <a:p>
+                      <a:r>
+                        <a:rPr lang="vi-VN" sz="1200" dirty="0"/>
+                        <a:t>Không an toàn vì </a:t>
+                      </a:r>
+                      <a:r>
+                        <a:rPr lang="vi-VN" sz="1200" dirty="0" err="1"/>
+                        <a:t>data</a:t>
+                      </a:r>
+                      <a:r>
+                        <a:rPr lang="vi-VN" sz="1200" dirty="0"/>
+                        <a:t> có thể bị truy cập bởi tất cả các </a:t>
+                      </a:r>
+                      <a:r>
+                        <a:rPr lang="vi-VN" sz="1200" dirty="0" err="1"/>
+                        <a:t>thread</a:t>
+                      </a:r>
+                    </a:p>
+                  </a:txBody>
+                  <a:tcPr/>
+                </a:tc>
+                <a:extLst>
+                  <a:ext uri="{0D108BD9-81ED-4DB2-BD59-A6C34878D82A}">
+                    <a16:rowId xmlns:a16="http://schemas.microsoft.com/office/drawing/2014/main" val="1884982910"/>
+                  </a:ext>
+                </a:extLst>
+              </a:tr>
+            </a:tbl>
+          </a:graphicData>
+        </a:graphic>
+      </p:graphicFrame>
     </p:spTree>
     <p:extLst>
       <p:ext uri="{BB962C8B-B14F-4D97-AF65-F5344CB8AC3E}">
-        <p14:creationId xmlns:p14="http://schemas.microsoft.com/office/powerpoint/2010/main" val="1676060448"/>
+        <p14:creationId xmlns:p14="http://schemas.microsoft.com/office/powerpoint/2010/main" val="3102573968"/>
       </p:ext>
     </p:extLst>
   </p:cSld>
